--- a/contents/2020_ITinerary/assets/session_1/preclass.pptx
+++ b/contents/2020_ITinerary/assets/session_1/preclass.pptx
@@ -388,7 +388,7 @@
           <a:p>
             <a:fld id="{2F8130A2-CFDC-4F64-A56B-9BC7826900FC}" type="datetimeFigureOut">
               <a:rPr lang="ko-KR" altLang="en-US" smtClean="0"/>
-              <a:t>2020-11-20</a:t>
+              <a:t>2020-11-21</a:t>
             </a:fld>
             <a:endParaRPr lang="ko-KR" altLang="en-US"/>
           </a:p>
@@ -721,6 +721,891 @@
           <a:p>
             <a:fld id="{A248A177-227F-4E2F-A815-394152F0E3B8}" type="slidenum">
               <a:rPr lang="ko-KR" altLang="en-US" smtClean="0"/>
+              <a:t>2</a:t>
+            </a:fld>
+            <a:endParaRPr lang="ko-KR" altLang="en-US"/>
+          </a:p>
+        </p:txBody>
+      </p:sp>
+    </p:spTree>
+    <p:extLst>
+      <p:ext uri="{BB962C8B-B14F-4D97-AF65-F5344CB8AC3E}">
+        <p14:creationId xmlns:p14="http://schemas.microsoft.com/office/powerpoint/2010/main" val="2981302599"/>
+      </p:ext>
+    </p:extLst>
+  </p:cSld>
+  <p:clrMapOvr>
+    <a:masterClrMapping/>
+  </p:clrMapOvr>
+</p:notes>
+</file>
+
+<file path=ppt/notesSlides/notesSlide10.xml><?xml version="1.0" encoding="utf-8"?>
+<p:notes xmlns:a="http://schemas.openxmlformats.org/drawingml/2006/main" xmlns:r="http://schemas.openxmlformats.org/officeDocument/2006/relationships" xmlns:p="http://schemas.openxmlformats.org/presentationml/2006/main">
+  <p:cSld>
+    <p:spTree>
+      <p:nvGrpSpPr>
+        <p:cNvPr id="1" name=""/>
+        <p:cNvGrpSpPr/>
+        <p:nvPr/>
+      </p:nvGrpSpPr>
+      <p:grpSpPr>
+        <a:xfrm>
+          <a:off x="0" y="0"/>
+          <a:ext cx="0" cy="0"/>
+          <a:chOff x="0" y="0"/>
+          <a:chExt cx="0" cy="0"/>
+        </a:xfrm>
+      </p:grpSpPr>
+      <p:sp>
+        <p:nvSpPr>
+          <p:cNvPr id="2" name="Slide Image Placeholder 1"/>
+          <p:cNvSpPr>
+            <a:spLocks noGrp="1" noRot="1" noChangeAspect="1"/>
+          </p:cNvSpPr>
+          <p:nvPr>
+            <p:ph type="sldImg"/>
+          </p:nvPr>
+        </p:nvSpPr>
+        <p:spPr/>
+      </p:sp>
+      <p:sp>
+        <p:nvSpPr>
+          <p:cNvPr id="3" name="Notes Placeholder 2"/>
+          <p:cNvSpPr>
+            <a:spLocks noGrp="1"/>
+          </p:cNvSpPr>
+          <p:nvPr>
+            <p:ph type="body" idx="1"/>
+          </p:nvPr>
+        </p:nvSpPr>
+        <p:spPr/>
+        <p:txBody>
+          <a:bodyPr/>
+          <a:lstStyle/>
+          <a:p>
+            <a:endParaRPr lang="ko-KR" altLang="en-US" dirty="0"/>
+          </a:p>
+        </p:txBody>
+      </p:sp>
+      <p:sp>
+        <p:nvSpPr>
+          <p:cNvPr id="4" name="Slide Number Placeholder 3"/>
+          <p:cNvSpPr>
+            <a:spLocks noGrp="1"/>
+          </p:cNvSpPr>
+          <p:nvPr>
+            <p:ph type="sldNum" sz="quarter" idx="5"/>
+          </p:nvPr>
+        </p:nvSpPr>
+        <p:spPr/>
+        <p:txBody>
+          <a:bodyPr/>
+          <a:lstStyle/>
+          <a:p>
+            <a:fld id="{A248A177-227F-4E2F-A815-394152F0E3B8}" type="slidenum">
+              <a:rPr lang="ko-KR" altLang="en-US" smtClean="0"/>
+              <a:t>58</a:t>
+            </a:fld>
+            <a:endParaRPr lang="ko-KR" altLang="en-US"/>
+          </a:p>
+        </p:txBody>
+      </p:sp>
+    </p:spTree>
+    <p:extLst>
+      <p:ext uri="{BB962C8B-B14F-4D97-AF65-F5344CB8AC3E}">
+        <p14:creationId xmlns:p14="http://schemas.microsoft.com/office/powerpoint/2010/main" val="3454026144"/>
+      </p:ext>
+    </p:extLst>
+  </p:cSld>
+  <p:clrMapOvr>
+    <a:masterClrMapping/>
+  </p:clrMapOvr>
+</p:notes>
+</file>
+
+<file path=ppt/notesSlides/notesSlide11.xml><?xml version="1.0" encoding="utf-8"?>
+<p:notes xmlns:a="http://schemas.openxmlformats.org/drawingml/2006/main" xmlns:r="http://schemas.openxmlformats.org/officeDocument/2006/relationships" xmlns:p="http://schemas.openxmlformats.org/presentationml/2006/main">
+  <p:cSld>
+    <p:spTree>
+      <p:nvGrpSpPr>
+        <p:cNvPr id="1" name=""/>
+        <p:cNvGrpSpPr/>
+        <p:nvPr/>
+      </p:nvGrpSpPr>
+      <p:grpSpPr>
+        <a:xfrm>
+          <a:off x="0" y="0"/>
+          <a:ext cx="0" cy="0"/>
+          <a:chOff x="0" y="0"/>
+          <a:chExt cx="0" cy="0"/>
+        </a:xfrm>
+      </p:grpSpPr>
+      <p:sp>
+        <p:nvSpPr>
+          <p:cNvPr id="2" name="Slide Image Placeholder 1"/>
+          <p:cNvSpPr>
+            <a:spLocks noGrp="1" noRot="1" noChangeAspect="1"/>
+          </p:cNvSpPr>
+          <p:nvPr>
+            <p:ph type="sldImg"/>
+          </p:nvPr>
+        </p:nvSpPr>
+        <p:spPr/>
+      </p:sp>
+      <p:sp>
+        <p:nvSpPr>
+          <p:cNvPr id="3" name="Notes Placeholder 2"/>
+          <p:cNvSpPr>
+            <a:spLocks noGrp="1"/>
+          </p:cNvSpPr>
+          <p:nvPr>
+            <p:ph type="body" idx="1"/>
+          </p:nvPr>
+        </p:nvSpPr>
+        <p:spPr/>
+        <p:txBody>
+          <a:bodyPr/>
+          <a:lstStyle/>
+          <a:p>
+            <a:endParaRPr lang="ko-KR" altLang="en-US" dirty="0"/>
+          </a:p>
+        </p:txBody>
+      </p:sp>
+      <p:sp>
+        <p:nvSpPr>
+          <p:cNvPr id="4" name="Slide Number Placeholder 3"/>
+          <p:cNvSpPr>
+            <a:spLocks noGrp="1"/>
+          </p:cNvSpPr>
+          <p:nvPr>
+            <p:ph type="sldNum" sz="quarter" idx="5"/>
+          </p:nvPr>
+        </p:nvSpPr>
+        <p:spPr/>
+        <p:txBody>
+          <a:bodyPr/>
+          <a:lstStyle/>
+          <a:p>
+            <a:fld id="{A248A177-227F-4E2F-A815-394152F0E3B8}" type="slidenum">
+              <a:rPr lang="ko-KR" altLang="en-US" smtClean="0"/>
+              <a:t>63</a:t>
+            </a:fld>
+            <a:endParaRPr lang="ko-KR" altLang="en-US"/>
+          </a:p>
+        </p:txBody>
+      </p:sp>
+    </p:spTree>
+    <p:extLst>
+      <p:ext uri="{BB962C8B-B14F-4D97-AF65-F5344CB8AC3E}">
+        <p14:creationId xmlns:p14="http://schemas.microsoft.com/office/powerpoint/2010/main" val="3846723588"/>
+      </p:ext>
+    </p:extLst>
+  </p:cSld>
+  <p:clrMapOvr>
+    <a:masterClrMapping/>
+  </p:clrMapOvr>
+</p:notes>
+</file>
+
+<file path=ppt/notesSlides/notesSlide12.xml><?xml version="1.0" encoding="utf-8"?>
+<p:notes xmlns:a="http://schemas.openxmlformats.org/drawingml/2006/main" xmlns:r="http://schemas.openxmlformats.org/officeDocument/2006/relationships" xmlns:p="http://schemas.openxmlformats.org/presentationml/2006/main">
+  <p:cSld>
+    <p:spTree>
+      <p:nvGrpSpPr>
+        <p:cNvPr id="1" name=""/>
+        <p:cNvGrpSpPr/>
+        <p:nvPr/>
+      </p:nvGrpSpPr>
+      <p:grpSpPr>
+        <a:xfrm>
+          <a:off x="0" y="0"/>
+          <a:ext cx="0" cy="0"/>
+          <a:chOff x="0" y="0"/>
+          <a:chExt cx="0" cy="0"/>
+        </a:xfrm>
+      </p:grpSpPr>
+      <p:sp>
+        <p:nvSpPr>
+          <p:cNvPr id="2" name="Slide Image Placeholder 1"/>
+          <p:cNvSpPr>
+            <a:spLocks noGrp="1" noRot="1" noChangeAspect="1"/>
+          </p:cNvSpPr>
+          <p:nvPr>
+            <p:ph type="sldImg"/>
+          </p:nvPr>
+        </p:nvSpPr>
+        <p:spPr/>
+      </p:sp>
+      <p:sp>
+        <p:nvSpPr>
+          <p:cNvPr id="3" name="Notes Placeholder 2"/>
+          <p:cNvSpPr>
+            <a:spLocks noGrp="1"/>
+          </p:cNvSpPr>
+          <p:nvPr>
+            <p:ph type="body" idx="1"/>
+          </p:nvPr>
+        </p:nvSpPr>
+        <p:spPr/>
+        <p:txBody>
+          <a:bodyPr/>
+          <a:lstStyle/>
+          <a:p>
+            <a:endParaRPr lang="ko-KR" altLang="en-US" dirty="0"/>
+          </a:p>
+        </p:txBody>
+      </p:sp>
+      <p:sp>
+        <p:nvSpPr>
+          <p:cNvPr id="4" name="Slide Number Placeholder 3"/>
+          <p:cNvSpPr>
+            <a:spLocks noGrp="1"/>
+          </p:cNvSpPr>
+          <p:nvPr>
+            <p:ph type="sldNum" sz="quarter" idx="5"/>
+          </p:nvPr>
+        </p:nvSpPr>
+        <p:spPr/>
+        <p:txBody>
+          <a:bodyPr/>
+          <a:lstStyle/>
+          <a:p>
+            <a:fld id="{A248A177-227F-4E2F-A815-394152F0E3B8}" type="slidenum">
+              <a:rPr lang="ko-KR" altLang="en-US" smtClean="0"/>
+              <a:t>66</a:t>
+            </a:fld>
+            <a:endParaRPr lang="ko-KR" altLang="en-US"/>
+          </a:p>
+        </p:txBody>
+      </p:sp>
+    </p:spTree>
+    <p:extLst>
+      <p:ext uri="{BB962C8B-B14F-4D97-AF65-F5344CB8AC3E}">
+        <p14:creationId xmlns:p14="http://schemas.microsoft.com/office/powerpoint/2010/main" val="1519814210"/>
+      </p:ext>
+    </p:extLst>
+  </p:cSld>
+  <p:clrMapOvr>
+    <a:masterClrMapping/>
+  </p:clrMapOvr>
+</p:notes>
+</file>
+
+<file path=ppt/notesSlides/notesSlide13.xml><?xml version="1.0" encoding="utf-8"?>
+<p:notes xmlns:a="http://schemas.openxmlformats.org/drawingml/2006/main" xmlns:r="http://schemas.openxmlformats.org/officeDocument/2006/relationships" xmlns:p="http://schemas.openxmlformats.org/presentationml/2006/main">
+  <p:cSld>
+    <p:spTree>
+      <p:nvGrpSpPr>
+        <p:cNvPr id="1" name=""/>
+        <p:cNvGrpSpPr/>
+        <p:nvPr/>
+      </p:nvGrpSpPr>
+      <p:grpSpPr>
+        <a:xfrm>
+          <a:off x="0" y="0"/>
+          <a:ext cx="0" cy="0"/>
+          <a:chOff x="0" y="0"/>
+          <a:chExt cx="0" cy="0"/>
+        </a:xfrm>
+      </p:grpSpPr>
+      <p:sp>
+        <p:nvSpPr>
+          <p:cNvPr id="2" name="Slide Image Placeholder 1"/>
+          <p:cNvSpPr>
+            <a:spLocks noGrp="1" noRot="1" noChangeAspect="1"/>
+          </p:cNvSpPr>
+          <p:nvPr>
+            <p:ph type="sldImg"/>
+          </p:nvPr>
+        </p:nvSpPr>
+        <p:spPr/>
+      </p:sp>
+      <p:sp>
+        <p:nvSpPr>
+          <p:cNvPr id="3" name="Notes Placeholder 2"/>
+          <p:cNvSpPr>
+            <a:spLocks noGrp="1"/>
+          </p:cNvSpPr>
+          <p:nvPr>
+            <p:ph type="body" idx="1"/>
+          </p:nvPr>
+        </p:nvSpPr>
+        <p:spPr/>
+        <p:txBody>
+          <a:bodyPr/>
+          <a:lstStyle/>
+          <a:p>
+            <a:r>
+              <a:rPr lang="ko-KR" altLang="en-US" dirty="0"/>
+              <a:t>접근 제어자는 </a:t>
+            </a:r>
+            <a:r>
+              <a:rPr lang="en-US" altLang="ko-KR" dirty="0"/>
+              <a:t>supplement</a:t>
+            </a:r>
+            <a:r>
+              <a:rPr lang="ko-KR" altLang="en-US" dirty="0"/>
+              <a:t>에서 봐라</a:t>
+            </a:r>
+          </a:p>
+        </p:txBody>
+      </p:sp>
+      <p:sp>
+        <p:nvSpPr>
+          <p:cNvPr id="4" name="Slide Number Placeholder 3"/>
+          <p:cNvSpPr>
+            <a:spLocks noGrp="1"/>
+          </p:cNvSpPr>
+          <p:nvPr>
+            <p:ph type="sldNum" sz="quarter" idx="5"/>
+          </p:nvPr>
+        </p:nvSpPr>
+        <p:spPr/>
+        <p:txBody>
+          <a:bodyPr/>
+          <a:lstStyle/>
+          <a:p>
+            <a:fld id="{A248A177-227F-4E2F-A815-394152F0E3B8}" type="slidenum">
+              <a:rPr lang="ko-KR" altLang="en-US" smtClean="0"/>
+              <a:t>75</a:t>
+            </a:fld>
+            <a:endParaRPr lang="ko-KR" altLang="en-US"/>
+          </a:p>
+        </p:txBody>
+      </p:sp>
+    </p:spTree>
+    <p:extLst>
+      <p:ext uri="{BB962C8B-B14F-4D97-AF65-F5344CB8AC3E}">
+        <p14:creationId xmlns:p14="http://schemas.microsoft.com/office/powerpoint/2010/main" val="2960697908"/>
+      </p:ext>
+    </p:extLst>
+  </p:cSld>
+  <p:clrMapOvr>
+    <a:masterClrMapping/>
+  </p:clrMapOvr>
+</p:notes>
+</file>
+
+<file path=ppt/notesSlides/notesSlide14.xml><?xml version="1.0" encoding="utf-8"?>
+<p:notes xmlns:a="http://schemas.openxmlformats.org/drawingml/2006/main" xmlns:r="http://schemas.openxmlformats.org/officeDocument/2006/relationships" xmlns:p="http://schemas.openxmlformats.org/presentationml/2006/main">
+  <p:cSld>
+    <p:spTree>
+      <p:nvGrpSpPr>
+        <p:cNvPr id="1" name=""/>
+        <p:cNvGrpSpPr/>
+        <p:nvPr/>
+      </p:nvGrpSpPr>
+      <p:grpSpPr>
+        <a:xfrm>
+          <a:off x="0" y="0"/>
+          <a:ext cx="0" cy="0"/>
+          <a:chOff x="0" y="0"/>
+          <a:chExt cx="0" cy="0"/>
+        </a:xfrm>
+      </p:grpSpPr>
+      <p:sp>
+        <p:nvSpPr>
+          <p:cNvPr id="2" name="Slide Image Placeholder 1"/>
+          <p:cNvSpPr>
+            <a:spLocks noGrp="1" noRot="1" noChangeAspect="1"/>
+          </p:cNvSpPr>
+          <p:nvPr>
+            <p:ph type="sldImg"/>
+          </p:nvPr>
+        </p:nvSpPr>
+        <p:spPr/>
+      </p:sp>
+      <p:sp>
+        <p:nvSpPr>
+          <p:cNvPr id="3" name="Notes Placeholder 2"/>
+          <p:cNvSpPr>
+            <a:spLocks noGrp="1"/>
+          </p:cNvSpPr>
+          <p:nvPr>
+            <p:ph type="body" idx="1"/>
+          </p:nvPr>
+        </p:nvSpPr>
+        <p:spPr/>
+        <p:txBody>
+          <a:bodyPr/>
+          <a:lstStyle/>
+          <a:p>
+            <a:r>
+              <a:rPr lang="ko-KR" altLang="en-US" dirty="0"/>
+              <a:t>와일드카드는 추천 </a:t>
+            </a:r>
+            <a:r>
+              <a:rPr lang="en-US" altLang="ko-KR" dirty="0"/>
+              <a:t>X</a:t>
+            </a:r>
+          </a:p>
+          <a:p>
+            <a:pPr marL="171450" indent="-171450">
+              <a:buFontTx/>
+              <a:buChar char="-"/>
+            </a:pPr>
+            <a:r>
+              <a:rPr lang="ko-KR" altLang="en-US" dirty="0"/>
+              <a:t>다른 </a:t>
+            </a:r>
+            <a:r>
+              <a:rPr lang="ko-KR" altLang="en-US" dirty="0" err="1"/>
+              <a:t>애들이랑</a:t>
+            </a:r>
+            <a:r>
+              <a:rPr lang="ko-KR" altLang="en-US" dirty="0"/>
+              <a:t> 이름 겹치는 게 있을 수도</a:t>
+            </a:r>
+            <a:endParaRPr lang="en-US" altLang="ko-KR" dirty="0"/>
+          </a:p>
+        </p:txBody>
+      </p:sp>
+      <p:sp>
+        <p:nvSpPr>
+          <p:cNvPr id="4" name="Slide Number Placeholder 3"/>
+          <p:cNvSpPr>
+            <a:spLocks noGrp="1"/>
+          </p:cNvSpPr>
+          <p:nvPr>
+            <p:ph type="sldNum" sz="quarter" idx="5"/>
+          </p:nvPr>
+        </p:nvSpPr>
+        <p:spPr/>
+        <p:txBody>
+          <a:bodyPr/>
+          <a:lstStyle/>
+          <a:p>
+            <a:fld id="{A248A177-227F-4E2F-A815-394152F0E3B8}" type="slidenum">
+              <a:rPr lang="ko-KR" altLang="en-US" smtClean="0"/>
+              <a:t>83</a:t>
+            </a:fld>
+            <a:endParaRPr lang="ko-KR" altLang="en-US"/>
+          </a:p>
+        </p:txBody>
+      </p:sp>
+    </p:spTree>
+    <p:extLst>
+      <p:ext uri="{BB962C8B-B14F-4D97-AF65-F5344CB8AC3E}">
+        <p14:creationId xmlns:p14="http://schemas.microsoft.com/office/powerpoint/2010/main" val="2574578835"/>
+      </p:ext>
+    </p:extLst>
+  </p:cSld>
+  <p:clrMapOvr>
+    <a:masterClrMapping/>
+  </p:clrMapOvr>
+</p:notes>
+</file>
+
+<file path=ppt/notesSlides/notesSlide15.xml><?xml version="1.0" encoding="utf-8"?>
+<p:notes xmlns:a="http://schemas.openxmlformats.org/drawingml/2006/main" xmlns:r="http://schemas.openxmlformats.org/officeDocument/2006/relationships" xmlns:p="http://schemas.openxmlformats.org/presentationml/2006/main">
+  <p:cSld>
+    <p:spTree>
+      <p:nvGrpSpPr>
+        <p:cNvPr id="1" name=""/>
+        <p:cNvGrpSpPr/>
+        <p:nvPr/>
+      </p:nvGrpSpPr>
+      <p:grpSpPr>
+        <a:xfrm>
+          <a:off x="0" y="0"/>
+          <a:ext cx="0" cy="0"/>
+          <a:chOff x="0" y="0"/>
+          <a:chExt cx="0" cy="0"/>
+        </a:xfrm>
+      </p:grpSpPr>
+      <p:sp>
+        <p:nvSpPr>
+          <p:cNvPr id="2" name="Slide Image Placeholder 1"/>
+          <p:cNvSpPr>
+            <a:spLocks noGrp="1" noRot="1" noChangeAspect="1"/>
+          </p:cNvSpPr>
+          <p:nvPr>
+            <p:ph type="sldImg"/>
+          </p:nvPr>
+        </p:nvSpPr>
+        <p:spPr/>
+      </p:sp>
+      <p:sp>
+        <p:nvSpPr>
+          <p:cNvPr id="3" name="Notes Placeholder 2"/>
+          <p:cNvSpPr>
+            <a:spLocks noGrp="1"/>
+          </p:cNvSpPr>
+          <p:nvPr>
+            <p:ph type="body" idx="1"/>
+          </p:nvPr>
+        </p:nvSpPr>
+        <p:spPr/>
+        <p:txBody>
+          <a:bodyPr/>
+          <a:lstStyle/>
+          <a:p>
+            <a:endParaRPr lang="ko-KR" altLang="en-US" dirty="0"/>
+          </a:p>
+        </p:txBody>
+      </p:sp>
+      <p:sp>
+        <p:nvSpPr>
+          <p:cNvPr id="4" name="Slide Number Placeholder 3"/>
+          <p:cNvSpPr>
+            <a:spLocks noGrp="1"/>
+          </p:cNvSpPr>
+          <p:nvPr>
+            <p:ph type="sldNum" sz="quarter" idx="5"/>
+          </p:nvPr>
+        </p:nvSpPr>
+        <p:spPr/>
+        <p:txBody>
+          <a:bodyPr/>
+          <a:lstStyle/>
+          <a:p>
+            <a:fld id="{A248A177-227F-4E2F-A815-394152F0E3B8}" type="slidenum">
+              <a:rPr lang="ko-KR" altLang="en-US" smtClean="0"/>
+              <a:t>84</a:t>
+            </a:fld>
+            <a:endParaRPr lang="ko-KR" altLang="en-US"/>
+          </a:p>
+        </p:txBody>
+      </p:sp>
+    </p:spTree>
+    <p:extLst>
+      <p:ext uri="{BB962C8B-B14F-4D97-AF65-F5344CB8AC3E}">
+        <p14:creationId xmlns:p14="http://schemas.microsoft.com/office/powerpoint/2010/main" val="3063416856"/>
+      </p:ext>
+    </p:extLst>
+  </p:cSld>
+  <p:clrMapOvr>
+    <a:masterClrMapping/>
+  </p:clrMapOvr>
+</p:notes>
+</file>
+
+<file path=ppt/notesSlides/notesSlide16.xml><?xml version="1.0" encoding="utf-8"?>
+<p:notes xmlns:a="http://schemas.openxmlformats.org/drawingml/2006/main" xmlns:r="http://schemas.openxmlformats.org/officeDocument/2006/relationships" xmlns:p="http://schemas.openxmlformats.org/presentationml/2006/main">
+  <p:cSld>
+    <p:spTree>
+      <p:nvGrpSpPr>
+        <p:cNvPr id="1" name=""/>
+        <p:cNvGrpSpPr/>
+        <p:nvPr/>
+      </p:nvGrpSpPr>
+      <p:grpSpPr>
+        <a:xfrm>
+          <a:off x="0" y="0"/>
+          <a:ext cx="0" cy="0"/>
+          <a:chOff x="0" y="0"/>
+          <a:chExt cx="0" cy="0"/>
+        </a:xfrm>
+      </p:grpSpPr>
+      <p:sp>
+        <p:nvSpPr>
+          <p:cNvPr id="2" name="Slide Image Placeholder 1"/>
+          <p:cNvSpPr>
+            <a:spLocks noGrp="1" noRot="1" noChangeAspect="1"/>
+          </p:cNvSpPr>
+          <p:nvPr>
+            <p:ph type="sldImg"/>
+          </p:nvPr>
+        </p:nvSpPr>
+        <p:spPr/>
+      </p:sp>
+      <p:sp>
+        <p:nvSpPr>
+          <p:cNvPr id="3" name="Notes Placeholder 2"/>
+          <p:cNvSpPr>
+            <a:spLocks noGrp="1"/>
+          </p:cNvSpPr>
+          <p:nvPr>
+            <p:ph type="body" idx="1"/>
+          </p:nvPr>
+        </p:nvSpPr>
+        <p:spPr/>
+        <p:txBody>
+          <a:bodyPr/>
+          <a:lstStyle/>
+          <a:p>
+            <a:endParaRPr lang="ko-KR" altLang="en-US" dirty="0"/>
+          </a:p>
+        </p:txBody>
+      </p:sp>
+      <p:sp>
+        <p:nvSpPr>
+          <p:cNvPr id="4" name="Slide Number Placeholder 3"/>
+          <p:cNvSpPr>
+            <a:spLocks noGrp="1"/>
+          </p:cNvSpPr>
+          <p:nvPr>
+            <p:ph type="sldNum" sz="quarter" idx="5"/>
+          </p:nvPr>
+        </p:nvSpPr>
+        <p:spPr/>
+        <p:txBody>
+          <a:bodyPr/>
+          <a:lstStyle/>
+          <a:p>
+            <a:fld id="{A248A177-227F-4E2F-A815-394152F0E3B8}" type="slidenum">
+              <a:rPr lang="ko-KR" altLang="en-US" smtClean="0"/>
+              <a:t>85</a:t>
+            </a:fld>
+            <a:endParaRPr lang="ko-KR" altLang="en-US"/>
+          </a:p>
+        </p:txBody>
+      </p:sp>
+    </p:spTree>
+    <p:extLst>
+      <p:ext uri="{BB962C8B-B14F-4D97-AF65-F5344CB8AC3E}">
+        <p14:creationId xmlns:p14="http://schemas.microsoft.com/office/powerpoint/2010/main" val="3692599902"/>
+      </p:ext>
+    </p:extLst>
+  </p:cSld>
+  <p:clrMapOvr>
+    <a:masterClrMapping/>
+  </p:clrMapOvr>
+</p:notes>
+</file>
+
+<file path=ppt/notesSlides/notesSlide2.xml><?xml version="1.0" encoding="utf-8"?>
+<p:notes xmlns:a="http://schemas.openxmlformats.org/drawingml/2006/main" xmlns:r="http://schemas.openxmlformats.org/officeDocument/2006/relationships" xmlns:p="http://schemas.openxmlformats.org/presentationml/2006/main">
+  <p:cSld>
+    <p:spTree>
+      <p:nvGrpSpPr>
+        <p:cNvPr id="1" name=""/>
+        <p:cNvGrpSpPr/>
+        <p:nvPr/>
+      </p:nvGrpSpPr>
+      <p:grpSpPr>
+        <a:xfrm>
+          <a:off x="0" y="0"/>
+          <a:ext cx="0" cy="0"/>
+          <a:chOff x="0" y="0"/>
+          <a:chExt cx="0" cy="0"/>
+        </a:xfrm>
+      </p:grpSpPr>
+      <p:sp>
+        <p:nvSpPr>
+          <p:cNvPr id="2" name="Slide Image Placeholder 1"/>
+          <p:cNvSpPr>
+            <a:spLocks noGrp="1" noRot="1" noChangeAspect="1"/>
+          </p:cNvSpPr>
+          <p:nvPr>
+            <p:ph type="sldImg"/>
+          </p:nvPr>
+        </p:nvSpPr>
+        <p:spPr/>
+      </p:sp>
+      <p:sp>
+        <p:nvSpPr>
+          <p:cNvPr id="3" name="Notes Placeholder 2"/>
+          <p:cNvSpPr>
+            <a:spLocks noGrp="1"/>
+          </p:cNvSpPr>
+          <p:nvPr>
+            <p:ph type="body" idx="1"/>
+          </p:nvPr>
+        </p:nvSpPr>
+        <p:spPr/>
+        <p:txBody>
+          <a:bodyPr/>
+          <a:lstStyle/>
+          <a:p>
+            <a:endParaRPr lang="ko-KR" altLang="en-US" dirty="0"/>
+          </a:p>
+        </p:txBody>
+      </p:sp>
+      <p:sp>
+        <p:nvSpPr>
+          <p:cNvPr id="4" name="Slide Number Placeholder 3"/>
+          <p:cNvSpPr>
+            <a:spLocks noGrp="1"/>
+          </p:cNvSpPr>
+          <p:nvPr>
+            <p:ph type="sldNum" sz="quarter" idx="5"/>
+          </p:nvPr>
+        </p:nvSpPr>
+        <p:spPr/>
+        <p:txBody>
+          <a:bodyPr/>
+          <a:lstStyle/>
+          <a:p>
+            <a:fld id="{A248A177-227F-4E2F-A815-394152F0E3B8}" type="slidenum">
+              <a:rPr lang="ko-KR" altLang="en-US" smtClean="0"/>
+              <a:t>3</a:t>
+            </a:fld>
+            <a:endParaRPr lang="ko-KR" altLang="en-US"/>
+          </a:p>
+        </p:txBody>
+      </p:sp>
+    </p:spTree>
+    <p:extLst>
+      <p:ext uri="{BB962C8B-B14F-4D97-AF65-F5344CB8AC3E}">
+        <p14:creationId xmlns:p14="http://schemas.microsoft.com/office/powerpoint/2010/main" val="3590348277"/>
+      </p:ext>
+    </p:extLst>
+  </p:cSld>
+  <p:clrMapOvr>
+    <a:masterClrMapping/>
+  </p:clrMapOvr>
+</p:notes>
+</file>
+
+<file path=ppt/notesSlides/notesSlide3.xml><?xml version="1.0" encoding="utf-8"?>
+<p:notes xmlns:a="http://schemas.openxmlformats.org/drawingml/2006/main" xmlns:r="http://schemas.openxmlformats.org/officeDocument/2006/relationships" xmlns:p="http://schemas.openxmlformats.org/presentationml/2006/main">
+  <p:cSld>
+    <p:spTree>
+      <p:nvGrpSpPr>
+        <p:cNvPr id="1" name=""/>
+        <p:cNvGrpSpPr/>
+        <p:nvPr/>
+      </p:nvGrpSpPr>
+      <p:grpSpPr>
+        <a:xfrm>
+          <a:off x="0" y="0"/>
+          <a:ext cx="0" cy="0"/>
+          <a:chOff x="0" y="0"/>
+          <a:chExt cx="0" cy="0"/>
+        </a:xfrm>
+      </p:grpSpPr>
+      <p:sp>
+        <p:nvSpPr>
+          <p:cNvPr id="2" name="Slide Image Placeholder 1"/>
+          <p:cNvSpPr>
+            <a:spLocks noGrp="1" noRot="1" noChangeAspect="1"/>
+          </p:cNvSpPr>
+          <p:nvPr>
+            <p:ph type="sldImg"/>
+          </p:nvPr>
+        </p:nvSpPr>
+        <p:spPr/>
+      </p:sp>
+      <p:sp>
+        <p:nvSpPr>
+          <p:cNvPr id="3" name="Notes Placeholder 2"/>
+          <p:cNvSpPr>
+            <a:spLocks noGrp="1"/>
+          </p:cNvSpPr>
+          <p:nvPr>
+            <p:ph type="body" idx="1"/>
+          </p:nvPr>
+        </p:nvSpPr>
+        <p:spPr/>
+        <p:txBody>
+          <a:bodyPr/>
+          <a:lstStyle/>
+          <a:p>
+            <a:r>
+              <a:rPr lang="ko-KR" altLang="en-US" dirty="0"/>
+              <a:t>무지 쉽고 강력해</a:t>
+            </a:r>
+            <a:r>
+              <a:rPr lang="en-US" altLang="ko-KR" dirty="0"/>
+              <a:t>!!</a:t>
+            </a:r>
+            <a:endParaRPr lang="ko-KR" altLang="en-US" dirty="0"/>
+          </a:p>
+        </p:txBody>
+      </p:sp>
+      <p:sp>
+        <p:nvSpPr>
+          <p:cNvPr id="4" name="Slide Number Placeholder 3"/>
+          <p:cNvSpPr>
+            <a:spLocks noGrp="1"/>
+          </p:cNvSpPr>
+          <p:nvPr>
+            <p:ph type="sldNum" sz="quarter" idx="5"/>
+          </p:nvPr>
+        </p:nvSpPr>
+        <p:spPr/>
+        <p:txBody>
+          <a:bodyPr/>
+          <a:lstStyle/>
+          <a:p>
+            <a:fld id="{A248A177-227F-4E2F-A815-394152F0E3B8}" type="slidenum">
+              <a:rPr lang="ko-KR" altLang="en-US" smtClean="0"/>
+              <a:t>15</a:t>
+            </a:fld>
+            <a:endParaRPr lang="ko-KR" altLang="en-US"/>
+          </a:p>
+        </p:txBody>
+      </p:sp>
+    </p:spTree>
+    <p:extLst>
+      <p:ext uri="{BB962C8B-B14F-4D97-AF65-F5344CB8AC3E}">
+        <p14:creationId xmlns:p14="http://schemas.microsoft.com/office/powerpoint/2010/main" val="1108464535"/>
+      </p:ext>
+    </p:extLst>
+  </p:cSld>
+  <p:clrMapOvr>
+    <a:masterClrMapping/>
+  </p:clrMapOvr>
+</p:notes>
+</file>
+
+<file path=ppt/notesSlides/notesSlide4.xml><?xml version="1.0" encoding="utf-8"?>
+<p:notes xmlns:a="http://schemas.openxmlformats.org/drawingml/2006/main" xmlns:r="http://schemas.openxmlformats.org/officeDocument/2006/relationships" xmlns:p="http://schemas.openxmlformats.org/presentationml/2006/main">
+  <p:cSld>
+    <p:spTree>
+      <p:nvGrpSpPr>
+        <p:cNvPr id="1" name=""/>
+        <p:cNvGrpSpPr/>
+        <p:nvPr/>
+      </p:nvGrpSpPr>
+      <p:grpSpPr>
+        <a:xfrm>
+          <a:off x="0" y="0"/>
+          <a:ext cx="0" cy="0"/>
+          <a:chOff x="0" y="0"/>
+          <a:chExt cx="0" cy="0"/>
+        </a:xfrm>
+      </p:grpSpPr>
+      <p:sp>
+        <p:nvSpPr>
+          <p:cNvPr id="2" name="Slide Image Placeholder 1"/>
+          <p:cNvSpPr>
+            <a:spLocks noGrp="1" noRot="1" noChangeAspect="1"/>
+          </p:cNvSpPr>
+          <p:nvPr>
+            <p:ph type="sldImg"/>
+          </p:nvPr>
+        </p:nvSpPr>
+        <p:spPr/>
+      </p:sp>
+      <p:sp>
+        <p:nvSpPr>
+          <p:cNvPr id="3" name="Notes Placeholder 2"/>
+          <p:cNvSpPr>
+            <a:spLocks noGrp="1"/>
+          </p:cNvSpPr>
+          <p:nvPr>
+            <p:ph type="body" idx="1"/>
+          </p:nvPr>
+        </p:nvSpPr>
+        <p:spPr/>
+        <p:txBody>
+          <a:bodyPr/>
+          <a:lstStyle/>
+          <a:p>
+            <a:endParaRPr lang="ko-KR" altLang="en-US" dirty="0"/>
+          </a:p>
+        </p:txBody>
+      </p:sp>
+      <p:sp>
+        <p:nvSpPr>
+          <p:cNvPr id="4" name="Slide Number Placeholder 3"/>
+          <p:cNvSpPr>
+            <a:spLocks noGrp="1"/>
+          </p:cNvSpPr>
+          <p:nvPr>
+            <p:ph type="sldNum" sz="quarter" idx="5"/>
+          </p:nvPr>
+        </p:nvSpPr>
+        <p:spPr/>
+        <p:txBody>
+          <a:bodyPr/>
+          <a:lstStyle/>
+          <a:p>
+            <a:fld id="{A248A177-227F-4E2F-A815-394152F0E3B8}" type="slidenum">
+              <a:rPr lang="ko-KR" altLang="en-US" smtClean="0"/>
               <a:t>16</a:t>
             </a:fld>
             <a:endParaRPr lang="ko-KR" altLang="en-US"/>
@@ -731,6 +1616,624 @@
     <p:extLst>
       <p:ext uri="{BB962C8B-B14F-4D97-AF65-F5344CB8AC3E}">
         <p14:creationId xmlns:p14="http://schemas.microsoft.com/office/powerpoint/2010/main" val="3236278874"/>
+      </p:ext>
+    </p:extLst>
+  </p:cSld>
+  <p:clrMapOvr>
+    <a:masterClrMapping/>
+  </p:clrMapOvr>
+</p:notes>
+</file>
+
+<file path=ppt/notesSlides/notesSlide5.xml><?xml version="1.0" encoding="utf-8"?>
+<p:notes xmlns:a="http://schemas.openxmlformats.org/drawingml/2006/main" xmlns:r="http://schemas.openxmlformats.org/officeDocument/2006/relationships" xmlns:p="http://schemas.openxmlformats.org/presentationml/2006/main">
+  <p:cSld>
+    <p:spTree>
+      <p:nvGrpSpPr>
+        <p:cNvPr id="1" name=""/>
+        <p:cNvGrpSpPr/>
+        <p:nvPr/>
+      </p:nvGrpSpPr>
+      <p:grpSpPr>
+        <a:xfrm>
+          <a:off x="0" y="0"/>
+          <a:ext cx="0" cy="0"/>
+          <a:chOff x="0" y="0"/>
+          <a:chExt cx="0" cy="0"/>
+        </a:xfrm>
+      </p:grpSpPr>
+      <p:sp>
+        <p:nvSpPr>
+          <p:cNvPr id="2" name="Slide Image Placeholder 1"/>
+          <p:cNvSpPr>
+            <a:spLocks noGrp="1" noRot="1" noChangeAspect="1"/>
+          </p:cNvSpPr>
+          <p:nvPr>
+            <p:ph type="sldImg"/>
+          </p:nvPr>
+        </p:nvSpPr>
+        <p:spPr/>
+      </p:sp>
+      <p:sp>
+        <p:nvSpPr>
+          <p:cNvPr id="3" name="Notes Placeholder 2"/>
+          <p:cNvSpPr>
+            <a:spLocks noGrp="1"/>
+          </p:cNvSpPr>
+          <p:nvPr>
+            <p:ph type="body" idx="1"/>
+          </p:nvPr>
+        </p:nvSpPr>
+        <p:spPr/>
+        <p:txBody>
+          <a:bodyPr/>
+          <a:lstStyle/>
+          <a:p>
+            <a:r>
+              <a:rPr lang="ko-KR" altLang="en-US" dirty="0"/>
+              <a:t>인기있는 언어 </a:t>
+            </a:r>
+            <a:r>
+              <a:rPr lang="en-US" altLang="ko-KR" dirty="0"/>
+              <a:t>-&gt; </a:t>
+            </a:r>
+            <a:r>
+              <a:rPr lang="ko-KR" altLang="en-US" dirty="0"/>
+              <a:t>개발자도 많음</a:t>
+            </a:r>
+            <a:r>
+              <a:rPr lang="en-US" altLang="ko-KR" dirty="0"/>
+              <a:t> -&gt; </a:t>
+            </a:r>
+            <a:r>
+              <a:rPr lang="ko-KR" altLang="en-US" dirty="0"/>
+              <a:t>많은 다양한 기능을 라이브러리로 </a:t>
+            </a:r>
+            <a:r>
+              <a:rPr lang="ko-KR" altLang="en-US" dirty="0" err="1"/>
+              <a:t>구현해놓음</a:t>
+            </a:r>
+            <a:endParaRPr lang="en-US" altLang="ko-KR" dirty="0"/>
+          </a:p>
+          <a:p>
+            <a:r>
+              <a:rPr lang="en-US" altLang="ko-KR" dirty="0"/>
+              <a:t>- </a:t>
+            </a:r>
+            <a:r>
+              <a:rPr lang="ko-KR" altLang="en-US" dirty="0"/>
+              <a:t>영상 처리</a:t>
+            </a:r>
+            <a:r>
+              <a:rPr lang="en-US" altLang="ko-KR" dirty="0"/>
+              <a:t>, </a:t>
+            </a:r>
+            <a:r>
+              <a:rPr lang="ko-KR" altLang="en-US" dirty="0"/>
+              <a:t>딥</a:t>
+            </a:r>
+            <a:r>
+              <a:rPr lang="en-US" altLang="ko-KR" dirty="0"/>
+              <a:t>/</a:t>
+            </a:r>
+            <a:r>
+              <a:rPr lang="ko-KR" altLang="en-US" dirty="0" err="1"/>
+              <a:t>머신러닝</a:t>
+            </a:r>
+            <a:r>
+              <a:rPr lang="en-US" altLang="ko-KR" dirty="0"/>
+              <a:t>, </a:t>
+            </a:r>
+            <a:r>
+              <a:rPr lang="ko-KR" altLang="en-US" dirty="0"/>
+              <a:t>통계</a:t>
+            </a:r>
+            <a:r>
+              <a:rPr lang="en-US" altLang="ko-KR" dirty="0"/>
+              <a:t>, </a:t>
+            </a:r>
+            <a:r>
+              <a:rPr lang="ko-KR" altLang="en-US" dirty="0"/>
+              <a:t>수학</a:t>
+            </a:r>
+            <a:r>
+              <a:rPr lang="en-US" altLang="ko-KR" dirty="0"/>
+              <a:t>, …. </a:t>
+            </a:r>
+            <a:r>
+              <a:rPr lang="ko-KR" altLang="en-US" dirty="0"/>
+              <a:t>게임까지</a:t>
+            </a:r>
+            <a:r>
+              <a:rPr lang="en-US" altLang="ko-KR" dirty="0"/>
+              <a:t>!</a:t>
+            </a:r>
+            <a:endParaRPr lang="ko-KR" altLang="en-US" dirty="0"/>
+          </a:p>
+        </p:txBody>
+      </p:sp>
+      <p:sp>
+        <p:nvSpPr>
+          <p:cNvPr id="4" name="Slide Number Placeholder 3"/>
+          <p:cNvSpPr>
+            <a:spLocks noGrp="1"/>
+          </p:cNvSpPr>
+          <p:nvPr>
+            <p:ph type="sldNum" sz="quarter" idx="5"/>
+          </p:nvPr>
+        </p:nvSpPr>
+        <p:spPr/>
+        <p:txBody>
+          <a:bodyPr/>
+          <a:lstStyle/>
+          <a:p>
+            <a:fld id="{A248A177-227F-4E2F-A815-394152F0E3B8}" type="slidenum">
+              <a:rPr lang="ko-KR" altLang="en-US" smtClean="0"/>
+              <a:t>17</a:t>
+            </a:fld>
+            <a:endParaRPr lang="ko-KR" altLang="en-US"/>
+          </a:p>
+        </p:txBody>
+      </p:sp>
+    </p:spTree>
+    <p:extLst>
+      <p:ext uri="{BB962C8B-B14F-4D97-AF65-F5344CB8AC3E}">
+        <p14:creationId xmlns:p14="http://schemas.microsoft.com/office/powerpoint/2010/main" val="2683253862"/>
+      </p:ext>
+    </p:extLst>
+  </p:cSld>
+  <p:clrMapOvr>
+    <a:masterClrMapping/>
+  </p:clrMapOvr>
+</p:notes>
+</file>
+
+<file path=ppt/notesSlides/notesSlide6.xml><?xml version="1.0" encoding="utf-8"?>
+<p:notes xmlns:a="http://schemas.openxmlformats.org/drawingml/2006/main" xmlns:r="http://schemas.openxmlformats.org/officeDocument/2006/relationships" xmlns:p="http://schemas.openxmlformats.org/presentationml/2006/main">
+  <p:cSld>
+    <p:spTree>
+      <p:nvGrpSpPr>
+        <p:cNvPr id="1" name=""/>
+        <p:cNvGrpSpPr/>
+        <p:nvPr/>
+      </p:nvGrpSpPr>
+      <p:grpSpPr>
+        <a:xfrm>
+          <a:off x="0" y="0"/>
+          <a:ext cx="0" cy="0"/>
+          <a:chOff x="0" y="0"/>
+          <a:chExt cx="0" cy="0"/>
+        </a:xfrm>
+      </p:grpSpPr>
+      <p:sp>
+        <p:nvSpPr>
+          <p:cNvPr id="2" name="Slide Image Placeholder 1"/>
+          <p:cNvSpPr>
+            <a:spLocks noGrp="1" noRot="1" noChangeAspect="1"/>
+          </p:cNvSpPr>
+          <p:nvPr>
+            <p:ph type="sldImg"/>
+          </p:nvPr>
+        </p:nvSpPr>
+        <p:spPr/>
+      </p:sp>
+      <p:sp>
+        <p:nvSpPr>
+          <p:cNvPr id="3" name="Notes Placeholder 2"/>
+          <p:cNvSpPr>
+            <a:spLocks noGrp="1"/>
+          </p:cNvSpPr>
+          <p:nvPr>
+            <p:ph type="body" idx="1"/>
+          </p:nvPr>
+        </p:nvSpPr>
+        <p:spPr/>
+        <p:txBody>
+          <a:bodyPr/>
+          <a:lstStyle/>
+          <a:p>
+            <a:r>
+              <a:rPr lang="ko-KR" altLang="en-US" dirty="0"/>
+              <a:t>지엽적인 문법 지식을 최대한 </a:t>
+            </a:r>
+            <a:r>
+              <a:rPr lang="ko-KR" altLang="en-US" dirty="0" err="1"/>
+              <a:t>배제하는걸루</a:t>
+            </a:r>
+            <a:endParaRPr lang="en-US" altLang="ko-KR" dirty="0"/>
+          </a:p>
+          <a:p>
+            <a:r>
+              <a:rPr lang="en-US" altLang="ko-KR" dirty="0"/>
+              <a:t>high-level</a:t>
+            </a:r>
+            <a:r>
+              <a:rPr lang="ko-KR" altLang="en-US" dirty="0"/>
+              <a:t>에서의 </a:t>
+            </a:r>
+            <a:r>
+              <a:rPr lang="ko-KR" altLang="en-US" dirty="0" err="1"/>
+              <a:t>띵킹</a:t>
+            </a:r>
+            <a:r>
+              <a:rPr lang="en-US" altLang="ko-KR" dirty="0"/>
+              <a:t>~</a:t>
+            </a:r>
+            <a:endParaRPr lang="ko-KR" altLang="en-US" dirty="0"/>
+          </a:p>
+        </p:txBody>
+      </p:sp>
+      <p:sp>
+        <p:nvSpPr>
+          <p:cNvPr id="4" name="Slide Number Placeholder 3"/>
+          <p:cNvSpPr>
+            <a:spLocks noGrp="1"/>
+          </p:cNvSpPr>
+          <p:nvPr>
+            <p:ph type="sldNum" sz="quarter" idx="5"/>
+          </p:nvPr>
+        </p:nvSpPr>
+        <p:spPr/>
+        <p:txBody>
+          <a:bodyPr/>
+          <a:lstStyle/>
+          <a:p>
+            <a:fld id="{A248A177-227F-4E2F-A815-394152F0E3B8}" type="slidenum">
+              <a:rPr lang="ko-KR" altLang="en-US" smtClean="0"/>
+              <a:t>18</a:t>
+            </a:fld>
+            <a:endParaRPr lang="ko-KR" altLang="en-US"/>
+          </a:p>
+        </p:txBody>
+      </p:sp>
+    </p:spTree>
+    <p:extLst>
+      <p:ext uri="{BB962C8B-B14F-4D97-AF65-F5344CB8AC3E}">
+        <p14:creationId xmlns:p14="http://schemas.microsoft.com/office/powerpoint/2010/main" val="1353263924"/>
+      </p:ext>
+    </p:extLst>
+  </p:cSld>
+  <p:clrMapOvr>
+    <a:masterClrMapping/>
+  </p:clrMapOvr>
+</p:notes>
+</file>
+
+<file path=ppt/notesSlides/notesSlide7.xml><?xml version="1.0" encoding="utf-8"?>
+<p:notes xmlns:a="http://schemas.openxmlformats.org/drawingml/2006/main" xmlns:r="http://schemas.openxmlformats.org/officeDocument/2006/relationships" xmlns:p="http://schemas.openxmlformats.org/presentationml/2006/main">
+  <p:cSld>
+    <p:spTree>
+      <p:nvGrpSpPr>
+        <p:cNvPr id="1" name=""/>
+        <p:cNvGrpSpPr/>
+        <p:nvPr/>
+      </p:nvGrpSpPr>
+      <p:grpSpPr>
+        <a:xfrm>
+          <a:off x="0" y="0"/>
+          <a:ext cx="0" cy="0"/>
+          <a:chOff x="0" y="0"/>
+          <a:chExt cx="0" cy="0"/>
+        </a:xfrm>
+      </p:grpSpPr>
+      <p:sp>
+        <p:nvSpPr>
+          <p:cNvPr id="2" name="Slide Image Placeholder 1"/>
+          <p:cNvSpPr>
+            <a:spLocks noGrp="1" noRot="1" noChangeAspect="1"/>
+          </p:cNvSpPr>
+          <p:nvPr>
+            <p:ph type="sldImg"/>
+          </p:nvPr>
+        </p:nvSpPr>
+        <p:spPr/>
+      </p:sp>
+      <p:sp>
+        <p:nvSpPr>
+          <p:cNvPr id="3" name="Notes Placeholder 2"/>
+          <p:cNvSpPr>
+            <a:spLocks noGrp="1"/>
+          </p:cNvSpPr>
+          <p:nvPr>
+            <p:ph type="body" idx="1"/>
+          </p:nvPr>
+        </p:nvSpPr>
+        <p:spPr/>
+        <p:txBody>
+          <a:bodyPr/>
+          <a:lstStyle/>
+          <a:p>
+            <a:endParaRPr lang="ko-KR" altLang="en-US" dirty="0"/>
+          </a:p>
+        </p:txBody>
+      </p:sp>
+      <p:sp>
+        <p:nvSpPr>
+          <p:cNvPr id="4" name="Slide Number Placeholder 3"/>
+          <p:cNvSpPr>
+            <a:spLocks noGrp="1"/>
+          </p:cNvSpPr>
+          <p:nvPr>
+            <p:ph type="sldNum" sz="quarter" idx="5"/>
+          </p:nvPr>
+        </p:nvSpPr>
+        <p:spPr/>
+        <p:txBody>
+          <a:bodyPr/>
+          <a:lstStyle/>
+          <a:p>
+            <a:fld id="{A248A177-227F-4E2F-A815-394152F0E3B8}" type="slidenum">
+              <a:rPr lang="ko-KR" altLang="en-US" smtClean="0"/>
+              <a:t>25</a:t>
+            </a:fld>
+            <a:endParaRPr lang="ko-KR" altLang="en-US"/>
+          </a:p>
+        </p:txBody>
+      </p:sp>
+    </p:spTree>
+    <p:extLst>
+      <p:ext uri="{BB962C8B-B14F-4D97-AF65-F5344CB8AC3E}">
+        <p14:creationId xmlns:p14="http://schemas.microsoft.com/office/powerpoint/2010/main" val="4253762365"/>
+      </p:ext>
+    </p:extLst>
+  </p:cSld>
+  <p:clrMapOvr>
+    <a:masterClrMapping/>
+  </p:clrMapOvr>
+</p:notes>
+</file>
+
+<file path=ppt/notesSlides/notesSlide8.xml><?xml version="1.0" encoding="utf-8"?>
+<p:notes xmlns:a="http://schemas.openxmlformats.org/drawingml/2006/main" xmlns:r="http://schemas.openxmlformats.org/officeDocument/2006/relationships" xmlns:p="http://schemas.openxmlformats.org/presentationml/2006/main">
+  <p:cSld>
+    <p:spTree>
+      <p:nvGrpSpPr>
+        <p:cNvPr id="1" name=""/>
+        <p:cNvGrpSpPr/>
+        <p:nvPr/>
+      </p:nvGrpSpPr>
+      <p:grpSpPr>
+        <a:xfrm>
+          <a:off x="0" y="0"/>
+          <a:ext cx="0" cy="0"/>
+          <a:chOff x="0" y="0"/>
+          <a:chExt cx="0" cy="0"/>
+        </a:xfrm>
+      </p:grpSpPr>
+      <p:sp>
+        <p:nvSpPr>
+          <p:cNvPr id="2" name="Slide Image Placeholder 1"/>
+          <p:cNvSpPr>
+            <a:spLocks noGrp="1" noRot="1" noChangeAspect="1"/>
+          </p:cNvSpPr>
+          <p:nvPr>
+            <p:ph type="sldImg"/>
+          </p:nvPr>
+        </p:nvSpPr>
+        <p:spPr/>
+      </p:sp>
+      <p:sp>
+        <p:nvSpPr>
+          <p:cNvPr id="3" name="Notes Placeholder 2"/>
+          <p:cNvSpPr>
+            <a:spLocks noGrp="1"/>
+          </p:cNvSpPr>
+          <p:nvPr>
+            <p:ph type="body" idx="1"/>
+          </p:nvPr>
+        </p:nvSpPr>
+        <p:spPr/>
+        <p:txBody>
+          <a:bodyPr/>
+          <a:lstStyle/>
+          <a:p>
+            <a:r>
+              <a:rPr lang="en-US" altLang="ko-KR" dirty="0" err="1"/>
+              <a:t>elif</a:t>
+            </a:r>
+            <a:r>
+              <a:rPr lang="ko-KR" altLang="en-US" dirty="0"/>
+              <a:t> </a:t>
+            </a:r>
+            <a:r>
+              <a:rPr lang="en-US" altLang="ko-KR" dirty="0"/>
+              <a:t>/</a:t>
+            </a:r>
+            <a:r>
+              <a:rPr lang="ko-KR" altLang="en-US" dirty="0"/>
+              <a:t> </a:t>
+            </a:r>
+            <a:r>
+              <a:rPr lang="en-US" altLang="ko-KR" dirty="0"/>
+              <a:t>else</a:t>
+            </a:r>
+            <a:r>
+              <a:rPr lang="ko-KR" altLang="en-US" dirty="0"/>
+              <a:t>는 </a:t>
+            </a:r>
+            <a:r>
+              <a:rPr lang="en-US" altLang="ko-KR" dirty="0"/>
+              <a:t>optional</a:t>
+            </a:r>
+            <a:endParaRPr lang="ko-KR" altLang="en-US" dirty="0"/>
+          </a:p>
+        </p:txBody>
+      </p:sp>
+      <p:sp>
+        <p:nvSpPr>
+          <p:cNvPr id="4" name="Slide Number Placeholder 3"/>
+          <p:cNvSpPr>
+            <a:spLocks noGrp="1"/>
+          </p:cNvSpPr>
+          <p:nvPr>
+            <p:ph type="sldNum" sz="quarter" idx="5"/>
+          </p:nvPr>
+        </p:nvSpPr>
+        <p:spPr/>
+        <p:txBody>
+          <a:bodyPr/>
+          <a:lstStyle/>
+          <a:p>
+            <a:fld id="{A248A177-227F-4E2F-A815-394152F0E3B8}" type="slidenum">
+              <a:rPr lang="ko-KR" altLang="en-US" smtClean="0"/>
+              <a:t>49</a:t>
+            </a:fld>
+            <a:endParaRPr lang="ko-KR" altLang="en-US"/>
+          </a:p>
+        </p:txBody>
+      </p:sp>
+    </p:spTree>
+    <p:extLst>
+      <p:ext uri="{BB962C8B-B14F-4D97-AF65-F5344CB8AC3E}">
+        <p14:creationId xmlns:p14="http://schemas.microsoft.com/office/powerpoint/2010/main" val="368275312"/>
+      </p:ext>
+    </p:extLst>
+  </p:cSld>
+  <p:clrMapOvr>
+    <a:masterClrMapping/>
+  </p:clrMapOvr>
+</p:notes>
+</file>
+
+<file path=ppt/notesSlides/notesSlide9.xml><?xml version="1.0" encoding="utf-8"?>
+<p:notes xmlns:a="http://schemas.openxmlformats.org/drawingml/2006/main" xmlns:r="http://schemas.openxmlformats.org/officeDocument/2006/relationships" xmlns:p="http://schemas.openxmlformats.org/presentationml/2006/main">
+  <p:cSld>
+    <p:spTree>
+      <p:nvGrpSpPr>
+        <p:cNvPr id="1" name=""/>
+        <p:cNvGrpSpPr/>
+        <p:nvPr/>
+      </p:nvGrpSpPr>
+      <p:grpSpPr>
+        <a:xfrm>
+          <a:off x="0" y="0"/>
+          <a:ext cx="0" cy="0"/>
+          <a:chOff x="0" y="0"/>
+          <a:chExt cx="0" cy="0"/>
+        </a:xfrm>
+      </p:grpSpPr>
+      <p:sp>
+        <p:nvSpPr>
+          <p:cNvPr id="2" name="Slide Image Placeholder 1"/>
+          <p:cNvSpPr>
+            <a:spLocks noGrp="1" noRot="1" noChangeAspect="1"/>
+          </p:cNvSpPr>
+          <p:nvPr>
+            <p:ph type="sldImg"/>
+          </p:nvPr>
+        </p:nvSpPr>
+        <p:spPr/>
+      </p:sp>
+      <p:sp>
+        <p:nvSpPr>
+          <p:cNvPr id="3" name="Notes Placeholder 2"/>
+          <p:cNvSpPr>
+            <a:spLocks noGrp="1"/>
+          </p:cNvSpPr>
+          <p:nvPr>
+            <p:ph type="body" idx="1"/>
+          </p:nvPr>
+        </p:nvSpPr>
+        <p:spPr/>
+        <p:txBody>
+          <a:bodyPr/>
+          <a:lstStyle/>
+          <a:p>
+            <a:r>
+              <a:rPr lang="ko-KR" altLang="en-US" dirty="0"/>
+              <a:t>함수의 기능</a:t>
+            </a:r>
+            <a:r>
+              <a:rPr lang="en-US" altLang="ko-KR" dirty="0"/>
+              <a:t>:</a:t>
+            </a:r>
+          </a:p>
+          <a:p>
+            <a:r>
+              <a:rPr lang="ko-KR" altLang="en-US" dirty="0" err="1"/>
+              <a:t>뭔갈</a:t>
+            </a:r>
+            <a:r>
+              <a:rPr lang="ko-KR" altLang="en-US" dirty="0"/>
+              <a:t> 계산해서 내놓음</a:t>
+            </a:r>
+            <a:r>
+              <a:rPr lang="en-US" altLang="ko-KR" dirty="0"/>
+              <a:t>(</a:t>
+            </a:r>
+            <a:r>
+              <a:rPr lang="ko-KR" altLang="en-US" dirty="0"/>
+              <a:t>리턴</a:t>
+            </a:r>
+            <a:r>
+              <a:rPr lang="en-US" altLang="ko-KR" dirty="0"/>
+              <a:t>)</a:t>
+            </a:r>
+          </a:p>
+          <a:p>
+            <a:r>
+              <a:rPr lang="ko-KR" altLang="en-US" dirty="0"/>
+              <a:t>어떤 다른 작업</a:t>
+            </a:r>
+            <a:r>
+              <a:rPr lang="en-US" altLang="ko-KR" dirty="0"/>
+              <a:t>(</a:t>
+            </a:r>
+            <a:r>
+              <a:rPr lang="ko-KR" altLang="en-US" dirty="0"/>
+              <a:t>프로그램의 상태</a:t>
+            </a:r>
+            <a:r>
+              <a:rPr lang="en-US" altLang="ko-KR" dirty="0"/>
+              <a:t>(state)</a:t>
+            </a:r>
+            <a:r>
+              <a:rPr lang="ko-KR" altLang="en-US" dirty="0"/>
+              <a:t>에 영향을 주는</a:t>
+            </a:r>
+            <a:r>
+              <a:rPr lang="en-US" altLang="ko-KR" dirty="0"/>
+              <a:t>)</a:t>
+            </a:r>
+            <a:r>
+              <a:rPr lang="ko-KR" altLang="en-US" dirty="0"/>
+              <a:t>을 함</a:t>
+            </a:r>
+            <a:r>
+              <a:rPr lang="en-US" altLang="ko-KR" dirty="0"/>
+              <a:t>(side-effect)</a:t>
+            </a:r>
+            <a:endParaRPr lang="ko-KR" altLang="en-US" dirty="0"/>
+          </a:p>
+        </p:txBody>
+      </p:sp>
+      <p:sp>
+        <p:nvSpPr>
+          <p:cNvPr id="4" name="Slide Number Placeholder 3"/>
+          <p:cNvSpPr>
+            <a:spLocks noGrp="1"/>
+          </p:cNvSpPr>
+          <p:nvPr>
+            <p:ph type="sldNum" sz="quarter" idx="5"/>
+          </p:nvPr>
+        </p:nvSpPr>
+        <p:spPr/>
+        <p:txBody>
+          <a:bodyPr/>
+          <a:lstStyle/>
+          <a:p>
+            <a:fld id="{A248A177-227F-4E2F-A815-394152F0E3B8}" type="slidenum">
+              <a:rPr lang="ko-KR" altLang="en-US" smtClean="0"/>
+              <a:t>55</a:t>
+            </a:fld>
+            <a:endParaRPr lang="ko-KR" altLang="en-US"/>
+          </a:p>
+        </p:txBody>
+      </p:sp>
+    </p:spTree>
+    <p:extLst>
+      <p:ext uri="{BB962C8B-B14F-4D97-AF65-F5344CB8AC3E}">
+        <p14:creationId xmlns:p14="http://schemas.microsoft.com/office/powerpoint/2010/main" val="3028322947"/>
       </p:ext>
     </p:extLst>
   </p:cSld>
@@ -4042,8 +5545,12 @@
               <a:t> </a:t>
             </a:r>
             <a:r>
+              <a:rPr lang="en-US" altLang="ko-KR" sz="3200" b="1"/>
+              <a:t>1] </a:t>
+            </a:r>
+            <a:r>
               <a:rPr lang="en-US" altLang="ko-KR" sz="3200" b="1" dirty="0"/>
-              <a:t>1, 2] Getting Started with Python</a:t>
+              <a:t>Getting Started with Python</a:t>
             </a:r>
             <a:endParaRPr lang="ko-KR" altLang="en-US" sz="3200" b="1" dirty="0"/>
           </a:p>
@@ -5177,7 +6684,7 @@
           <p:nvPr/>
         </p:nvPicPr>
         <p:blipFill>
-          <a:blip r:embed="rId2"/>
+          <a:blip r:embed="rId3"/>
           <a:stretch>
             <a:fillRect/>
           </a:stretch>
@@ -7302,7 +8809,7 @@
           <p:nvPr/>
         </p:nvPicPr>
         <p:blipFill>
-          <a:blip r:embed="rId2"/>
+          <a:blip r:embed="rId3"/>
           <a:stretch>
             <a:fillRect/>
           </a:stretch>
@@ -13282,7 +14789,7 @@
           <p:nvPr/>
         </p:nvPicPr>
         <p:blipFill>
-          <a:blip r:embed="rId2"/>
+          <a:blip r:embed="rId3"/>
           <a:stretch>
             <a:fillRect/>
           </a:stretch>
@@ -15859,7 +17366,7 @@
           <p:nvPr/>
         </p:nvPicPr>
         <p:blipFill rotWithShape="1">
-          <a:blip r:embed="rId2"/>
+          <a:blip r:embed="rId3"/>
           <a:srcRect r="14293" b="509"/>
           <a:stretch/>
         </p:blipFill>
@@ -15888,7 +17395,7 @@
           <p:nvPr/>
         </p:nvPicPr>
         <p:blipFill>
-          <a:blip r:embed="rId3"/>
+          <a:blip r:embed="rId4"/>
           <a:stretch>
             <a:fillRect/>
           </a:stretch>
@@ -17204,7 +18711,7 @@
           <p:nvPr/>
         </p:nvPicPr>
         <p:blipFill>
-          <a:blip r:embed="rId2"/>
+          <a:blip r:embed="rId3"/>
           <a:stretch>
             <a:fillRect/>
           </a:stretch>
@@ -17234,7 +18741,7 @@
           <p:nvPr/>
         </p:nvPicPr>
         <p:blipFill>
-          <a:blip r:embed="rId3"/>
+          <a:blip r:embed="rId4"/>
           <a:stretch>
             <a:fillRect/>
           </a:stretch>
@@ -17758,7 +19265,7 @@
           <p:nvPr/>
         </p:nvPicPr>
         <p:blipFill>
-          <a:blip r:embed="rId2"/>
+          <a:blip r:embed="rId3"/>
           <a:stretch>
             <a:fillRect/>
           </a:stretch>
@@ -21129,7 +22636,7 @@
           <p:nvPr/>
         </p:nvPicPr>
         <p:blipFill>
-          <a:blip r:embed="rId2"/>
+          <a:blip r:embed="rId3"/>
           <a:stretch>
             <a:fillRect/>
           </a:stretch>
@@ -21159,7 +22666,7 @@
           <p:nvPr/>
         </p:nvPicPr>
         <p:blipFill>
-          <a:blip r:embed="rId3"/>
+          <a:blip r:embed="rId4"/>
           <a:stretch>
             <a:fillRect/>
           </a:stretch>
@@ -23330,7 +24837,7 @@
           <p:nvPr/>
         </p:nvPicPr>
         <p:blipFill>
-          <a:blip r:embed="rId2"/>
+          <a:blip r:embed="rId3"/>
           <a:stretch>
             <a:fillRect/>
           </a:stretch>
@@ -23360,7 +24867,7 @@
           <p:nvPr/>
         </p:nvPicPr>
         <p:blipFill>
-          <a:blip r:embed="rId3"/>
+          <a:blip r:embed="rId4"/>
           <a:stretch>
             <a:fillRect/>
           </a:stretch>
@@ -23390,7 +24897,7 @@
           <p:nvPr/>
         </p:nvPicPr>
         <p:blipFill>
-          <a:blip r:embed="rId4"/>
+          <a:blip r:embed="rId5"/>
           <a:stretch>
             <a:fillRect/>
           </a:stretch>
@@ -23420,7 +24927,7 @@
           <p:nvPr/>
         </p:nvPicPr>
         <p:blipFill rotWithShape="1">
-          <a:blip r:embed="rId5"/>
+          <a:blip r:embed="rId6"/>
           <a:srcRect t="1" r="16047" b="-1493"/>
           <a:stretch/>
         </p:blipFill>
@@ -23575,7 +25082,7 @@
           <p:nvPr/>
         </p:nvPicPr>
         <p:blipFill>
-          <a:blip r:embed="rId2"/>
+          <a:blip r:embed="rId3"/>
           <a:stretch>
             <a:fillRect/>
           </a:stretch>
@@ -23605,7 +25112,7 @@
           <p:nvPr/>
         </p:nvPicPr>
         <p:blipFill>
-          <a:blip r:embed="rId3"/>
+          <a:blip r:embed="rId4"/>
           <a:stretch>
             <a:fillRect/>
           </a:stretch>
@@ -23771,7 +25278,7 @@
           <p:nvPr/>
         </p:nvPicPr>
         <p:blipFill>
-          <a:blip r:embed="rId2"/>
+          <a:blip r:embed="rId3"/>
           <a:stretch>
             <a:fillRect/>
           </a:stretch>
@@ -23801,7 +25308,7 @@
           <p:nvPr/>
         </p:nvPicPr>
         <p:blipFill>
-          <a:blip r:embed="rId3"/>
+          <a:blip r:embed="rId4"/>
           <a:stretch>
             <a:fillRect/>
           </a:stretch>

--- a/contents/2020_ITinerary/assets/session_1/preclass.pptx
+++ b/contents/2020_ITinerary/assets/session_1/preclass.pptx
@@ -5,7 +5,7 @@
     <p:sldMasterId id="2147483648" r:id="rId1"/>
   </p:sldMasterIdLst>
   <p:notesMasterIdLst>
-    <p:notesMasterId r:id="rId90"/>
+    <p:notesMasterId r:id="rId93"/>
   </p:notesMasterIdLst>
   <p:sldIdLst>
     <p:sldId id="256" r:id="rId2"/>
@@ -60,42 +60,45 @@
     <p:sldId id="312" r:id="rId51"/>
     <p:sldId id="313" r:id="rId52"/>
     <p:sldId id="314" r:id="rId53"/>
-    <p:sldId id="307" r:id="rId54"/>
-    <p:sldId id="315" r:id="rId55"/>
-    <p:sldId id="308" r:id="rId56"/>
-    <p:sldId id="316" r:id="rId57"/>
-    <p:sldId id="317" r:id="rId58"/>
-    <p:sldId id="319" r:id="rId59"/>
-    <p:sldId id="320" r:id="rId60"/>
-    <p:sldId id="318" r:id="rId61"/>
-    <p:sldId id="330" r:id="rId62"/>
-    <p:sldId id="331" r:id="rId63"/>
-    <p:sldId id="332" r:id="rId64"/>
-    <p:sldId id="333" r:id="rId65"/>
-    <p:sldId id="334" r:id="rId66"/>
-    <p:sldId id="310" r:id="rId67"/>
-    <p:sldId id="321" r:id="rId68"/>
-    <p:sldId id="322" r:id="rId69"/>
-    <p:sldId id="323" r:id="rId70"/>
-    <p:sldId id="326" r:id="rId71"/>
-    <p:sldId id="324" r:id="rId72"/>
-    <p:sldId id="325" r:id="rId73"/>
-    <p:sldId id="327" r:id="rId74"/>
-    <p:sldId id="328" r:id="rId75"/>
-    <p:sldId id="329" r:id="rId76"/>
-    <p:sldId id="335" r:id="rId77"/>
-    <p:sldId id="337" r:id="rId78"/>
-    <p:sldId id="309" r:id="rId79"/>
-    <p:sldId id="338" r:id="rId80"/>
-    <p:sldId id="339" r:id="rId81"/>
-    <p:sldId id="340" r:id="rId82"/>
-    <p:sldId id="341" r:id="rId83"/>
-    <p:sldId id="342" r:id="rId84"/>
-    <p:sldId id="343" r:id="rId85"/>
-    <p:sldId id="344" r:id="rId86"/>
-    <p:sldId id="345" r:id="rId87"/>
-    <p:sldId id="346" r:id="rId88"/>
-    <p:sldId id="262" r:id="rId89"/>
+    <p:sldId id="315" r:id="rId54"/>
+    <p:sldId id="307" r:id="rId55"/>
+    <p:sldId id="348" r:id="rId56"/>
+    <p:sldId id="349" r:id="rId57"/>
+    <p:sldId id="347" r:id="rId58"/>
+    <p:sldId id="308" r:id="rId59"/>
+    <p:sldId id="316" r:id="rId60"/>
+    <p:sldId id="317" r:id="rId61"/>
+    <p:sldId id="319" r:id="rId62"/>
+    <p:sldId id="320" r:id="rId63"/>
+    <p:sldId id="318" r:id="rId64"/>
+    <p:sldId id="330" r:id="rId65"/>
+    <p:sldId id="331" r:id="rId66"/>
+    <p:sldId id="332" r:id="rId67"/>
+    <p:sldId id="333" r:id="rId68"/>
+    <p:sldId id="334" r:id="rId69"/>
+    <p:sldId id="310" r:id="rId70"/>
+    <p:sldId id="321" r:id="rId71"/>
+    <p:sldId id="322" r:id="rId72"/>
+    <p:sldId id="323" r:id="rId73"/>
+    <p:sldId id="326" r:id="rId74"/>
+    <p:sldId id="324" r:id="rId75"/>
+    <p:sldId id="325" r:id="rId76"/>
+    <p:sldId id="327" r:id="rId77"/>
+    <p:sldId id="328" r:id="rId78"/>
+    <p:sldId id="329" r:id="rId79"/>
+    <p:sldId id="335" r:id="rId80"/>
+    <p:sldId id="337" r:id="rId81"/>
+    <p:sldId id="309" r:id="rId82"/>
+    <p:sldId id="338" r:id="rId83"/>
+    <p:sldId id="339" r:id="rId84"/>
+    <p:sldId id="340" r:id="rId85"/>
+    <p:sldId id="341" r:id="rId86"/>
+    <p:sldId id="342" r:id="rId87"/>
+    <p:sldId id="343" r:id="rId88"/>
+    <p:sldId id="344" r:id="rId89"/>
+    <p:sldId id="345" r:id="rId90"/>
+    <p:sldId id="346" r:id="rId91"/>
+    <p:sldId id="262" r:id="rId92"/>
   </p:sldIdLst>
   <p:sldSz cx="12192000" cy="6858000"/>
   <p:notesSz cx="6858000" cy="9144000"/>
@@ -805,7 +808,7 @@
           <a:p>
             <a:fld id="{A248A177-227F-4E2F-A815-394152F0E3B8}" type="slidenum">
               <a:rPr lang="ko-KR" altLang="en-US" smtClean="0"/>
-              <a:t>58</a:t>
+              <a:t>56</a:t>
             </a:fld>
             <a:endParaRPr lang="ko-KR" altLang="en-US"/>
           </a:p>
@@ -814,7 +817,7 @@
     </p:spTree>
     <p:extLst>
       <p:ext uri="{BB962C8B-B14F-4D97-AF65-F5344CB8AC3E}">
-        <p14:creationId xmlns:p14="http://schemas.microsoft.com/office/powerpoint/2010/main" val="3454026144"/>
+        <p14:creationId xmlns:p14="http://schemas.microsoft.com/office/powerpoint/2010/main" val="1744229154"/>
       </p:ext>
     </p:extLst>
   </p:cSld>
@@ -889,7 +892,7 @@
           <a:p>
             <a:fld id="{A248A177-227F-4E2F-A815-394152F0E3B8}" type="slidenum">
               <a:rPr lang="ko-KR" altLang="en-US" smtClean="0"/>
-              <a:t>63</a:t>
+              <a:t>57</a:t>
             </a:fld>
             <a:endParaRPr lang="ko-KR" altLang="en-US"/>
           </a:p>
@@ -898,7 +901,7 @@
     </p:spTree>
     <p:extLst>
       <p:ext uri="{BB962C8B-B14F-4D97-AF65-F5344CB8AC3E}">
-        <p14:creationId xmlns:p14="http://schemas.microsoft.com/office/powerpoint/2010/main" val="3846723588"/>
+        <p14:creationId xmlns:p14="http://schemas.microsoft.com/office/powerpoint/2010/main" val="3901070598"/>
       </p:ext>
     </p:extLst>
   </p:cSld>
@@ -952,6 +955,70 @@
           <a:bodyPr/>
           <a:lstStyle/>
           <a:p>
+            <a:r>
+              <a:rPr lang="ko-KR" altLang="en-US" dirty="0"/>
+              <a:t>함수의 기능</a:t>
+            </a:r>
+            <a:r>
+              <a:rPr lang="en-US" altLang="ko-KR" dirty="0"/>
+              <a:t>:</a:t>
+            </a:r>
+          </a:p>
+          <a:p>
+            <a:r>
+              <a:rPr lang="ko-KR" altLang="en-US" dirty="0" err="1"/>
+              <a:t>뭔갈</a:t>
+            </a:r>
+            <a:r>
+              <a:rPr lang="ko-KR" altLang="en-US" dirty="0"/>
+              <a:t> 계산해서 내놓음</a:t>
+            </a:r>
+            <a:r>
+              <a:rPr lang="en-US" altLang="ko-KR" dirty="0"/>
+              <a:t>(</a:t>
+            </a:r>
+            <a:r>
+              <a:rPr lang="ko-KR" altLang="en-US" dirty="0"/>
+              <a:t>리턴</a:t>
+            </a:r>
+            <a:r>
+              <a:rPr lang="en-US" altLang="ko-KR" dirty="0"/>
+              <a:t>)</a:t>
+            </a:r>
+          </a:p>
+          <a:p>
+            <a:r>
+              <a:rPr lang="ko-KR" altLang="en-US" dirty="0"/>
+              <a:t>어떤 다른 작업</a:t>
+            </a:r>
+            <a:r>
+              <a:rPr lang="en-US" altLang="ko-KR" dirty="0"/>
+              <a:t>(</a:t>
+            </a:r>
+            <a:r>
+              <a:rPr lang="ko-KR" altLang="en-US" dirty="0"/>
+              <a:t>프로그램의 상태</a:t>
+            </a:r>
+            <a:r>
+              <a:rPr lang="en-US" altLang="ko-KR" dirty="0"/>
+              <a:t>(state)</a:t>
+            </a:r>
+            <a:r>
+              <a:rPr lang="ko-KR" altLang="en-US" dirty="0"/>
+              <a:t>에 영향을 주는</a:t>
+            </a:r>
+            <a:r>
+              <a:rPr lang="en-US" altLang="ko-KR" dirty="0"/>
+              <a:t>)</a:t>
+            </a:r>
+            <a:r>
+              <a:rPr lang="ko-KR" altLang="en-US" dirty="0"/>
+              <a:t>을 함</a:t>
+            </a:r>
+            <a:r>
+              <a:rPr lang="en-US" altLang="ko-KR" dirty="0"/>
+              <a:t>(side-effect)</a:t>
+            </a:r>
             <a:endParaRPr lang="ko-KR" altLang="en-US" dirty="0"/>
           </a:p>
         </p:txBody>
@@ -973,7 +1040,7 @@
           <a:p>
             <a:fld id="{A248A177-227F-4E2F-A815-394152F0E3B8}" type="slidenum">
               <a:rPr lang="ko-KR" altLang="en-US" smtClean="0"/>
-              <a:t>66</a:t>
+              <a:t>58</a:t>
             </a:fld>
             <a:endParaRPr lang="ko-KR" altLang="en-US"/>
           </a:p>
@@ -982,7 +1049,7 @@
     </p:spTree>
     <p:extLst>
       <p:ext uri="{BB962C8B-B14F-4D97-AF65-F5344CB8AC3E}">
-        <p14:creationId xmlns:p14="http://schemas.microsoft.com/office/powerpoint/2010/main" val="1519814210"/>
+        <p14:creationId xmlns:p14="http://schemas.microsoft.com/office/powerpoint/2010/main" val="3028322947"/>
       </p:ext>
     </p:extLst>
   </p:cSld>
@@ -1036,18 +1103,7 @@
           <a:bodyPr/>
           <a:lstStyle/>
           <a:p>
-            <a:r>
-              <a:rPr lang="ko-KR" altLang="en-US" dirty="0"/>
-              <a:t>접근 제어자는 </a:t>
-            </a:r>
-            <a:r>
-              <a:rPr lang="en-US" altLang="ko-KR" dirty="0"/>
-              <a:t>supplement</a:t>
-            </a:r>
-            <a:r>
-              <a:rPr lang="ko-KR" altLang="en-US" dirty="0"/>
-              <a:t>에서 봐라</a:t>
-            </a:r>
+            <a:endParaRPr lang="ko-KR" altLang="en-US" dirty="0"/>
           </a:p>
         </p:txBody>
       </p:sp>
@@ -1068,7 +1124,7 @@
           <a:p>
             <a:fld id="{A248A177-227F-4E2F-A815-394152F0E3B8}" type="slidenum">
               <a:rPr lang="ko-KR" altLang="en-US" smtClean="0"/>
-              <a:t>75</a:t>
+              <a:t>61</a:t>
             </a:fld>
             <a:endParaRPr lang="ko-KR" altLang="en-US"/>
           </a:p>
@@ -1077,7 +1133,7 @@
     </p:spTree>
     <p:extLst>
       <p:ext uri="{BB962C8B-B14F-4D97-AF65-F5344CB8AC3E}">
-        <p14:creationId xmlns:p14="http://schemas.microsoft.com/office/powerpoint/2010/main" val="2960697908"/>
+        <p14:creationId xmlns:p14="http://schemas.microsoft.com/office/powerpoint/2010/main" val="3454026144"/>
       </p:ext>
     </p:extLst>
   </p:cSld>
@@ -1131,33 +1187,7 @@
           <a:bodyPr/>
           <a:lstStyle/>
           <a:p>
-            <a:r>
-              <a:rPr lang="ko-KR" altLang="en-US" dirty="0"/>
-              <a:t>와일드카드는 추천 </a:t>
-            </a:r>
-            <a:r>
-              <a:rPr lang="en-US" altLang="ko-KR" dirty="0"/>
-              <a:t>X</a:t>
-            </a:r>
-          </a:p>
-          <a:p>
-            <a:pPr marL="171450" indent="-171450">
-              <a:buFontTx/>
-              <a:buChar char="-"/>
-            </a:pPr>
-            <a:r>
-              <a:rPr lang="ko-KR" altLang="en-US" dirty="0"/>
-              <a:t>다른 </a:t>
-            </a:r>
-            <a:r>
-              <a:rPr lang="ko-KR" altLang="en-US" dirty="0" err="1"/>
-              <a:t>애들이랑</a:t>
-            </a:r>
-            <a:r>
-              <a:rPr lang="ko-KR" altLang="en-US" dirty="0"/>
-              <a:t> 이름 겹치는 게 있을 수도</a:t>
-            </a:r>
-            <a:endParaRPr lang="en-US" altLang="ko-KR" dirty="0"/>
+            <a:endParaRPr lang="ko-KR" altLang="en-US" dirty="0"/>
           </a:p>
         </p:txBody>
       </p:sp>
@@ -1178,7 +1208,7 @@
           <a:p>
             <a:fld id="{A248A177-227F-4E2F-A815-394152F0E3B8}" type="slidenum">
               <a:rPr lang="ko-KR" altLang="en-US" smtClean="0"/>
-              <a:t>83</a:t>
+              <a:t>66</a:t>
             </a:fld>
             <a:endParaRPr lang="ko-KR" altLang="en-US"/>
           </a:p>
@@ -1187,7 +1217,7 @@
     </p:spTree>
     <p:extLst>
       <p:ext uri="{BB962C8B-B14F-4D97-AF65-F5344CB8AC3E}">
-        <p14:creationId xmlns:p14="http://schemas.microsoft.com/office/powerpoint/2010/main" val="2574578835"/>
+        <p14:creationId xmlns:p14="http://schemas.microsoft.com/office/powerpoint/2010/main" val="3846723588"/>
       </p:ext>
     </p:extLst>
   </p:cSld>
@@ -1262,7 +1292,7 @@
           <a:p>
             <a:fld id="{A248A177-227F-4E2F-A815-394152F0E3B8}" type="slidenum">
               <a:rPr lang="ko-KR" altLang="en-US" smtClean="0"/>
-              <a:t>84</a:t>
+              <a:t>69</a:t>
             </a:fld>
             <a:endParaRPr lang="ko-KR" altLang="en-US"/>
           </a:p>
@@ -1271,7 +1301,7 @@
     </p:spTree>
     <p:extLst>
       <p:ext uri="{BB962C8B-B14F-4D97-AF65-F5344CB8AC3E}">
-        <p14:creationId xmlns:p14="http://schemas.microsoft.com/office/powerpoint/2010/main" val="3063416856"/>
+        <p14:creationId xmlns:p14="http://schemas.microsoft.com/office/powerpoint/2010/main" val="1519814210"/>
       </p:ext>
     </p:extLst>
   </p:cSld>
@@ -1325,7 +1355,18 @@
           <a:bodyPr/>
           <a:lstStyle/>
           <a:p>
-            <a:endParaRPr lang="ko-KR" altLang="en-US" dirty="0"/>
+            <a:r>
+              <a:rPr lang="ko-KR" altLang="en-US" dirty="0"/>
+              <a:t>접근 제어자는 </a:t>
+            </a:r>
+            <a:r>
+              <a:rPr lang="en-US" altLang="ko-KR" dirty="0"/>
+              <a:t>supplement</a:t>
+            </a:r>
+            <a:r>
+              <a:rPr lang="ko-KR" altLang="en-US" dirty="0"/>
+              <a:t>에서 봐라</a:t>
+            </a:r>
           </a:p>
         </p:txBody>
       </p:sp>
@@ -1346,7 +1387,285 @@
           <a:p>
             <a:fld id="{A248A177-227F-4E2F-A815-394152F0E3B8}" type="slidenum">
               <a:rPr lang="ko-KR" altLang="en-US" smtClean="0"/>
-              <a:t>85</a:t>
+              <a:t>78</a:t>
+            </a:fld>
+            <a:endParaRPr lang="ko-KR" altLang="en-US"/>
+          </a:p>
+        </p:txBody>
+      </p:sp>
+    </p:spTree>
+    <p:extLst>
+      <p:ext uri="{BB962C8B-B14F-4D97-AF65-F5344CB8AC3E}">
+        <p14:creationId xmlns:p14="http://schemas.microsoft.com/office/powerpoint/2010/main" val="2960697908"/>
+      </p:ext>
+    </p:extLst>
+  </p:cSld>
+  <p:clrMapOvr>
+    <a:masterClrMapping/>
+  </p:clrMapOvr>
+</p:notes>
+</file>
+
+<file path=ppt/notesSlides/notesSlide17.xml><?xml version="1.0" encoding="utf-8"?>
+<p:notes xmlns:a="http://schemas.openxmlformats.org/drawingml/2006/main" xmlns:r="http://schemas.openxmlformats.org/officeDocument/2006/relationships" xmlns:p="http://schemas.openxmlformats.org/presentationml/2006/main">
+  <p:cSld>
+    <p:spTree>
+      <p:nvGrpSpPr>
+        <p:cNvPr id="1" name=""/>
+        <p:cNvGrpSpPr/>
+        <p:nvPr/>
+      </p:nvGrpSpPr>
+      <p:grpSpPr>
+        <a:xfrm>
+          <a:off x="0" y="0"/>
+          <a:ext cx="0" cy="0"/>
+          <a:chOff x="0" y="0"/>
+          <a:chExt cx="0" cy="0"/>
+        </a:xfrm>
+      </p:grpSpPr>
+      <p:sp>
+        <p:nvSpPr>
+          <p:cNvPr id="2" name="Slide Image Placeholder 1"/>
+          <p:cNvSpPr>
+            <a:spLocks noGrp="1" noRot="1" noChangeAspect="1"/>
+          </p:cNvSpPr>
+          <p:nvPr>
+            <p:ph type="sldImg"/>
+          </p:nvPr>
+        </p:nvSpPr>
+        <p:spPr/>
+      </p:sp>
+      <p:sp>
+        <p:nvSpPr>
+          <p:cNvPr id="3" name="Notes Placeholder 2"/>
+          <p:cNvSpPr>
+            <a:spLocks noGrp="1"/>
+          </p:cNvSpPr>
+          <p:nvPr>
+            <p:ph type="body" idx="1"/>
+          </p:nvPr>
+        </p:nvSpPr>
+        <p:spPr/>
+        <p:txBody>
+          <a:bodyPr/>
+          <a:lstStyle/>
+          <a:p>
+            <a:r>
+              <a:rPr lang="ko-KR" altLang="en-US" dirty="0"/>
+              <a:t>와일드카드는 추천 </a:t>
+            </a:r>
+            <a:r>
+              <a:rPr lang="en-US" altLang="ko-KR" dirty="0"/>
+              <a:t>X</a:t>
+            </a:r>
+          </a:p>
+          <a:p>
+            <a:pPr marL="171450" indent="-171450">
+              <a:buFontTx/>
+              <a:buChar char="-"/>
+            </a:pPr>
+            <a:r>
+              <a:rPr lang="ko-KR" altLang="en-US" dirty="0"/>
+              <a:t>다른 </a:t>
+            </a:r>
+            <a:r>
+              <a:rPr lang="ko-KR" altLang="en-US" dirty="0" err="1"/>
+              <a:t>애들이랑</a:t>
+            </a:r>
+            <a:r>
+              <a:rPr lang="ko-KR" altLang="en-US" dirty="0"/>
+              <a:t> 이름 겹치는 게 있을 수도</a:t>
+            </a:r>
+            <a:endParaRPr lang="en-US" altLang="ko-KR" dirty="0"/>
+          </a:p>
+        </p:txBody>
+      </p:sp>
+      <p:sp>
+        <p:nvSpPr>
+          <p:cNvPr id="4" name="Slide Number Placeholder 3"/>
+          <p:cNvSpPr>
+            <a:spLocks noGrp="1"/>
+          </p:cNvSpPr>
+          <p:nvPr>
+            <p:ph type="sldNum" sz="quarter" idx="5"/>
+          </p:nvPr>
+        </p:nvSpPr>
+        <p:spPr/>
+        <p:txBody>
+          <a:bodyPr/>
+          <a:lstStyle/>
+          <a:p>
+            <a:fld id="{A248A177-227F-4E2F-A815-394152F0E3B8}" type="slidenum">
+              <a:rPr lang="ko-KR" altLang="en-US" smtClean="0"/>
+              <a:t>86</a:t>
+            </a:fld>
+            <a:endParaRPr lang="ko-KR" altLang="en-US"/>
+          </a:p>
+        </p:txBody>
+      </p:sp>
+    </p:spTree>
+    <p:extLst>
+      <p:ext uri="{BB962C8B-B14F-4D97-AF65-F5344CB8AC3E}">
+        <p14:creationId xmlns:p14="http://schemas.microsoft.com/office/powerpoint/2010/main" val="2574578835"/>
+      </p:ext>
+    </p:extLst>
+  </p:cSld>
+  <p:clrMapOvr>
+    <a:masterClrMapping/>
+  </p:clrMapOvr>
+</p:notes>
+</file>
+
+<file path=ppt/notesSlides/notesSlide18.xml><?xml version="1.0" encoding="utf-8"?>
+<p:notes xmlns:a="http://schemas.openxmlformats.org/drawingml/2006/main" xmlns:r="http://schemas.openxmlformats.org/officeDocument/2006/relationships" xmlns:p="http://schemas.openxmlformats.org/presentationml/2006/main">
+  <p:cSld>
+    <p:spTree>
+      <p:nvGrpSpPr>
+        <p:cNvPr id="1" name=""/>
+        <p:cNvGrpSpPr/>
+        <p:nvPr/>
+      </p:nvGrpSpPr>
+      <p:grpSpPr>
+        <a:xfrm>
+          <a:off x="0" y="0"/>
+          <a:ext cx="0" cy="0"/>
+          <a:chOff x="0" y="0"/>
+          <a:chExt cx="0" cy="0"/>
+        </a:xfrm>
+      </p:grpSpPr>
+      <p:sp>
+        <p:nvSpPr>
+          <p:cNvPr id="2" name="Slide Image Placeholder 1"/>
+          <p:cNvSpPr>
+            <a:spLocks noGrp="1" noRot="1" noChangeAspect="1"/>
+          </p:cNvSpPr>
+          <p:nvPr>
+            <p:ph type="sldImg"/>
+          </p:nvPr>
+        </p:nvSpPr>
+        <p:spPr/>
+      </p:sp>
+      <p:sp>
+        <p:nvSpPr>
+          <p:cNvPr id="3" name="Notes Placeholder 2"/>
+          <p:cNvSpPr>
+            <a:spLocks noGrp="1"/>
+          </p:cNvSpPr>
+          <p:nvPr>
+            <p:ph type="body" idx="1"/>
+          </p:nvPr>
+        </p:nvSpPr>
+        <p:spPr/>
+        <p:txBody>
+          <a:bodyPr/>
+          <a:lstStyle/>
+          <a:p>
+            <a:endParaRPr lang="ko-KR" altLang="en-US" dirty="0"/>
+          </a:p>
+        </p:txBody>
+      </p:sp>
+      <p:sp>
+        <p:nvSpPr>
+          <p:cNvPr id="4" name="Slide Number Placeholder 3"/>
+          <p:cNvSpPr>
+            <a:spLocks noGrp="1"/>
+          </p:cNvSpPr>
+          <p:nvPr>
+            <p:ph type="sldNum" sz="quarter" idx="5"/>
+          </p:nvPr>
+        </p:nvSpPr>
+        <p:spPr/>
+        <p:txBody>
+          <a:bodyPr/>
+          <a:lstStyle/>
+          <a:p>
+            <a:fld id="{A248A177-227F-4E2F-A815-394152F0E3B8}" type="slidenum">
+              <a:rPr lang="ko-KR" altLang="en-US" smtClean="0"/>
+              <a:t>87</a:t>
+            </a:fld>
+            <a:endParaRPr lang="ko-KR" altLang="en-US"/>
+          </a:p>
+        </p:txBody>
+      </p:sp>
+    </p:spTree>
+    <p:extLst>
+      <p:ext uri="{BB962C8B-B14F-4D97-AF65-F5344CB8AC3E}">
+        <p14:creationId xmlns:p14="http://schemas.microsoft.com/office/powerpoint/2010/main" val="3063416856"/>
+      </p:ext>
+    </p:extLst>
+  </p:cSld>
+  <p:clrMapOvr>
+    <a:masterClrMapping/>
+  </p:clrMapOvr>
+</p:notes>
+</file>
+
+<file path=ppt/notesSlides/notesSlide19.xml><?xml version="1.0" encoding="utf-8"?>
+<p:notes xmlns:a="http://schemas.openxmlformats.org/drawingml/2006/main" xmlns:r="http://schemas.openxmlformats.org/officeDocument/2006/relationships" xmlns:p="http://schemas.openxmlformats.org/presentationml/2006/main">
+  <p:cSld>
+    <p:spTree>
+      <p:nvGrpSpPr>
+        <p:cNvPr id="1" name=""/>
+        <p:cNvGrpSpPr/>
+        <p:nvPr/>
+      </p:nvGrpSpPr>
+      <p:grpSpPr>
+        <a:xfrm>
+          <a:off x="0" y="0"/>
+          <a:ext cx="0" cy="0"/>
+          <a:chOff x="0" y="0"/>
+          <a:chExt cx="0" cy="0"/>
+        </a:xfrm>
+      </p:grpSpPr>
+      <p:sp>
+        <p:nvSpPr>
+          <p:cNvPr id="2" name="Slide Image Placeholder 1"/>
+          <p:cNvSpPr>
+            <a:spLocks noGrp="1" noRot="1" noChangeAspect="1"/>
+          </p:cNvSpPr>
+          <p:nvPr>
+            <p:ph type="sldImg"/>
+          </p:nvPr>
+        </p:nvSpPr>
+        <p:spPr/>
+      </p:sp>
+      <p:sp>
+        <p:nvSpPr>
+          <p:cNvPr id="3" name="Notes Placeholder 2"/>
+          <p:cNvSpPr>
+            <a:spLocks noGrp="1"/>
+          </p:cNvSpPr>
+          <p:nvPr>
+            <p:ph type="body" idx="1"/>
+          </p:nvPr>
+        </p:nvSpPr>
+        <p:spPr/>
+        <p:txBody>
+          <a:bodyPr/>
+          <a:lstStyle/>
+          <a:p>
+            <a:endParaRPr lang="ko-KR" altLang="en-US" dirty="0"/>
+          </a:p>
+        </p:txBody>
+      </p:sp>
+      <p:sp>
+        <p:nvSpPr>
+          <p:cNvPr id="4" name="Slide Number Placeholder 3"/>
+          <p:cNvSpPr>
+            <a:spLocks noGrp="1"/>
+          </p:cNvSpPr>
+          <p:nvPr>
+            <p:ph type="sldNum" sz="quarter" idx="5"/>
+          </p:nvPr>
+        </p:nvSpPr>
+        <p:spPr/>
+        <p:txBody>
+          <a:bodyPr/>
+          <a:lstStyle/>
+          <a:p>
+            <a:fld id="{A248A177-227F-4E2F-A815-394152F0E3B8}" type="slidenum">
+              <a:rPr lang="ko-KR" altLang="en-US" smtClean="0"/>
+              <a:t>88</a:t>
             </a:fld>
             <a:endParaRPr lang="ko-KR" altLang="en-US"/>
           </a:p>
@@ -2140,70 +2459,34 @@
           <a:lstStyle/>
           <a:p>
             <a:r>
+              <a:rPr lang="en-US" altLang="ko-KR" b="0" i="0" dirty="0">
+                <a:effectLst/>
+                <a:latin typeface="Coming Soon"/>
+              </a:rPr>
+              <a:t>You can share and post these comics anywhere you like without telling us, as long as you link back to the site. If you want to use them in a for-profit publication you can reach us at ismonkeyuser@gmail.com and we can talk about it.</a:t>
+            </a:r>
+          </a:p>
+          <a:p>
+            <a:endParaRPr lang="en-US" altLang="ko-KR" b="0" i="0" dirty="0">
+              <a:effectLst/>
+              <a:latin typeface="Coming Soon"/>
+            </a:endParaRPr>
+          </a:p>
+          <a:p>
+            <a:r>
               <a:rPr lang="ko-KR" altLang="en-US" dirty="0"/>
-              <a:t>함수의 기능</a:t>
-            </a:r>
-            <a:r>
-              <a:rPr lang="en-US" altLang="ko-KR" dirty="0"/>
-              <a:t>:</a:t>
-            </a:r>
-          </a:p>
-          <a:p>
-            <a:r>
-              <a:rPr lang="ko-KR" altLang="en-US" dirty="0" err="1"/>
-              <a:t>뭔갈</a:t>
-            </a:r>
+              <a:t>공유 되는 거 확인함</a:t>
+            </a:r>
+            <a:endParaRPr lang="en-US" altLang="ko-KR" dirty="0"/>
+          </a:p>
+          <a:p>
+            <a:endParaRPr lang="en-US" altLang="ko-KR" dirty="0"/>
+          </a:p>
+          <a:p>
             <a:r>
               <a:rPr lang="ko-KR" altLang="en-US" dirty="0"/>
-              <a:t> 계산해서 내놓음</a:t>
-            </a:r>
-            <a:r>
-              <a:rPr lang="en-US" altLang="ko-KR" dirty="0"/>
-              <a:t>(</a:t>
-            </a:r>
-            <a:r>
-              <a:rPr lang="ko-KR" altLang="en-US" dirty="0"/>
-              <a:t>리턴</a:t>
-            </a:r>
-            <a:r>
-              <a:rPr lang="en-US" altLang="ko-KR" dirty="0"/>
-              <a:t>)</a:t>
-            </a:r>
-          </a:p>
-          <a:p>
-            <a:r>
-              <a:rPr lang="ko-KR" altLang="en-US" dirty="0"/>
-              <a:t>어떤 다른 작업</a:t>
-            </a:r>
-            <a:r>
-              <a:rPr lang="en-US" altLang="ko-KR" dirty="0"/>
-              <a:t>(</a:t>
-            </a:r>
-            <a:r>
-              <a:rPr lang="ko-KR" altLang="en-US" dirty="0"/>
-              <a:t>프로그램의 상태</a:t>
-            </a:r>
-            <a:r>
-              <a:rPr lang="en-US" altLang="ko-KR" dirty="0"/>
-              <a:t>(state)</a:t>
-            </a:r>
-            <a:r>
-              <a:rPr lang="ko-KR" altLang="en-US" dirty="0"/>
-              <a:t>에 영향을 주는</a:t>
-            </a:r>
-            <a:r>
-              <a:rPr lang="en-US" altLang="ko-KR" dirty="0"/>
-              <a:t>)</a:t>
-            </a:r>
-            <a:r>
-              <a:rPr lang="ko-KR" altLang="en-US" dirty="0"/>
-              <a:t>을 함</a:t>
-            </a:r>
-            <a:r>
-              <a:rPr lang="en-US" altLang="ko-KR" dirty="0"/>
-              <a:t>(side-effect)</a:t>
-            </a:r>
-            <a:endParaRPr lang="ko-KR" altLang="en-US" dirty="0"/>
+              <a:t>코드가 그 기능을 잃기 때문에 잠깐 비활성화 </a:t>
+            </a:r>
           </a:p>
         </p:txBody>
       </p:sp>
@@ -2233,7 +2516,7 @@
     </p:spTree>
     <p:extLst>
       <p:ext uri="{BB962C8B-B14F-4D97-AF65-F5344CB8AC3E}">
-        <p14:creationId xmlns:p14="http://schemas.microsoft.com/office/powerpoint/2010/main" val="3028322947"/>
+        <p14:creationId xmlns:p14="http://schemas.microsoft.com/office/powerpoint/2010/main" val="1820127243"/>
       </p:ext>
     </p:extLst>
   </p:cSld>
@@ -16224,6 +16507,123 @@
           <p:cNvPr id="2" name="Title 1">
             <a:extLst>
               <a:ext uri="{FF2B5EF4-FFF2-40B4-BE49-F238E27FC236}">
+                <a16:creationId xmlns:a16="http://schemas.microsoft.com/office/drawing/2014/main" id="{126564E6-C1EF-4236-A96C-21570EA537DE}"/>
+              </a:ext>
+            </a:extLst>
+          </p:cNvPr>
+          <p:cNvSpPr>
+            <a:spLocks noGrp="1"/>
+          </p:cNvSpPr>
+          <p:nvPr>
+            <p:ph type="title"/>
+          </p:nvPr>
+        </p:nvSpPr>
+        <p:spPr/>
+        <p:txBody>
+          <a:bodyPr/>
+          <a:lstStyle/>
+          <a:p>
+            <a:r>
+              <a:rPr lang="en-US" altLang="ko-KR" b="1" dirty="0"/>
+              <a:t>Exercises</a:t>
+            </a:r>
+            <a:endParaRPr lang="ko-KR" altLang="en-US" b="1" dirty="0"/>
+          </a:p>
+        </p:txBody>
+      </p:sp>
+      <p:sp>
+        <p:nvSpPr>
+          <p:cNvPr id="3" name="Content Placeholder 2">
+            <a:extLst>
+              <a:ext uri="{FF2B5EF4-FFF2-40B4-BE49-F238E27FC236}">
+                <a16:creationId xmlns:a16="http://schemas.microsoft.com/office/drawing/2014/main" id="{57A05DC5-F0E5-42A7-9DEB-D7E5FFEE1286}"/>
+              </a:ext>
+            </a:extLst>
+          </p:cNvPr>
+          <p:cNvSpPr>
+            <a:spLocks noGrp="1"/>
+          </p:cNvSpPr>
+          <p:nvPr>
+            <p:ph idx="1"/>
+          </p:nvPr>
+        </p:nvSpPr>
+        <p:spPr/>
+        <p:txBody>
+          <a:bodyPr/>
+          <a:lstStyle/>
+          <a:p>
+            <a:r>
+              <a:rPr lang="en-US" altLang="ko-KR" b="1" dirty="0"/>
+              <a:t>Some exercises for you are in “exercises”</a:t>
+            </a:r>
+            <a:endParaRPr lang="ko-KR" altLang="en-US" b="1" dirty="0"/>
+          </a:p>
+        </p:txBody>
+      </p:sp>
+      <p:sp>
+        <p:nvSpPr>
+          <p:cNvPr id="4" name="Slide Number Placeholder 3">
+            <a:extLst>
+              <a:ext uri="{FF2B5EF4-FFF2-40B4-BE49-F238E27FC236}">
+                <a16:creationId xmlns:a16="http://schemas.microsoft.com/office/drawing/2014/main" id="{BDD38CDC-AD86-4200-9E8F-CF3557A365A6}"/>
+              </a:ext>
+            </a:extLst>
+          </p:cNvPr>
+          <p:cNvSpPr>
+            <a:spLocks noGrp="1"/>
+          </p:cNvSpPr>
+          <p:nvPr>
+            <p:ph type="sldNum" sz="quarter" idx="12"/>
+          </p:nvPr>
+        </p:nvSpPr>
+        <p:spPr/>
+        <p:txBody>
+          <a:bodyPr/>
+          <a:lstStyle/>
+          <a:p>
+            <a:fld id="{663C6A4A-F58A-4813-833D-C5F250139976}" type="slidenum">
+              <a:rPr lang="ko-KR" altLang="en-US" smtClean="0"/>
+              <a:t>53</a:t>
+            </a:fld>
+            <a:endParaRPr lang="ko-KR" altLang="en-US"/>
+          </a:p>
+        </p:txBody>
+      </p:sp>
+    </p:spTree>
+    <p:extLst>
+      <p:ext uri="{BB962C8B-B14F-4D97-AF65-F5344CB8AC3E}">
+        <p14:creationId xmlns:p14="http://schemas.microsoft.com/office/powerpoint/2010/main" val="2464394543"/>
+      </p:ext>
+    </p:extLst>
+  </p:cSld>
+  <p:clrMapOvr>
+    <a:masterClrMapping/>
+  </p:clrMapOvr>
+</p:sld>
+</file>
+
+<file path=ppt/slides/slide54.xml><?xml version="1.0" encoding="utf-8"?>
+<p:sld xmlns:a="http://schemas.openxmlformats.org/drawingml/2006/main" xmlns:r="http://schemas.openxmlformats.org/officeDocument/2006/relationships" xmlns:p="http://schemas.openxmlformats.org/presentationml/2006/main">
+  <p:cSld>
+    <p:spTree>
+      <p:nvGrpSpPr>
+        <p:cNvPr id="1" name=""/>
+        <p:cNvGrpSpPr/>
+        <p:nvPr/>
+      </p:nvGrpSpPr>
+      <p:grpSpPr>
+        <a:xfrm>
+          <a:off x="0" y="0"/>
+          <a:ext cx="0" cy="0"/>
+          <a:chOff x="0" y="0"/>
+          <a:chExt cx="0" cy="0"/>
+        </a:xfrm>
+      </p:grpSpPr>
+      <p:sp>
+        <p:nvSpPr>
+          <p:cNvPr id="2" name="Title 1">
+            <a:extLst>
+              <a:ext uri="{FF2B5EF4-FFF2-40B4-BE49-F238E27FC236}">
                 <a16:creationId xmlns:a16="http://schemas.microsoft.com/office/drawing/2014/main" id="{84E0151C-5A53-492A-80EF-D4B1BD7339C0}"/>
               </a:ext>
             </a:extLst>
@@ -16399,7 +16799,7 @@
           <a:p>
             <a:fld id="{663C6A4A-F58A-4813-833D-C5F250139976}" type="slidenum">
               <a:rPr lang="ko-KR" altLang="en-US" smtClean="0"/>
-              <a:t>53</a:t>
+              <a:t>54</a:t>
             </a:fld>
             <a:endParaRPr lang="ko-KR" altLang="en-US"/>
           </a:p>
@@ -16478,123 +16878,6 @@
 </p:sld>
 </file>
 
-<file path=ppt/slides/slide54.xml><?xml version="1.0" encoding="utf-8"?>
-<p:sld xmlns:a="http://schemas.openxmlformats.org/drawingml/2006/main" xmlns:r="http://schemas.openxmlformats.org/officeDocument/2006/relationships" xmlns:p="http://schemas.openxmlformats.org/presentationml/2006/main">
-  <p:cSld>
-    <p:spTree>
-      <p:nvGrpSpPr>
-        <p:cNvPr id="1" name=""/>
-        <p:cNvGrpSpPr/>
-        <p:nvPr/>
-      </p:nvGrpSpPr>
-      <p:grpSpPr>
-        <a:xfrm>
-          <a:off x="0" y="0"/>
-          <a:ext cx="0" cy="0"/>
-          <a:chOff x="0" y="0"/>
-          <a:chExt cx="0" cy="0"/>
-        </a:xfrm>
-      </p:grpSpPr>
-      <p:sp>
-        <p:nvSpPr>
-          <p:cNvPr id="2" name="Title 1">
-            <a:extLst>
-              <a:ext uri="{FF2B5EF4-FFF2-40B4-BE49-F238E27FC236}">
-                <a16:creationId xmlns:a16="http://schemas.microsoft.com/office/drawing/2014/main" id="{126564E6-C1EF-4236-A96C-21570EA537DE}"/>
-              </a:ext>
-            </a:extLst>
-          </p:cNvPr>
-          <p:cNvSpPr>
-            <a:spLocks noGrp="1"/>
-          </p:cNvSpPr>
-          <p:nvPr>
-            <p:ph type="title"/>
-          </p:nvPr>
-        </p:nvSpPr>
-        <p:spPr/>
-        <p:txBody>
-          <a:bodyPr/>
-          <a:lstStyle/>
-          <a:p>
-            <a:r>
-              <a:rPr lang="en-US" altLang="ko-KR" b="1" dirty="0"/>
-              <a:t>Exercises</a:t>
-            </a:r>
-            <a:endParaRPr lang="ko-KR" altLang="en-US" b="1" dirty="0"/>
-          </a:p>
-        </p:txBody>
-      </p:sp>
-      <p:sp>
-        <p:nvSpPr>
-          <p:cNvPr id="3" name="Content Placeholder 2">
-            <a:extLst>
-              <a:ext uri="{FF2B5EF4-FFF2-40B4-BE49-F238E27FC236}">
-                <a16:creationId xmlns:a16="http://schemas.microsoft.com/office/drawing/2014/main" id="{57A05DC5-F0E5-42A7-9DEB-D7E5FFEE1286}"/>
-              </a:ext>
-            </a:extLst>
-          </p:cNvPr>
-          <p:cNvSpPr>
-            <a:spLocks noGrp="1"/>
-          </p:cNvSpPr>
-          <p:nvPr>
-            <p:ph idx="1"/>
-          </p:nvPr>
-        </p:nvSpPr>
-        <p:spPr/>
-        <p:txBody>
-          <a:bodyPr/>
-          <a:lstStyle/>
-          <a:p>
-            <a:r>
-              <a:rPr lang="en-US" altLang="ko-KR" b="1" dirty="0"/>
-              <a:t>Some exercises for you are in “exercises”</a:t>
-            </a:r>
-            <a:endParaRPr lang="ko-KR" altLang="en-US" b="1" dirty="0"/>
-          </a:p>
-        </p:txBody>
-      </p:sp>
-      <p:sp>
-        <p:nvSpPr>
-          <p:cNvPr id="4" name="Slide Number Placeholder 3">
-            <a:extLst>
-              <a:ext uri="{FF2B5EF4-FFF2-40B4-BE49-F238E27FC236}">
-                <a16:creationId xmlns:a16="http://schemas.microsoft.com/office/drawing/2014/main" id="{BDD38CDC-AD86-4200-9E8F-CF3557A365A6}"/>
-              </a:ext>
-            </a:extLst>
-          </p:cNvPr>
-          <p:cNvSpPr>
-            <a:spLocks noGrp="1"/>
-          </p:cNvSpPr>
-          <p:nvPr>
-            <p:ph type="sldNum" sz="quarter" idx="12"/>
-          </p:nvPr>
-        </p:nvSpPr>
-        <p:spPr/>
-        <p:txBody>
-          <a:bodyPr/>
-          <a:lstStyle/>
-          <a:p>
-            <a:fld id="{663C6A4A-F58A-4813-833D-C5F250139976}" type="slidenum">
-              <a:rPr lang="ko-KR" altLang="en-US" smtClean="0"/>
-              <a:t>54</a:t>
-            </a:fld>
-            <a:endParaRPr lang="ko-KR" altLang="en-US"/>
-          </a:p>
-        </p:txBody>
-      </p:sp>
-    </p:spTree>
-    <p:extLst>
-      <p:ext uri="{BB962C8B-B14F-4D97-AF65-F5344CB8AC3E}">
-        <p14:creationId xmlns:p14="http://schemas.microsoft.com/office/powerpoint/2010/main" val="2464394543"/>
-      </p:ext>
-    </p:extLst>
-  </p:cSld>
-  <p:clrMapOvr>
-    <a:masterClrMapping/>
-  </p:clrMapOvr>
-</p:sld>
-</file>
-
 <file path=ppt/slides/slide55.xml><?xml version="1.0" encoding="utf-8"?>
 <p:sld xmlns:a="http://schemas.openxmlformats.org/drawingml/2006/main" xmlns:r="http://schemas.openxmlformats.org/officeDocument/2006/relationships" xmlns:p="http://schemas.openxmlformats.org/presentationml/2006/main">
   <p:cSld>
@@ -16617,7 +16900,7 @@
           <p:cNvPr id="2" name="Title 1">
             <a:extLst>
               <a:ext uri="{FF2B5EF4-FFF2-40B4-BE49-F238E27FC236}">
-                <a16:creationId xmlns:a16="http://schemas.microsoft.com/office/drawing/2014/main" id="{84E0151C-5A53-492A-80EF-D4B1BD7339C0}"/>
+                <a16:creationId xmlns:a16="http://schemas.microsoft.com/office/drawing/2014/main" id="{2532C6C2-0AF5-46FA-80EA-3101FED67415}"/>
               </a:ext>
             </a:extLst>
           </p:cNvPr>
@@ -16635,7 +16918,7 @@
           <a:p>
             <a:r>
               <a:rPr lang="en-US" altLang="ko-KR" b="1" dirty="0"/>
-              <a:t>Functions in Programming</a:t>
+              <a:t>Comment [1]</a:t>
             </a:r>
             <a:endParaRPr lang="ko-KR" altLang="en-US" b="1" dirty="0"/>
           </a:p>
@@ -16646,7 +16929,7 @@
           <p:cNvPr id="3" name="Content Placeholder 2">
             <a:extLst>
               <a:ext uri="{FF2B5EF4-FFF2-40B4-BE49-F238E27FC236}">
-                <a16:creationId xmlns:a16="http://schemas.microsoft.com/office/drawing/2014/main" id="{C8445EA8-93CA-4962-8776-2AC001C9867F}"/>
+                <a16:creationId xmlns:a16="http://schemas.microsoft.com/office/drawing/2014/main" id="{1009885F-B6BB-419E-B184-D7E82B99AE09}"/>
               </a:ext>
             </a:extLst>
           </p:cNvPr>
@@ -16659,93 +16942,102 @@
         </p:nvSpPr>
         <p:spPr>
           <a:xfrm>
-            <a:off x="838199" y="1825625"/>
-            <a:ext cx="11520949" cy="4351338"/>
+            <a:off x="838200" y="1825625"/>
+            <a:ext cx="10515600" cy="4895850"/>
           </a:xfrm>
         </p:spPr>
         <p:txBody>
-          <a:bodyPr/>
+          <a:bodyPr>
+            <a:normAutofit/>
+          </a:bodyPr>
           <a:lstStyle/>
           <a:p>
             <a:r>
               <a:rPr lang="en-US" altLang="ko-KR" b="1" dirty="0"/>
-              <a:t>Functions in programming is slightly different with that in math</a:t>
+              <a:t>You can add some comment(memo) in your code</a:t>
             </a:r>
           </a:p>
           <a:p>
             <a:pPr lvl="1"/>
             <a:r>
               <a:rPr lang="en-US" altLang="ko-KR" dirty="0"/>
-              <a:t>Function in math just give some value</a:t>
-            </a:r>
-          </a:p>
-          <a:p>
-            <a:pPr lvl="2"/>
-            <a:r>
-              <a:rPr lang="en-US" altLang="ko-KR" dirty="0"/>
-              <a:t>For example, in f(x) = 2x, f(10) gives 20.</a:t>
-            </a:r>
-          </a:p>
-          <a:p>
-            <a:pPr lvl="2"/>
-            <a:r>
-              <a:rPr lang="en-US" altLang="ko-KR" dirty="0"/>
-              <a:t>Just calculation, no side-effects</a:t>
-            </a:r>
-          </a:p>
-          <a:p>
-            <a:pPr lvl="1"/>
-            <a:r>
-              <a:rPr lang="en-US" altLang="ko-KR" dirty="0"/>
-              <a:t>Function in programming is a code sequence that does some work</a:t>
-            </a:r>
-          </a:p>
-          <a:p>
-            <a:pPr lvl="2"/>
-            <a:r>
-              <a:rPr lang="en-US" altLang="ko-KR" dirty="0"/>
-              <a:t>We can give some value like the function in math</a:t>
-            </a:r>
-          </a:p>
-          <a:p>
-            <a:pPr lvl="3"/>
-            <a:r>
-              <a:rPr lang="en-US" altLang="ko-KR" dirty="0"/>
-              <a:t>The value is called “return value”</a:t>
-            </a:r>
-          </a:p>
-          <a:p>
-            <a:pPr lvl="2"/>
-            <a:r>
-              <a:rPr lang="en-US" altLang="ko-KR" dirty="0"/>
-              <a:t>We can make some side-effects, other than just calculation</a:t>
-            </a:r>
-          </a:p>
-          <a:p>
-            <a:pPr lvl="3"/>
-            <a:r>
-              <a:rPr lang="en-US" altLang="ko-KR" dirty="0"/>
-              <a:t>Print out some message</a:t>
-            </a:r>
-          </a:p>
-          <a:p>
-            <a:pPr lvl="3"/>
-            <a:r>
-              <a:rPr lang="en-US" altLang="ko-KR" dirty="0"/>
-              <a:t>Change some variable</a:t>
-            </a:r>
-          </a:p>
-          <a:p>
-            <a:pPr lvl="3"/>
-            <a:r>
-              <a:rPr lang="en-US" altLang="ko-KR" dirty="0"/>
-              <a:t>Cause an error</a:t>
+              <a:t>In program, it does nothing</a:t>
             </a:r>
           </a:p>
           <a:p>
             <a:pPr lvl="1"/>
             <a:endParaRPr lang="en-US" altLang="ko-KR" dirty="0"/>
           </a:p>
+          <a:p>
+            <a:r>
+              <a:rPr lang="en-US" altLang="ko-KR" b="1" dirty="0"/>
+              <a:t>Why we use comment?</a:t>
+            </a:r>
+          </a:p>
+          <a:p>
+            <a:pPr lvl="1"/>
+            <a:r>
+              <a:rPr lang="en-US" altLang="ko-KR" dirty="0"/>
+              <a:t>To explain to co-worker my code</a:t>
+            </a:r>
+          </a:p>
+          <a:p>
+            <a:pPr lvl="1"/>
+            <a:r>
+              <a:rPr lang="en-US" altLang="ko-KR" dirty="0"/>
+              <a:t>Also, to explain to </a:t>
+            </a:r>
+            <a:r>
+              <a:rPr lang="en-US" altLang="ko-KR" b="1" dirty="0"/>
+              <a:t>myself in tomorrow</a:t>
+            </a:r>
+          </a:p>
+          <a:p>
+            <a:pPr lvl="1"/>
+            <a:endParaRPr lang="en-US" altLang="ko-KR" b="1" dirty="0"/>
+          </a:p>
+          <a:p>
+            <a:pPr lvl="1"/>
+            <a:r>
+              <a:rPr lang="en-US" altLang="ko-KR" dirty="0"/>
+              <a:t>Sometimes we use it to disable some code</a:t>
+            </a:r>
+          </a:p>
+          <a:p>
+            <a:pPr marL="457200" lvl="1" indent="0">
+              <a:buNone/>
+            </a:pPr>
+            <a:r>
+              <a:rPr lang="en-US" altLang="ko-KR" dirty="0"/>
+              <a:t>  temporarily</a:t>
+            </a:r>
+          </a:p>
+          <a:p>
+            <a:pPr marL="0" indent="0">
+              <a:buNone/>
+            </a:pPr>
+            <a:endParaRPr lang="en-US" altLang="ko-KR" sz="2000" dirty="0"/>
+          </a:p>
+          <a:p>
+            <a:pPr marL="0" indent="0">
+              <a:buNone/>
+            </a:pPr>
+            <a:r>
+              <a:rPr lang="en-US" altLang="ko-KR" sz="2000" dirty="0"/>
+              <a:t>                                         from </a:t>
+            </a:r>
+            <a:r>
+              <a:rPr lang="en-US" altLang="ko-KR" sz="2000" dirty="0">
+                <a:hlinkClick r:id="rId3"/>
+              </a:rPr>
+              <a:t>https://monkeyuser.com</a:t>
+            </a:r>
+            <a:r>
+              <a:rPr lang="en-US" altLang="ko-KR" sz="2000" dirty="0"/>
+              <a:t>  </a:t>
+            </a:r>
+            <a:endParaRPr lang="ko-KR" altLang="en-US" sz="2000" dirty="0"/>
+          </a:p>
         </p:txBody>
       </p:sp>
       <p:sp>
@@ -16753,7 +17045,7 @@
           <p:cNvPr id="4" name="Slide Number Placeholder 3">
             <a:extLst>
               <a:ext uri="{FF2B5EF4-FFF2-40B4-BE49-F238E27FC236}">
-                <a16:creationId xmlns:a16="http://schemas.microsoft.com/office/drawing/2014/main" id="{A8E0ACFF-FC4D-4DF1-9468-305C9C756C1E}"/>
+                <a16:creationId xmlns:a16="http://schemas.microsoft.com/office/drawing/2014/main" id="{4E71938B-210F-4C5B-85F2-8374EDEB63CB}"/>
               </a:ext>
             </a:extLst>
           </p:cNvPr>
@@ -16777,10 +17069,57 @@
           </a:p>
         </p:txBody>
       </p:sp>
+      <p:pic>
+        <p:nvPicPr>
+          <p:cNvPr id="1026" name="Picture 2" descr="r/ProgrammerHumor - Unfinished Work">
+            <a:extLst>
+              <a:ext uri="{FF2B5EF4-FFF2-40B4-BE49-F238E27FC236}">
+                <a16:creationId xmlns:a16="http://schemas.microsoft.com/office/drawing/2014/main" id="{8FB98F4E-A07C-4AD0-AF2A-4AD904980098}"/>
+              </a:ext>
+            </a:extLst>
+          </p:cNvPr>
+          <p:cNvPicPr>
+            <a:picLocks noChangeAspect="1" noChangeArrowheads="1"/>
+          </p:cNvPicPr>
+          <p:nvPr/>
+        </p:nvPicPr>
+        <p:blipFill>
+          <a:blip r:embed="rId4">
+            <a:extLst>
+              <a:ext uri="{28A0092B-C50C-407E-A947-70E740481C1C}">
+                <a14:useLocalDpi xmlns:a14="http://schemas.microsoft.com/office/drawing/2010/main" val="0"/>
+              </a:ext>
+            </a:extLst>
+          </a:blip>
+          <a:srcRect/>
+          <a:stretch>
+            <a:fillRect/>
+          </a:stretch>
+        </p:blipFill>
+        <p:spPr bwMode="auto">
+          <a:xfrm>
+            <a:off x="8071816" y="2240309"/>
+            <a:ext cx="4120184" cy="4481166"/>
+          </a:xfrm>
+          <a:prstGeom prst="rect">
+            <a:avLst/>
+          </a:prstGeom>
+          <a:noFill/>
+          <a:extLst>
+            <a:ext uri="{909E8E84-426E-40DD-AFC4-6F175D3DCCD1}">
+              <a14:hiddenFill xmlns:a14="http://schemas.microsoft.com/office/drawing/2010/main">
+                <a:solidFill>
+                  <a:srgbClr val="FFFFFF"/>
+                </a:solidFill>
+              </a14:hiddenFill>
+            </a:ext>
+          </a:extLst>
+        </p:spPr>
+      </p:pic>
     </p:spTree>
     <p:extLst>
       <p:ext uri="{BB962C8B-B14F-4D97-AF65-F5344CB8AC3E}">
-        <p14:creationId xmlns:p14="http://schemas.microsoft.com/office/powerpoint/2010/main" val="2960056905"/>
+        <p14:creationId xmlns:p14="http://schemas.microsoft.com/office/powerpoint/2010/main" val="99768281"/>
       </p:ext>
     </p:extLst>
   </p:cSld>
@@ -16812,7 +17151,7 @@
           <p:cNvPr id="2" name="Title 1">
             <a:extLst>
               <a:ext uri="{FF2B5EF4-FFF2-40B4-BE49-F238E27FC236}">
-                <a16:creationId xmlns:a16="http://schemas.microsoft.com/office/drawing/2014/main" id="{84E0151C-5A53-492A-80EF-D4B1BD7339C0}"/>
+                <a16:creationId xmlns:a16="http://schemas.microsoft.com/office/drawing/2014/main" id="{2532C6C2-0AF5-46FA-80EA-3101FED67415}"/>
               </a:ext>
             </a:extLst>
           </p:cNvPr>
@@ -16830,7 +17169,7 @@
           <a:p>
             <a:r>
               <a:rPr lang="en-US" altLang="ko-KR" b="1" dirty="0"/>
-              <a:t>Why Do We Use Function?</a:t>
+              <a:t>Comment [2]</a:t>
             </a:r>
             <a:endParaRPr lang="ko-KR" altLang="en-US" b="1" dirty="0"/>
           </a:p>
@@ -16841,7 +17180,7 @@
           <p:cNvPr id="3" name="Content Placeholder 2">
             <a:extLst>
               <a:ext uri="{FF2B5EF4-FFF2-40B4-BE49-F238E27FC236}">
-                <a16:creationId xmlns:a16="http://schemas.microsoft.com/office/drawing/2014/main" id="{C8445EA8-93CA-4962-8776-2AC001C9867F}"/>
+                <a16:creationId xmlns:a16="http://schemas.microsoft.com/office/drawing/2014/main" id="{1009885F-B6BB-419E-B184-D7E82B99AE09}"/>
               </a:ext>
             </a:extLst>
           </p:cNvPr>
@@ -16854,47 +17193,38 @@
         </p:nvSpPr>
         <p:spPr>
           <a:xfrm>
-            <a:off x="838199" y="1825625"/>
-            <a:ext cx="11520949" cy="4351338"/>
+            <a:off x="838200" y="1825625"/>
+            <a:ext cx="10515600" cy="4895850"/>
           </a:xfrm>
         </p:spPr>
         <p:txBody>
-          <a:bodyPr/>
+          <a:bodyPr>
+            <a:normAutofit/>
+          </a:bodyPr>
           <a:lstStyle/>
           <a:p>
             <a:r>
               <a:rPr lang="en-US" altLang="ko-KR" b="1" dirty="0"/>
-              <a:t>We can avoid repetitive task and code</a:t>
-            </a:r>
-          </a:p>
-          <a:p>
-            <a:r>
-              <a:rPr lang="en-US" altLang="ko-KR" b="1" dirty="0"/>
-              <a:t>It makes maintenance easier</a:t>
-            </a:r>
-          </a:p>
-          <a:p>
-            <a:r>
-              <a:rPr lang="en-US" altLang="ko-KR" b="1" dirty="0"/>
-              <a:t>Reusability</a:t>
-            </a:r>
-          </a:p>
-          <a:p>
-            <a:r>
-              <a:rPr lang="en-US" altLang="ko-KR" b="1" dirty="0"/>
-              <a:t>So on…</a:t>
+              <a:t>Two ways:</a:t>
+            </a:r>
+          </a:p>
+          <a:p>
+            <a:pPr lvl="1"/>
+            <a:r>
+              <a:rPr lang="en-US" altLang="ko-KR" dirty="0"/>
+              <a:t>using # for a line</a:t>
+            </a:r>
+          </a:p>
+          <a:p>
+            <a:pPr lvl="1"/>
+            <a:r>
+              <a:rPr lang="en-US" altLang="ko-KR" dirty="0"/>
+              <a:t>using ‘’’ ‘’’ for multiple lines</a:t>
             </a:r>
           </a:p>
           <a:p>
             <a:endParaRPr lang="en-US" altLang="ko-KR" b="1" dirty="0"/>
           </a:p>
-          <a:p>
-            <a:endParaRPr lang="en-US" altLang="ko-KR" dirty="0"/>
-          </a:p>
-          <a:p>
-            <a:pPr lvl="1"/>
-            <a:endParaRPr lang="en-US" altLang="ko-KR" dirty="0"/>
-          </a:p>
         </p:txBody>
       </p:sp>
       <p:sp>
@@ -16902,7 +17232,7 @@
           <p:cNvPr id="4" name="Slide Number Placeholder 3">
             <a:extLst>
               <a:ext uri="{FF2B5EF4-FFF2-40B4-BE49-F238E27FC236}">
-                <a16:creationId xmlns:a16="http://schemas.microsoft.com/office/drawing/2014/main" id="{A8E0ACFF-FC4D-4DF1-9468-305C9C756C1E}"/>
+                <a16:creationId xmlns:a16="http://schemas.microsoft.com/office/drawing/2014/main" id="{4E71938B-210F-4C5B-85F2-8374EDEB63CB}"/>
               </a:ext>
             </a:extLst>
           </p:cNvPr>
@@ -16931,7 +17261,7 @@
           <p:cNvPr id="5" name="Picture 4">
             <a:extLst>
               <a:ext uri="{FF2B5EF4-FFF2-40B4-BE49-F238E27FC236}">
-                <a16:creationId xmlns:a16="http://schemas.microsoft.com/office/drawing/2014/main" id="{6BE0A2EC-3F5C-4C44-90D4-34EBC625D510}"/>
+                <a16:creationId xmlns:a16="http://schemas.microsoft.com/office/drawing/2014/main" id="{91A33F15-AA49-4315-A943-AD9543228A74}"/>
               </a:ext>
             </a:extLst>
           </p:cNvPr>
@@ -16941,15 +17271,15 @@
           <p:nvPr/>
         </p:nvPicPr>
         <p:blipFill>
-          <a:blip r:embed="rId2"/>
+          <a:blip r:embed="rId3"/>
           <a:stretch>
             <a:fillRect/>
           </a:stretch>
         </p:blipFill>
         <p:spPr>
           <a:xfrm>
-            <a:off x="6421692" y="3013135"/>
-            <a:ext cx="5495499" cy="3343215"/>
+            <a:off x="1346585" y="3219529"/>
+            <a:ext cx="9863063" cy="2836025"/>
           </a:xfrm>
           <a:prstGeom prst="rect">
             <a:avLst/>
@@ -16959,7 +17289,7 @@
     </p:spTree>
     <p:extLst>
       <p:ext uri="{BB962C8B-B14F-4D97-AF65-F5344CB8AC3E}">
-        <p14:creationId xmlns:p14="http://schemas.microsoft.com/office/powerpoint/2010/main" val="1402039590"/>
+        <p14:creationId xmlns:p14="http://schemas.microsoft.com/office/powerpoint/2010/main" val="1697224294"/>
       </p:ext>
     </p:extLst>
   </p:cSld>
@@ -16988,10 +17318,10 @@
       </p:grpSpPr>
       <p:sp>
         <p:nvSpPr>
-          <p:cNvPr id="2" name="Title 1">
-            <a:extLst>
-              <a:ext uri="{FF2B5EF4-FFF2-40B4-BE49-F238E27FC236}">
-                <a16:creationId xmlns:a16="http://schemas.microsoft.com/office/drawing/2014/main" id="{84E0151C-5A53-492A-80EF-D4B1BD7339C0}"/>
+          <p:cNvPr id="4" name="Title 3">
+            <a:extLst>
+              <a:ext uri="{FF2B5EF4-FFF2-40B4-BE49-F238E27FC236}">
+                <a16:creationId xmlns:a16="http://schemas.microsoft.com/office/drawing/2014/main" id="{82C4C27C-8C00-4853-A883-712B47C9B393}"/>
               </a:ext>
             </a:extLst>
           </p:cNvPr>
@@ -17009,7 +17339,7 @@
           <a:p>
             <a:r>
               <a:rPr lang="en-US" altLang="ko-KR" b="1" dirty="0"/>
-              <a:t>Defining Function [1]</a:t>
+              <a:t>Functions, Classes</a:t>
             </a:r>
             <a:endParaRPr lang="ko-KR" altLang="en-US" b="1" dirty="0"/>
           </a:p>
@@ -17017,112 +17347,35 @@
       </p:sp>
       <p:sp>
         <p:nvSpPr>
-          <p:cNvPr id="3" name="Content Placeholder 2">
-            <a:extLst>
-              <a:ext uri="{FF2B5EF4-FFF2-40B4-BE49-F238E27FC236}">
-                <a16:creationId xmlns:a16="http://schemas.microsoft.com/office/drawing/2014/main" id="{C8445EA8-93CA-4962-8776-2AC001C9867F}"/>
-              </a:ext>
-            </a:extLst>
-          </p:cNvPr>
-          <p:cNvSpPr>
-            <a:spLocks noGrp="1"/>
-          </p:cNvSpPr>
-          <p:nvPr>
-            <p:ph idx="1"/>
-          </p:nvPr>
-        </p:nvSpPr>
-        <p:spPr>
-          <a:xfrm>
-            <a:off x="838199" y="1825625"/>
-            <a:ext cx="11520949" cy="4351338"/>
-          </a:xfrm>
-        </p:spPr>
-        <p:txBody>
-          <a:bodyPr/>
-          <a:lstStyle/>
-          <a:p>
-            <a:r>
-              <a:rPr lang="en-US" altLang="ko-KR" b="1" dirty="0"/>
-              <a:t>We use </a:t>
-            </a:r>
-            <a:r>
-              <a:rPr lang="en-US" altLang="ko-KR" b="1" dirty="0">
-                <a:latin typeface="Consolas" panose="020B0609020204030204" pitchFamily="49" charset="0"/>
-              </a:rPr>
-              <a:t>def</a:t>
-            </a:r>
-            <a:r>
-              <a:rPr lang="en-US" altLang="ko-KR" b="1" dirty="0"/>
-              <a:t> keyword</a:t>
-            </a:r>
-          </a:p>
-          <a:p>
-            <a:endParaRPr lang="en-US" altLang="ko-KR" b="1" dirty="0"/>
-          </a:p>
-          <a:p>
-            <a:pPr marL="0" indent="0">
-              <a:buNone/>
-            </a:pPr>
-            <a:r>
-              <a:rPr lang="en-US" altLang="ko-KR" sz="4400" dirty="0">
-                <a:latin typeface="Consolas" panose="020B0609020204030204" pitchFamily="49" charset="0"/>
-              </a:rPr>
-              <a:t>  def </a:t>
-            </a:r>
-            <a:r>
-              <a:rPr lang="en-US" altLang="ko-KR" sz="4400" dirty="0" err="1">
-                <a:solidFill>
-                  <a:srgbClr val="FF0000"/>
-                </a:solidFill>
-                <a:latin typeface="Consolas" panose="020B0609020204030204" pitchFamily="49" charset="0"/>
-              </a:rPr>
-              <a:t>function_name</a:t>
-            </a:r>
-            <a:r>
-              <a:rPr lang="en-US" altLang="ko-KR" sz="4400" dirty="0">
-                <a:latin typeface="Consolas" panose="020B0609020204030204" pitchFamily="49" charset="0"/>
-              </a:rPr>
-              <a:t>(</a:t>
-            </a:r>
-            <a:r>
-              <a:rPr lang="en-US" altLang="ko-KR" sz="4400" dirty="0">
-                <a:solidFill>
-                  <a:srgbClr val="0070C0"/>
-                </a:solidFill>
-                <a:latin typeface="Consolas" panose="020B0609020204030204" pitchFamily="49" charset="0"/>
-              </a:rPr>
-              <a:t>parameter</a:t>
-            </a:r>
-            <a:r>
-              <a:rPr lang="en-US" altLang="ko-KR" sz="4400" dirty="0">
-                <a:latin typeface="Consolas" panose="020B0609020204030204" pitchFamily="49" charset="0"/>
-              </a:rPr>
-              <a:t>):</a:t>
-            </a:r>
-          </a:p>
-          <a:p>
-            <a:pPr marL="0" indent="0">
-              <a:buNone/>
-            </a:pPr>
-            <a:r>
-              <a:rPr lang="en-US" altLang="ko-KR" sz="4400" dirty="0">
-                <a:latin typeface="Consolas" panose="020B0609020204030204" pitchFamily="49" charset="0"/>
-              </a:rPr>
-              <a:t>	   (body) </a:t>
-            </a:r>
-          </a:p>
-          <a:p>
-            <a:pPr lvl="1"/>
-            <a:endParaRPr lang="en-US" altLang="ko-KR" dirty="0"/>
-          </a:p>
-        </p:txBody>
-      </p:sp>
-      <p:sp>
-        <p:nvSpPr>
-          <p:cNvPr id="4" name="Slide Number Placeholder 3">
-            <a:extLst>
-              <a:ext uri="{FF2B5EF4-FFF2-40B4-BE49-F238E27FC236}">
-                <a16:creationId xmlns:a16="http://schemas.microsoft.com/office/drawing/2014/main" id="{A8E0ACFF-FC4D-4DF1-9468-305C9C756C1E}"/>
+          <p:cNvPr id="3" name="Text Placeholder 2">
+            <a:extLst>
+              <a:ext uri="{FF2B5EF4-FFF2-40B4-BE49-F238E27FC236}">
+                <a16:creationId xmlns:a16="http://schemas.microsoft.com/office/drawing/2014/main" id="{AACDFAB9-A5C6-4CA4-AB46-FDB4982C9CC1}"/>
+              </a:ext>
+            </a:extLst>
+          </p:cNvPr>
+          <p:cNvSpPr>
+            <a:spLocks noGrp="1"/>
+          </p:cNvSpPr>
+          <p:nvPr>
+            <p:ph type="body" idx="1"/>
+          </p:nvPr>
+        </p:nvSpPr>
+        <p:spPr/>
+        <p:txBody>
+          <a:bodyPr/>
+          <a:lstStyle/>
+          <a:p>
+            <a:endParaRPr lang="ko-KR" altLang="en-US" dirty="0"/>
+          </a:p>
+        </p:txBody>
+      </p:sp>
+      <p:sp>
+        <p:nvSpPr>
+          <p:cNvPr id="2" name="Slide Number Placeholder 1">
+            <a:extLst>
+              <a:ext uri="{FF2B5EF4-FFF2-40B4-BE49-F238E27FC236}">
+                <a16:creationId xmlns:a16="http://schemas.microsoft.com/office/drawing/2014/main" id="{AA62A18A-8A08-4B81-8C41-2D296FF1123E}"/>
               </a:ext>
             </a:extLst>
           </p:cNvPr>
@@ -17146,69 +17399,10 @@
           </a:p>
         </p:txBody>
       </p:sp>
-      <p:pic>
-        <p:nvPicPr>
-          <p:cNvPr id="6" name="Picture 5">
-            <a:extLst>
-              <a:ext uri="{FF2B5EF4-FFF2-40B4-BE49-F238E27FC236}">
-                <a16:creationId xmlns:a16="http://schemas.microsoft.com/office/drawing/2014/main" id="{ABF47D63-B082-4246-9643-D89127B36A7F}"/>
-              </a:ext>
-            </a:extLst>
-          </p:cNvPr>
-          <p:cNvPicPr>
-            <a:picLocks noChangeAspect="1"/>
-          </p:cNvPicPr>
-          <p:nvPr/>
-        </p:nvPicPr>
-        <p:blipFill rotWithShape="1">
-          <a:blip r:embed="rId2"/>
-          <a:srcRect r="14293" b="509"/>
-          <a:stretch/>
-        </p:blipFill>
-        <p:spPr>
-          <a:xfrm>
-            <a:off x="394048" y="5007111"/>
-            <a:ext cx="5431565" cy="839697"/>
-          </a:xfrm>
-          <a:prstGeom prst="rect">
-            <a:avLst/>
-          </a:prstGeom>
-        </p:spPr>
-      </p:pic>
-      <p:pic>
-        <p:nvPicPr>
-          <p:cNvPr id="7" name="Picture 6">
-            <a:extLst>
-              <a:ext uri="{FF2B5EF4-FFF2-40B4-BE49-F238E27FC236}">
-                <a16:creationId xmlns:a16="http://schemas.microsoft.com/office/drawing/2014/main" id="{D25AE289-2885-4C59-8983-75F66437FF5A}"/>
-              </a:ext>
-            </a:extLst>
-          </p:cNvPr>
-          <p:cNvPicPr>
-            <a:picLocks noChangeAspect="1"/>
-          </p:cNvPicPr>
-          <p:nvPr/>
-        </p:nvPicPr>
-        <p:blipFill>
-          <a:blip r:embed="rId3"/>
-          <a:stretch>
-            <a:fillRect/>
-          </a:stretch>
-        </p:blipFill>
-        <p:spPr>
-          <a:xfrm>
-            <a:off x="6096000" y="4526528"/>
-            <a:ext cx="5132557" cy="1735829"/>
-          </a:xfrm>
-          <a:prstGeom prst="rect">
-            <a:avLst/>
-          </a:prstGeom>
-        </p:spPr>
-      </p:pic>
     </p:spTree>
     <p:extLst>
       <p:ext uri="{BB962C8B-B14F-4D97-AF65-F5344CB8AC3E}">
-        <p14:creationId xmlns:p14="http://schemas.microsoft.com/office/powerpoint/2010/main" val="2005562470"/>
+        <p14:creationId xmlns:p14="http://schemas.microsoft.com/office/powerpoint/2010/main" val="276714853"/>
       </p:ext>
     </p:extLst>
   </p:cSld>
@@ -17258,7 +17452,7 @@
           <a:p>
             <a:r>
               <a:rPr lang="en-US" altLang="ko-KR" b="1" dirty="0"/>
-              <a:t>Defining Function [2]</a:t>
+              <a:t>Functions in Programming</a:t>
             </a:r>
             <a:endParaRPr lang="ko-KR" altLang="en-US" b="1" dirty="0"/>
           </a:p>
@@ -17292,29 +17486,78 @@
           <a:p>
             <a:r>
               <a:rPr lang="en-US" altLang="ko-KR" b="1" dirty="0"/>
-              <a:t>Some function may not have parameter</a:t>
-            </a:r>
-          </a:p>
-          <a:p>
-            <a:endParaRPr lang="en-US" altLang="ko-KR" b="1" dirty="0"/>
-          </a:p>
-          <a:p>
-            <a:endParaRPr lang="en-US" altLang="ko-KR" b="1" dirty="0"/>
-          </a:p>
-          <a:p>
-            <a:endParaRPr lang="en-US" altLang="ko-KR" b="1" dirty="0"/>
-          </a:p>
-          <a:p>
-            <a:r>
-              <a:rPr lang="en-US" altLang="ko-KR" b="1" dirty="0"/>
-              <a:t>Some function may have two or more parameters</a:t>
-            </a:r>
-          </a:p>
-          <a:p>
-            <a:endParaRPr lang="en-US" altLang="ko-KR" b="1" dirty="0"/>
-          </a:p>
-          <a:p>
-            <a:endParaRPr lang="en-US" altLang="ko-KR" b="1" dirty="0"/>
+              <a:t>Functions in programming is slightly different with that in math</a:t>
+            </a:r>
+          </a:p>
+          <a:p>
+            <a:pPr lvl="1"/>
+            <a:r>
+              <a:rPr lang="en-US" altLang="ko-KR" dirty="0"/>
+              <a:t>Function in math just give some value</a:t>
+            </a:r>
+          </a:p>
+          <a:p>
+            <a:pPr lvl="2"/>
+            <a:r>
+              <a:rPr lang="en-US" altLang="ko-KR" dirty="0"/>
+              <a:t>For example, in f(x) = 2x, f(10) gives 20.</a:t>
+            </a:r>
+          </a:p>
+          <a:p>
+            <a:pPr lvl="2"/>
+            <a:r>
+              <a:rPr lang="en-US" altLang="ko-KR" dirty="0"/>
+              <a:t>Just calculation, no side-effects</a:t>
+            </a:r>
+          </a:p>
+          <a:p>
+            <a:pPr lvl="1"/>
+            <a:r>
+              <a:rPr lang="en-US" altLang="ko-KR" dirty="0"/>
+              <a:t>Function in programming is a code sequence that does some work</a:t>
+            </a:r>
+          </a:p>
+          <a:p>
+            <a:pPr lvl="2"/>
+            <a:r>
+              <a:rPr lang="en-US" altLang="ko-KR" dirty="0"/>
+              <a:t>We can give some value like the function in math</a:t>
+            </a:r>
+          </a:p>
+          <a:p>
+            <a:pPr lvl="3"/>
+            <a:r>
+              <a:rPr lang="en-US" altLang="ko-KR" dirty="0"/>
+              <a:t>The value is called “return value”</a:t>
+            </a:r>
+          </a:p>
+          <a:p>
+            <a:pPr lvl="2"/>
+            <a:r>
+              <a:rPr lang="en-US" altLang="ko-KR" dirty="0"/>
+              <a:t>We can make some side-effects, other than just calculation</a:t>
+            </a:r>
+          </a:p>
+          <a:p>
+            <a:pPr lvl="3"/>
+            <a:r>
+              <a:rPr lang="en-US" altLang="ko-KR" dirty="0"/>
+              <a:t>Print out some message</a:t>
+            </a:r>
+          </a:p>
+          <a:p>
+            <a:pPr lvl="3"/>
+            <a:r>
+              <a:rPr lang="en-US" altLang="ko-KR" dirty="0"/>
+              <a:t>Change some variable</a:t>
+            </a:r>
+          </a:p>
+          <a:p>
+            <a:pPr lvl="3"/>
+            <a:r>
+              <a:rPr lang="en-US" altLang="ko-KR" dirty="0"/>
+              <a:t>Cause an error</a:t>
+            </a:r>
           </a:p>
           <a:p>
             <a:pPr lvl="1"/>
@@ -17351,69 +17594,10 @@
           </a:p>
         </p:txBody>
       </p:sp>
-      <p:pic>
-        <p:nvPicPr>
-          <p:cNvPr id="6" name="Picture 5">
-            <a:extLst>
-              <a:ext uri="{FF2B5EF4-FFF2-40B4-BE49-F238E27FC236}">
-                <a16:creationId xmlns:a16="http://schemas.microsoft.com/office/drawing/2014/main" id="{ABF47D63-B082-4246-9643-D89127B36A7F}"/>
-              </a:ext>
-            </a:extLst>
-          </p:cNvPr>
-          <p:cNvPicPr>
-            <a:picLocks noChangeAspect="1"/>
-          </p:cNvPicPr>
-          <p:nvPr/>
-        </p:nvPicPr>
-        <p:blipFill rotWithShape="1">
-          <a:blip r:embed="rId3"/>
-          <a:srcRect r="14293" b="509"/>
-          <a:stretch/>
-        </p:blipFill>
-        <p:spPr>
-          <a:xfrm>
-            <a:off x="1131467" y="2412322"/>
-            <a:ext cx="7291862" cy="1127291"/>
-          </a:xfrm>
-          <a:prstGeom prst="rect">
-            <a:avLst/>
-          </a:prstGeom>
-        </p:spPr>
-      </p:pic>
-      <p:pic>
-        <p:nvPicPr>
-          <p:cNvPr id="5" name="Picture 4">
-            <a:extLst>
-              <a:ext uri="{FF2B5EF4-FFF2-40B4-BE49-F238E27FC236}">
-                <a16:creationId xmlns:a16="http://schemas.microsoft.com/office/drawing/2014/main" id="{6B9BB872-C214-464D-877D-A3AF3CA67EBC}"/>
-              </a:ext>
-            </a:extLst>
-          </p:cNvPr>
-          <p:cNvPicPr>
-            <a:picLocks noChangeAspect="1"/>
-          </p:cNvPicPr>
-          <p:nvPr/>
-        </p:nvPicPr>
-        <p:blipFill>
-          <a:blip r:embed="rId4"/>
-          <a:stretch>
-            <a:fillRect/>
-          </a:stretch>
-        </p:blipFill>
-        <p:spPr>
-          <a:xfrm>
-            <a:off x="1131467" y="4589480"/>
-            <a:ext cx="7291862" cy="787190"/>
-          </a:xfrm>
-          <a:prstGeom prst="rect">
-            <a:avLst/>
-          </a:prstGeom>
-        </p:spPr>
-      </p:pic>
     </p:spTree>
     <p:extLst>
       <p:ext uri="{BB962C8B-B14F-4D97-AF65-F5344CB8AC3E}">
-        <p14:creationId xmlns:p14="http://schemas.microsoft.com/office/powerpoint/2010/main" val="719877174"/>
+        <p14:creationId xmlns:p14="http://schemas.microsoft.com/office/powerpoint/2010/main" val="2960056905"/>
       </p:ext>
     </p:extLst>
   </p:cSld>
@@ -17463,7 +17647,7 @@
           <a:p>
             <a:r>
               <a:rPr lang="en-US" altLang="ko-KR" b="1" dirty="0"/>
-              <a:t>Defining Function [3]</a:t>
+              <a:t>Why Do We Use Function?</a:t>
             </a:r>
             <a:endParaRPr lang="ko-KR" altLang="en-US" b="1" dirty="0"/>
           </a:p>
@@ -17497,39 +17681,32 @@
           <a:p>
             <a:r>
               <a:rPr lang="en-US" altLang="ko-KR" b="1" dirty="0"/>
-              <a:t>We can set a default argument</a:t>
-            </a:r>
-          </a:p>
-          <a:p>
-            <a:pPr lvl="1"/>
-            <a:r>
-              <a:rPr lang="en-US" altLang="ko-KR" dirty="0"/>
-              <a:t>we omit the argument, then default value is used</a:t>
-            </a:r>
-          </a:p>
-          <a:p>
-            <a:pPr lvl="1"/>
+              <a:t>We can avoid repetitive task and code</a:t>
+            </a:r>
+          </a:p>
+          <a:p>
+            <a:r>
+              <a:rPr lang="en-US" altLang="ko-KR" b="1" dirty="0"/>
+              <a:t>It makes maintenance easier</a:t>
+            </a:r>
+          </a:p>
+          <a:p>
+            <a:r>
+              <a:rPr lang="en-US" altLang="ko-KR" b="1" dirty="0"/>
+              <a:t>Reusability</a:t>
+            </a:r>
+          </a:p>
+          <a:p>
+            <a:r>
+              <a:rPr lang="en-US" altLang="ko-KR" b="1" dirty="0"/>
+              <a:t>So on…</a:t>
+            </a:r>
+          </a:p>
+          <a:p>
+            <a:endParaRPr lang="en-US" altLang="ko-KR" b="1" dirty="0"/>
+          </a:p>
+          <a:p>
             <a:endParaRPr lang="en-US" altLang="ko-KR" dirty="0"/>
-          </a:p>
-          <a:p>
-            <a:pPr lvl="1"/>
-            <a:endParaRPr lang="en-US" altLang="ko-KR" dirty="0"/>
-          </a:p>
-          <a:p>
-            <a:endParaRPr lang="en-US" altLang="ko-KR" dirty="0"/>
-          </a:p>
-          <a:p>
-            <a:r>
-              <a:rPr lang="en-US" altLang="ko-KR" b="1" dirty="0"/>
-              <a:t>Note that non-default one must precede default one!</a:t>
-            </a:r>
-          </a:p>
-          <a:p>
-            <a:pPr lvl="1"/>
-            <a:r>
-              <a:rPr lang="en-US" altLang="ko-KR" dirty="0"/>
-              <a:t>This causes an error</a:t>
-            </a:r>
           </a:p>
           <a:p>
             <a:pPr lvl="1"/>
@@ -17571,7 +17748,7 @@
           <p:cNvPr id="5" name="Picture 4">
             <a:extLst>
               <a:ext uri="{FF2B5EF4-FFF2-40B4-BE49-F238E27FC236}">
-                <a16:creationId xmlns:a16="http://schemas.microsoft.com/office/drawing/2014/main" id="{1B4E14CB-5085-418D-B256-AD3C810C03D2}"/>
+                <a16:creationId xmlns:a16="http://schemas.microsoft.com/office/drawing/2014/main" id="{6BE0A2EC-3F5C-4C44-90D4-34EBC625D510}"/>
               </a:ext>
             </a:extLst>
           </p:cNvPr>
@@ -17588,38 +17765,8 @@
         </p:blipFill>
         <p:spPr>
           <a:xfrm>
-            <a:off x="1594265" y="2667812"/>
-            <a:ext cx="6723825" cy="761188"/>
-          </a:xfrm>
-          <a:prstGeom prst="rect">
-            <a:avLst/>
-          </a:prstGeom>
-        </p:spPr>
-      </p:pic>
-      <p:pic>
-        <p:nvPicPr>
-          <p:cNvPr id="6" name="Picture 5">
-            <a:extLst>
-              <a:ext uri="{FF2B5EF4-FFF2-40B4-BE49-F238E27FC236}">
-                <a16:creationId xmlns:a16="http://schemas.microsoft.com/office/drawing/2014/main" id="{1BE4629F-23B4-481D-AD6B-5AEC3A7EBD32}"/>
-              </a:ext>
-            </a:extLst>
-          </p:cNvPr>
-          <p:cNvPicPr>
-            <a:picLocks noChangeAspect="1"/>
-          </p:cNvPicPr>
-          <p:nvPr/>
-        </p:nvPicPr>
-        <p:blipFill>
-          <a:blip r:embed="rId3"/>
-          <a:stretch>
-            <a:fillRect/>
-          </a:stretch>
-        </p:blipFill>
-        <p:spPr>
-          <a:xfrm>
-            <a:off x="1594265" y="4893619"/>
-            <a:ext cx="5845350" cy="761188"/>
+            <a:off x="6421692" y="3013135"/>
+            <a:ext cx="5495499" cy="3343215"/>
           </a:xfrm>
           <a:prstGeom prst="rect">
             <a:avLst/>
@@ -17629,7 +17776,7 @@
     </p:spTree>
     <p:extLst>
       <p:ext uri="{BB962C8B-B14F-4D97-AF65-F5344CB8AC3E}">
-        <p14:creationId xmlns:p14="http://schemas.microsoft.com/office/powerpoint/2010/main" val="1390253569"/>
+        <p14:creationId xmlns:p14="http://schemas.microsoft.com/office/powerpoint/2010/main" val="1402039590"/>
       </p:ext>
     </p:extLst>
   </p:cSld>
@@ -18056,7 +18203,7 @@
           <a:p>
             <a:r>
               <a:rPr lang="en-US" altLang="ko-KR" b="1" dirty="0"/>
-              <a:t>Defining Function [4]</a:t>
+              <a:t>Defining Function [1]</a:t>
             </a:r>
             <a:endParaRPr lang="ko-KR" altLang="en-US" b="1" dirty="0"/>
           </a:p>
@@ -18089,6 +18236,676 @@
           <a:lstStyle/>
           <a:p>
             <a:r>
+              <a:rPr lang="en-US" altLang="ko-KR" b="1" dirty="0"/>
+              <a:t>We use </a:t>
+            </a:r>
+            <a:r>
+              <a:rPr lang="en-US" altLang="ko-KR" b="1" dirty="0">
+                <a:latin typeface="Consolas" panose="020B0609020204030204" pitchFamily="49" charset="0"/>
+              </a:rPr>
+              <a:t>def</a:t>
+            </a:r>
+            <a:r>
+              <a:rPr lang="en-US" altLang="ko-KR" b="1" dirty="0"/>
+              <a:t> keyword</a:t>
+            </a:r>
+          </a:p>
+          <a:p>
+            <a:endParaRPr lang="en-US" altLang="ko-KR" b="1" dirty="0"/>
+          </a:p>
+          <a:p>
+            <a:pPr marL="0" indent="0">
+              <a:buNone/>
+            </a:pPr>
+            <a:r>
+              <a:rPr lang="en-US" altLang="ko-KR" sz="4400" dirty="0">
+                <a:latin typeface="Consolas" panose="020B0609020204030204" pitchFamily="49" charset="0"/>
+              </a:rPr>
+              <a:t>  def </a:t>
+            </a:r>
+            <a:r>
+              <a:rPr lang="en-US" altLang="ko-KR" sz="4400" dirty="0" err="1">
+                <a:solidFill>
+                  <a:srgbClr val="FF0000"/>
+                </a:solidFill>
+                <a:latin typeface="Consolas" panose="020B0609020204030204" pitchFamily="49" charset="0"/>
+              </a:rPr>
+              <a:t>function_name</a:t>
+            </a:r>
+            <a:r>
+              <a:rPr lang="en-US" altLang="ko-KR" sz="4400" dirty="0">
+                <a:latin typeface="Consolas" panose="020B0609020204030204" pitchFamily="49" charset="0"/>
+              </a:rPr>
+              <a:t>(</a:t>
+            </a:r>
+            <a:r>
+              <a:rPr lang="en-US" altLang="ko-KR" sz="4400" dirty="0">
+                <a:solidFill>
+                  <a:srgbClr val="0070C0"/>
+                </a:solidFill>
+                <a:latin typeface="Consolas" panose="020B0609020204030204" pitchFamily="49" charset="0"/>
+              </a:rPr>
+              <a:t>parameter</a:t>
+            </a:r>
+            <a:r>
+              <a:rPr lang="en-US" altLang="ko-KR" sz="4400" dirty="0">
+                <a:latin typeface="Consolas" panose="020B0609020204030204" pitchFamily="49" charset="0"/>
+              </a:rPr>
+              <a:t>):</a:t>
+            </a:r>
+          </a:p>
+          <a:p>
+            <a:pPr marL="0" indent="0">
+              <a:buNone/>
+            </a:pPr>
+            <a:r>
+              <a:rPr lang="en-US" altLang="ko-KR" sz="4400" dirty="0">
+                <a:latin typeface="Consolas" panose="020B0609020204030204" pitchFamily="49" charset="0"/>
+              </a:rPr>
+              <a:t>	   (body) </a:t>
+            </a:r>
+          </a:p>
+          <a:p>
+            <a:pPr lvl="1"/>
+            <a:endParaRPr lang="en-US" altLang="ko-KR" dirty="0"/>
+          </a:p>
+        </p:txBody>
+      </p:sp>
+      <p:sp>
+        <p:nvSpPr>
+          <p:cNvPr id="4" name="Slide Number Placeholder 3">
+            <a:extLst>
+              <a:ext uri="{FF2B5EF4-FFF2-40B4-BE49-F238E27FC236}">
+                <a16:creationId xmlns:a16="http://schemas.microsoft.com/office/drawing/2014/main" id="{A8E0ACFF-FC4D-4DF1-9468-305C9C756C1E}"/>
+              </a:ext>
+            </a:extLst>
+          </p:cNvPr>
+          <p:cNvSpPr>
+            <a:spLocks noGrp="1"/>
+          </p:cNvSpPr>
+          <p:nvPr>
+            <p:ph type="sldNum" sz="quarter" idx="12"/>
+          </p:nvPr>
+        </p:nvSpPr>
+        <p:spPr/>
+        <p:txBody>
+          <a:bodyPr/>
+          <a:lstStyle/>
+          <a:p>
+            <a:fld id="{663C6A4A-F58A-4813-833D-C5F250139976}" type="slidenum">
+              <a:rPr lang="ko-KR" altLang="en-US" smtClean="0"/>
+              <a:t>60</a:t>
+            </a:fld>
+            <a:endParaRPr lang="ko-KR" altLang="en-US"/>
+          </a:p>
+        </p:txBody>
+      </p:sp>
+      <p:pic>
+        <p:nvPicPr>
+          <p:cNvPr id="6" name="Picture 5">
+            <a:extLst>
+              <a:ext uri="{FF2B5EF4-FFF2-40B4-BE49-F238E27FC236}">
+                <a16:creationId xmlns:a16="http://schemas.microsoft.com/office/drawing/2014/main" id="{ABF47D63-B082-4246-9643-D89127B36A7F}"/>
+              </a:ext>
+            </a:extLst>
+          </p:cNvPr>
+          <p:cNvPicPr>
+            <a:picLocks noChangeAspect="1"/>
+          </p:cNvPicPr>
+          <p:nvPr/>
+        </p:nvPicPr>
+        <p:blipFill rotWithShape="1">
+          <a:blip r:embed="rId2"/>
+          <a:srcRect r="14293" b="509"/>
+          <a:stretch/>
+        </p:blipFill>
+        <p:spPr>
+          <a:xfrm>
+            <a:off x="394048" y="5007111"/>
+            <a:ext cx="5431565" cy="839697"/>
+          </a:xfrm>
+          <a:prstGeom prst="rect">
+            <a:avLst/>
+          </a:prstGeom>
+        </p:spPr>
+      </p:pic>
+      <p:pic>
+        <p:nvPicPr>
+          <p:cNvPr id="7" name="Picture 6">
+            <a:extLst>
+              <a:ext uri="{FF2B5EF4-FFF2-40B4-BE49-F238E27FC236}">
+                <a16:creationId xmlns:a16="http://schemas.microsoft.com/office/drawing/2014/main" id="{D25AE289-2885-4C59-8983-75F66437FF5A}"/>
+              </a:ext>
+            </a:extLst>
+          </p:cNvPr>
+          <p:cNvPicPr>
+            <a:picLocks noChangeAspect="1"/>
+          </p:cNvPicPr>
+          <p:nvPr/>
+        </p:nvPicPr>
+        <p:blipFill>
+          <a:blip r:embed="rId3"/>
+          <a:stretch>
+            <a:fillRect/>
+          </a:stretch>
+        </p:blipFill>
+        <p:spPr>
+          <a:xfrm>
+            <a:off x="6096000" y="4526528"/>
+            <a:ext cx="5132557" cy="1735829"/>
+          </a:xfrm>
+          <a:prstGeom prst="rect">
+            <a:avLst/>
+          </a:prstGeom>
+        </p:spPr>
+      </p:pic>
+    </p:spTree>
+    <p:extLst>
+      <p:ext uri="{BB962C8B-B14F-4D97-AF65-F5344CB8AC3E}">
+        <p14:creationId xmlns:p14="http://schemas.microsoft.com/office/powerpoint/2010/main" val="2005562470"/>
+      </p:ext>
+    </p:extLst>
+  </p:cSld>
+  <p:clrMapOvr>
+    <a:masterClrMapping/>
+  </p:clrMapOvr>
+</p:sld>
+</file>
+
+<file path=ppt/slides/slide61.xml><?xml version="1.0" encoding="utf-8"?>
+<p:sld xmlns:a="http://schemas.openxmlformats.org/drawingml/2006/main" xmlns:r="http://schemas.openxmlformats.org/officeDocument/2006/relationships" xmlns:p="http://schemas.openxmlformats.org/presentationml/2006/main">
+  <p:cSld>
+    <p:spTree>
+      <p:nvGrpSpPr>
+        <p:cNvPr id="1" name=""/>
+        <p:cNvGrpSpPr/>
+        <p:nvPr/>
+      </p:nvGrpSpPr>
+      <p:grpSpPr>
+        <a:xfrm>
+          <a:off x="0" y="0"/>
+          <a:ext cx="0" cy="0"/>
+          <a:chOff x="0" y="0"/>
+          <a:chExt cx="0" cy="0"/>
+        </a:xfrm>
+      </p:grpSpPr>
+      <p:sp>
+        <p:nvSpPr>
+          <p:cNvPr id="2" name="Title 1">
+            <a:extLst>
+              <a:ext uri="{FF2B5EF4-FFF2-40B4-BE49-F238E27FC236}">
+                <a16:creationId xmlns:a16="http://schemas.microsoft.com/office/drawing/2014/main" id="{84E0151C-5A53-492A-80EF-D4B1BD7339C0}"/>
+              </a:ext>
+            </a:extLst>
+          </p:cNvPr>
+          <p:cNvSpPr>
+            <a:spLocks noGrp="1"/>
+          </p:cNvSpPr>
+          <p:nvPr>
+            <p:ph type="title"/>
+          </p:nvPr>
+        </p:nvSpPr>
+        <p:spPr/>
+        <p:txBody>
+          <a:bodyPr/>
+          <a:lstStyle/>
+          <a:p>
+            <a:r>
+              <a:rPr lang="en-US" altLang="ko-KR" b="1" dirty="0"/>
+              <a:t>Defining Function [2]</a:t>
+            </a:r>
+            <a:endParaRPr lang="ko-KR" altLang="en-US" b="1" dirty="0"/>
+          </a:p>
+        </p:txBody>
+      </p:sp>
+      <p:sp>
+        <p:nvSpPr>
+          <p:cNvPr id="3" name="Content Placeholder 2">
+            <a:extLst>
+              <a:ext uri="{FF2B5EF4-FFF2-40B4-BE49-F238E27FC236}">
+                <a16:creationId xmlns:a16="http://schemas.microsoft.com/office/drawing/2014/main" id="{C8445EA8-93CA-4962-8776-2AC001C9867F}"/>
+              </a:ext>
+            </a:extLst>
+          </p:cNvPr>
+          <p:cNvSpPr>
+            <a:spLocks noGrp="1"/>
+          </p:cNvSpPr>
+          <p:nvPr>
+            <p:ph idx="1"/>
+          </p:nvPr>
+        </p:nvSpPr>
+        <p:spPr>
+          <a:xfrm>
+            <a:off x="838199" y="1825625"/>
+            <a:ext cx="11520949" cy="4351338"/>
+          </a:xfrm>
+        </p:spPr>
+        <p:txBody>
+          <a:bodyPr/>
+          <a:lstStyle/>
+          <a:p>
+            <a:r>
+              <a:rPr lang="en-US" altLang="ko-KR" b="1" dirty="0"/>
+              <a:t>Some function may not have parameter</a:t>
+            </a:r>
+          </a:p>
+          <a:p>
+            <a:endParaRPr lang="en-US" altLang="ko-KR" b="1" dirty="0"/>
+          </a:p>
+          <a:p>
+            <a:endParaRPr lang="en-US" altLang="ko-KR" b="1" dirty="0"/>
+          </a:p>
+          <a:p>
+            <a:endParaRPr lang="en-US" altLang="ko-KR" b="1" dirty="0"/>
+          </a:p>
+          <a:p>
+            <a:r>
+              <a:rPr lang="en-US" altLang="ko-KR" b="1" dirty="0"/>
+              <a:t>Some function may have two or more parameters</a:t>
+            </a:r>
+          </a:p>
+          <a:p>
+            <a:endParaRPr lang="en-US" altLang="ko-KR" b="1" dirty="0"/>
+          </a:p>
+          <a:p>
+            <a:endParaRPr lang="en-US" altLang="ko-KR" b="1" dirty="0"/>
+          </a:p>
+          <a:p>
+            <a:pPr lvl="1"/>
+            <a:endParaRPr lang="en-US" altLang="ko-KR" dirty="0"/>
+          </a:p>
+        </p:txBody>
+      </p:sp>
+      <p:sp>
+        <p:nvSpPr>
+          <p:cNvPr id="4" name="Slide Number Placeholder 3">
+            <a:extLst>
+              <a:ext uri="{FF2B5EF4-FFF2-40B4-BE49-F238E27FC236}">
+                <a16:creationId xmlns:a16="http://schemas.microsoft.com/office/drawing/2014/main" id="{A8E0ACFF-FC4D-4DF1-9468-305C9C756C1E}"/>
+              </a:ext>
+            </a:extLst>
+          </p:cNvPr>
+          <p:cNvSpPr>
+            <a:spLocks noGrp="1"/>
+          </p:cNvSpPr>
+          <p:nvPr>
+            <p:ph type="sldNum" sz="quarter" idx="12"/>
+          </p:nvPr>
+        </p:nvSpPr>
+        <p:spPr/>
+        <p:txBody>
+          <a:bodyPr/>
+          <a:lstStyle/>
+          <a:p>
+            <a:fld id="{663C6A4A-F58A-4813-833D-C5F250139976}" type="slidenum">
+              <a:rPr lang="ko-KR" altLang="en-US" smtClean="0"/>
+              <a:t>61</a:t>
+            </a:fld>
+            <a:endParaRPr lang="ko-KR" altLang="en-US"/>
+          </a:p>
+        </p:txBody>
+      </p:sp>
+      <p:pic>
+        <p:nvPicPr>
+          <p:cNvPr id="6" name="Picture 5">
+            <a:extLst>
+              <a:ext uri="{FF2B5EF4-FFF2-40B4-BE49-F238E27FC236}">
+                <a16:creationId xmlns:a16="http://schemas.microsoft.com/office/drawing/2014/main" id="{ABF47D63-B082-4246-9643-D89127B36A7F}"/>
+              </a:ext>
+            </a:extLst>
+          </p:cNvPr>
+          <p:cNvPicPr>
+            <a:picLocks noChangeAspect="1"/>
+          </p:cNvPicPr>
+          <p:nvPr/>
+        </p:nvPicPr>
+        <p:blipFill rotWithShape="1">
+          <a:blip r:embed="rId3"/>
+          <a:srcRect r="14293" b="509"/>
+          <a:stretch/>
+        </p:blipFill>
+        <p:spPr>
+          <a:xfrm>
+            <a:off x="1131467" y="2412322"/>
+            <a:ext cx="7291862" cy="1127291"/>
+          </a:xfrm>
+          <a:prstGeom prst="rect">
+            <a:avLst/>
+          </a:prstGeom>
+        </p:spPr>
+      </p:pic>
+      <p:pic>
+        <p:nvPicPr>
+          <p:cNvPr id="5" name="Picture 4">
+            <a:extLst>
+              <a:ext uri="{FF2B5EF4-FFF2-40B4-BE49-F238E27FC236}">
+                <a16:creationId xmlns:a16="http://schemas.microsoft.com/office/drawing/2014/main" id="{6B9BB872-C214-464D-877D-A3AF3CA67EBC}"/>
+              </a:ext>
+            </a:extLst>
+          </p:cNvPr>
+          <p:cNvPicPr>
+            <a:picLocks noChangeAspect="1"/>
+          </p:cNvPicPr>
+          <p:nvPr/>
+        </p:nvPicPr>
+        <p:blipFill>
+          <a:blip r:embed="rId4"/>
+          <a:stretch>
+            <a:fillRect/>
+          </a:stretch>
+        </p:blipFill>
+        <p:spPr>
+          <a:xfrm>
+            <a:off x="1131467" y="4589480"/>
+            <a:ext cx="7291862" cy="787190"/>
+          </a:xfrm>
+          <a:prstGeom prst="rect">
+            <a:avLst/>
+          </a:prstGeom>
+        </p:spPr>
+      </p:pic>
+    </p:spTree>
+    <p:extLst>
+      <p:ext uri="{BB962C8B-B14F-4D97-AF65-F5344CB8AC3E}">
+        <p14:creationId xmlns:p14="http://schemas.microsoft.com/office/powerpoint/2010/main" val="719877174"/>
+      </p:ext>
+    </p:extLst>
+  </p:cSld>
+  <p:clrMapOvr>
+    <a:masterClrMapping/>
+  </p:clrMapOvr>
+</p:sld>
+</file>
+
+<file path=ppt/slides/slide62.xml><?xml version="1.0" encoding="utf-8"?>
+<p:sld xmlns:a="http://schemas.openxmlformats.org/drawingml/2006/main" xmlns:r="http://schemas.openxmlformats.org/officeDocument/2006/relationships" xmlns:p="http://schemas.openxmlformats.org/presentationml/2006/main">
+  <p:cSld>
+    <p:spTree>
+      <p:nvGrpSpPr>
+        <p:cNvPr id="1" name=""/>
+        <p:cNvGrpSpPr/>
+        <p:nvPr/>
+      </p:nvGrpSpPr>
+      <p:grpSpPr>
+        <a:xfrm>
+          <a:off x="0" y="0"/>
+          <a:ext cx="0" cy="0"/>
+          <a:chOff x="0" y="0"/>
+          <a:chExt cx="0" cy="0"/>
+        </a:xfrm>
+      </p:grpSpPr>
+      <p:sp>
+        <p:nvSpPr>
+          <p:cNvPr id="2" name="Title 1">
+            <a:extLst>
+              <a:ext uri="{FF2B5EF4-FFF2-40B4-BE49-F238E27FC236}">
+                <a16:creationId xmlns:a16="http://schemas.microsoft.com/office/drawing/2014/main" id="{84E0151C-5A53-492A-80EF-D4B1BD7339C0}"/>
+              </a:ext>
+            </a:extLst>
+          </p:cNvPr>
+          <p:cNvSpPr>
+            <a:spLocks noGrp="1"/>
+          </p:cNvSpPr>
+          <p:nvPr>
+            <p:ph type="title"/>
+          </p:nvPr>
+        </p:nvSpPr>
+        <p:spPr/>
+        <p:txBody>
+          <a:bodyPr/>
+          <a:lstStyle/>
+          <a:p>
+            <a:r>
+              <a:rPr lang="en-US" altLang="ko-KR" b="1" dirty="0"/>
+              <a:t>Defining Function [3]</a:t>
+            </a:r>
+            <a:endParaRPr lang="ko-KR" altLang="en-US" b="1" dirty="0"/>
+          </a:p>
+        </p:txBody>
+      </p:sp>
+      <p:sp>
+        <p:nvSpPr>
+          <p:cNvPr id="3" name="Content Placeholder 2">
+            <a:extLst>
+              <a:ext uri="{FF2B5EF4-FFF2-40B4-BE49-F238E27FC236}">
+                <a16:creationId xmlns:a16="http://schemas.microsoft.com/office/drawing/2014/main" id="{C8445EA8-93CA-4962-8776-2AC001C9867F}"/>
+              </a:ext>
+            </a:extLst>
+          </p:cNvPr>
+          <p:cNvSpPr>
+            <a:spLocks noGrp="1"/>
+          </p:cNvSpPr>
+          <p:nvPr>
+            <p:ph idx="1"/>
+          </p:nvPr>
+        </p:nvSpPr>
+        <p:spPr>
+          <a:xfrm>
+            <a:off x="838199" y="1825625"/>
+            <a:ext cx="11520949" cy="4351338"/>
+          </a:xfrm>
+        </p:spPr>
+        <p:txBody>
+          <a:bodyPr/>
+          <a:lstStyle/>
+          <a:p>
+            <a:r>
+              <a:rPr lang="en-US" altLang="ko-KR" b="1" dirty="0"/>
+              <a:t>We can set a default argument</a:t>
+            </a:r>
+          </a:p>
+          <a:p>
+            <a:pPr lvl="1"/>
+            <a:r>
+              <a:rPr lang="en-US" altLang="ko-KR" dirty="0"/>
+              <a:t>we omit the argument, then default value is used</a:t>
+            </a:r>
+          </a:p>
+          <a:p>
+            <a:pPr lvl="1"/>
+            <a:endParaRPr lang="en-US" altLang="ko-KR" dirty="0"/>
+          </a:p>
+          <a:p>
+            <a:pPr lvl="1"/>
+            <a:endParaRPr lang="en-US" altLang="ko-KR" dirty="0"/>
+          </a:p>
+          <a:p>
+            <a:endParaRPr lang="en-US" altLang="ko-KR" dirty="0"/>
+          </a:p>
+          <a:p>
+            <a:r>
+              <a:rPr lang="en-US" altLang="ko-KR" b="1" dirty="0"/>
+              <a:t>Note that non-default one must precede default one!</a:t>
+            </a:r>
+          </a:p>
+          <a:p>
+            <a:pPr lvl="1"/>
+            <a:r>
+              <a:rPr lang="en-US" altLang="ko-KR" dirty="0"/>
+              <a:t>This causes an error</a:t>
+            </a:r>
+          </a:p>
+          <a:p>
+            <a:pPr lvl="1"/>
+            <a:endParaRPr lang="en-US" altLang="ko-KR" dirty="0"/>
+          </a:p>
+        </p:txBody>
+      </p:sp>
+      <p:sp>
+        <p:nvSpPr>
+          <p:cNvPr id="4" name="Slide Number Placeholder 3">
+            <a:extLst>
+              <a:ext uri="{FF2B5EF4-FFF2-40B4-BE49-F238E27FC236}">
+                <a16:creationId xmlns:a16="http://schemas.microsoft.com/office/drawing/2014/main" id="{A8E0ACFF-FC4D-4DF1-9468-305C9C756C1E}"/>
+              </a:ext>
+            </a:extLst>
+          </p:cNvPr>
+          <p:cNvSpPr>
+            <a:spLocks noGrp="1"/>
+          </p:cNvSpPr>
+          <p:nvPr>
+            <p:ph type="sldNum" sz="quarter" idx="12"/>
+          </p:nvPr>
+        </p:nvSpPr>
+        <p:spPr/>
+        <p:txBody>
+          <a:bodyPr/>
+          <a:lstStyle/>
+          <a:p>
+            <a:fld id="{663C6A4A-F58A-4813-833D-C5F250139976}" type="slidenum">
+              <a:rPr lang="ko-KR" altLang="en-US" smtClean="0"/>
+              <a:t>62</a:t>
+            </a:fld>
+            <a:endParaRPr lang="ko-KR" altLang="en-US"/>
+          </a:p>
+        </p:txBody>
+      </p:sp>
+      <p:pic>
+        <p:nvPicPr>
+          <p:cNvPr id="5" name="Picture 4">
+            <a:extLst>
+              <a:ext uri="{FF2B5EF4-FFF2-40B4-BE49-F238E27FC236}">
+                <a16:creationId xmlns:a16="http://schemas.microsoft.com/office/drawing/2014/main" id="{1B4E14CB-5085-418D-B256-AD3C810C03D2}"/>
+              </a:ext>
+            </a:extLst>
+          </p:cNvPr>
+          <p:cNvPicPr>
+            <a:picLocks noChangeAspect="1"/>
+          </p:cNvPicPr>
+          <p:nvPr/>
+        </p:nvPicPr>
+        <p:blipFill>
+          <a:blip r:embed="rId2"/>
+          <a:stretch>
+            <a:fillRect/>
+          </a:stretch>
+        </p:blipFill>
+        <p:spPr>
+          <a:xfrm>
+            <a:off x="1594265" y="2667812"/>
+            <a:ext cx="6723825" cy="761188"/>
+          </a:xfrm>
+          <a:prstGeom prst="rect">
+            <a:avLst/>
+          </a:prstGeom>
+        </p:spPr>
+      </p:pic>
+      <p:pic>
+        <p:nvPicPr>
+          <p:cNvPr id="6" name="Picture 5">
+            <a:extLst>
+              <a:ext uri="{FF2B5EF4-FFF2-40B4-BE49-F238E27FC236}">
+                <a16:creationId xmlns:a16="http://schemas.microsoft.com/office/drawing/2014/main" id="{1BE4629F-23B4-481D-AD6B-5AEC3A7EBD32}"/>
+              </a:ext>
+            </a:extLst>
+          </p:cNvPr>
+          <p:cNvPicPr>
+            <a:picLocks noChangeAspect="1"/>
+          </p:cNvPicPr>
+          <p:nvPr/>
+        </p:nvPicPr>
+        <p:blipFill>
+          <a:blip r:embed="rId3"/>
+          <a:stretch>
+            <a:fillRect/>
+          </a:stretch>
+        </p:blipFill>
+        <p:spPr>
+          <a:xfrm>
+            <a:off x="1594265" y="4893619"/>
+            <a:ext cx="5845350" cy="761188"/>
+          </a:xfrm>
+          <a:prstGeom prst="rect">
+            <a:avLst/>
+          </a:prstGeom>
+        </p:spPr>
+      </p:pic>
+    </p:spTree>
+    <p:extLst>
+      <p:ext uri="{BB962C8B-B14F-4D97-AF65-F5344CB8AC3E}">
+        <p14:creationId xmlns:p14="http://schemas.microsoft.com/office/powerpoint/2010/main" val="1390253569"/>
+      </p:ext>
+    </p:extLst>
+  </p:cSld>
+  <p:clrMapOvr>
+    <a:masterClrMapping/>
+  </p:clrMapOvr>
+</p:sld>
+</file>
+
+<file path=ppt/slides/slide63.xml><?xml version="1.0" encoding="utf-8"?>
+<p:sld xmlns:a="http://schemas.openxmlformats.org/drawingml/2006/main" xmlns:r="http://schemas.openxmlformats.org/officeDocument/2006/relationships" xmlns:p="http://schemas.openxmlformats.org/presentationml/2006/main">
+  <p:cSld>
+    <p:spTree>
+      <p:nvGrpSpPr>
+        <p:cNvPr id="1" name=""/>
+        <p:cNvGrpSpPr/>
+        <p:nvPr/>
+      </p:nvGrpSpPr>
+      <p:grpSpPr>
+        <a:xfrm>
+          <a:off x="0" y="0"/>
+          <a:ext cx="0" cy="0"/>
+          <a:chOff x="0" y="0"/>
+          <a:chExt cx="0" cy="0"/>
+        </a:xfrm>
+      </p:grpSpPr>
+      <p:sp>
+        <p:nvSpPr>
+          <p:cNvPr id="2" name="Title 1">
+            <a:extLst>
+              <a:ext uri="{FF2B5EF4-FFF2-40B4-BE49-F238E27FC236}">
+                <a16:creationId xmlns:a16="http://schemas.microsoft.com/office/drawing/2014/main" id="{84E0151C-5A53-492A-80EF-D4B1BD7339C0}"/>
+              </a:ext>
+            </a:extLst>
+          </p:cNvPr>
+          <p:cNvSpPr>
+            <a:spLocks noGrp="1"/>
+          </p:cNvSpPr>
+          <p:nvPr>
+            <p:ph type="title"/>
+          </p:nvPr>
+        </p:nvSpPr>
+        <p:spPr/>
+        <p:txBody>
+          <a:bodyPr/>
+          <a:lstStyle/>
+          <a:p>
+            <a:r>
+              <a:rPr lang="en-US" altLang="ko-KR" b="1" dirty="0"/>
+              <a:t>Defining Function [4]</a:t>
+            </a:r>
+            <a:endParaRPr lang="ko-KR" altLang="en-US" b="1" dirty="0"/>
+          </a:p>
+        </p:txBody>
+      </p:sp>
+      <p:sp>
+        <p:nvSpPr>
+          <p:cNvPr id="3" name="Content Placeholder 2">
+            <a:extLst>
+              <a:ext uri="{FF2B5EF4-FFF2-40B4-BE49-F238E27FC236}">
+                <a16:creationId xmlns:a16="http://schemas.microsoft.com/office/drawing/2014/main" id="{C8445EA8-93CA-4962-8776-2AC001C9867F}"/>
+              </a:ext>
+            </a:extLst>
+          </p:cNvPr>
+          <p:cNvSpPr>
+            <a:spLocks noGrp="1"/>
+          </p:cNvSpPr>
+          <p:nvPr>
+            <p:ph idx="1"/>
+          </p:nvPr>
+        </p:nvSpPr>
+        <p:spPr>
+          <a:xfrm>
+            <a:off x="838199" y="1825625"/>
+            <a:ext cx="11520949" cy="4351338"/>
+          </a:xfrm>
+        </p:spPr>
+        <p:txBody>
+          <a:bodyPr/>
+          <a:lstStyle/>
+          <a:p>
+            <a:r>
               <a:rPr lang="en-US" altLang="ko-KR" b="1" dirty="0">
                 <a:latin typeface="Consolas" panose="020B0609020204030204" pitchFamily="49" charset="0"/>
               </a:rPr>
@@ -18156,7 +18973,7 @@
           <a:p>
             <a:fld id="{663C6A4A-F58A-4813-833D-C5F250139976}" type="slidenum">
               <a:rPr lang="ko-KR" altLang="en-US" smtClean="0"/>
-              <a:t>60</a:t>
+              <a:t>63</a:t>
             </a:fld>
             <a:endParaRPr lang="ko-KR" altLang="en-US"/>
           </a:p>
@@ -18205,7 +19022,7 @@
 </p:sld>
 </file>
 
-<file path=ppt/slides/slide61.xml><?xml version="1.0" encoding="utf-8"?>
+<file path=ppt/slides/slide64.xml><?xml version="1.0" encoding="utf-8"?>
 <p:sld xmlns:a="http://schemas.openxmlformats.org/drawingml/2006/main" xmlns:r="http://schemas.openxmlformats.org/officeDocument/2006/relationships" xmlns:p="http://schemas.openxmlformats.org/presentationml/2006/main">
   <p:cSld>
     <p:spTree>
@@ -18335,7 +19152,7 @@
           <a:p>
             <a:fld id="{663C6A4A-F58A-4813-833D-C5F250139976}" type="slidenum">
               <a:rPr lang="ko-KR" altLang="en-US" smtClean="0"/>
-              <a:t>61</a:t>
+              <a:t>64</a:t>
             </a:fld>
             <a:endParaRPr lang="ko-KR" altLang="en-US"/>
           </a:p>
@@ -18414,7 +19231,7 @@
 </p:sld>
 </file>
 
-<file path=ppt/slides/slide62.xml><?xml version="1.0" encoding="utf-8"?>
+<file path=ppt/slides/slide65.xml><?xml version="1.0" encoding="utf-8"?>
 <p:sld xmlns:a="http://schemas.openxmlformats.org/drawingml/2006/main" xmlns:r="http://schemas.openxmlformats.org/officeDocument/2006/relationships" xmlns:p="http://schemas.openxmlformats.org/presentationml/2006/main">
   <p:cSld>
     <p:spTree>
@@ -18541,7 +19358,7 @@
           <a:p>
             <a:fld id="{663C6A4A-F58A-4813-833D-C5F250139976}" type="slidenum">
               <a:rPr lang="ko-KR" altLang="en-US" smtClean="0"/>
-              <a:t>62</a:t>
+              <a:t>65</a:t>
             </a:fld>
             <a:endParaRPr lang="ko-KR" altLang="en-US"/>
           </a:p>
@@ -18590,7 +19407,7 @@
 </p:sld>
 </file>
 
-<file path=ppt/slides/slide63.xml><?xml version="1.0" encoding="utf-8"?>
+<file path=ppt/slides/slide66.xml><?xml version="1.0" encoding="utf-8"?>
 <p:sld xmlns:a="http://schemas.openxmlformats.org/drawingml/2006/main" xmlns:r="http://schemas.openxmlformats.org/officeDocument/2006/relationships" xmlns:p="http://schemas.openxmlformats.org/presentationml/2006/main">
   <p:cSld>
     <p:spTree>
@@ -18690,7 +19507,7 @@
           <a:p>
             <a:fld id="{663C6A4A-F58A-4813-833D-C5F250139976}" type="slidenum">
               <a:rPr lang="ko-KR" altLang="en-US" smtClean="0"/>
-              <a:t>63</a:t>
+              <a:t>66</a:t>
             </a:fld>
             <a:endParaRPr lang="ko-KR" altLang="en-US"/>
           </a:p>
@@ -18769,7 +19586,7 @@
 </p:sld>
 </file>
 
-<file path=ppt/slides/slide64.xml><?xml version="1.0" encoding="utf-8"?>
+<file path=ppt/slides/slide67.xml><?xml version="1.0" encoding="utf-8"?>
 <p:sld xmlns:a="http://schemas.openxmlformats.org/drawingml/2006/main" xmlns:r="http://schemas.openxmlformats.org/officeDocument/2006/relationships" xmlns:p="http://schemas.openxmlformats.org/presentationml/2006/main">
   <p:cSld>
     <p:spTree>
@@ -18890,7 +19707,7 @@
           <a:p>
             <a:fld id="{663C6A4A-F58A-4813-833D-C5F250139976}" type="slidenum">
               <a:rPr lang="ko-KR" altLang="en-US" smtClean="0"/>
-              <a:t>64</a:t>
+              <a:t>67</a:t>
             </a:fld>
             <a:endParaRPr lang="ko-KR" altLang="en-US"/>
           </a:p>
@@ -18969,494 +19786,6 @@
 </p:sld>
 </file>
 
-<file path=ppt/slides/slide65.xml><?xml version="1.0" encoding="utf-8"?>
-<p:sld xmlns:a="http://schemas.openxmlformats.org/drawingml/2006/main" xmlns:r="http://schemas.openxmlformats.org/officeDocument/2006/relationships" xmlns:p="http://schemas.openxmlformats.org/presentationml/2006/main">
-  <p:cSld>
-    <p:spTree>
-      <p:nvGrpSpPr>
-        <p:cNvPr id="1" name=""/>
-        <p:cNvGrpSpPr/>
-        <p:nvPr/>
-      </p:nvGrpSpPr>
-      <p:grpSpPr>
-        <a:xfrm>
-          <a:off x="0" y="0"/>
-          <a:ext cx="0" cy="0"/>
-          <a:chOff x="0" y="0"/>
-          <a:chExt cx="0" cy="0"/>
-        </a:xfrm>
-      </p:grpSpPr>
-      <p:sp>
-        <p:nvSpPr>
-          <p:cNvPr id="2" name="Title 1">
-            <a:extLst>
-              <a:ext uri="{FF2B5EF4-FFF2-40B4-BE49-F238E27FC236}">
-                <a16:creationId xmlns:a16="http://schemas.microsoft.com/office/drawing/2014/main" id="{126564E6-C1EF-4236-A96C-21570EA537DE}"/>
-              </a:ext>
-            </a:extLst>
-          </p:cNvPr>
-          <p:cNvSpPr>
-            <a:spLocks noGrp="1"/>
-          </p:cNvSpPr>
-          <p:nvPr>
-            <p:ph type="title"/>
-          </p:nvPr>
-        </p:nvSpPr>
-        <p:spPr/>
-        <p:txBody>
-          <a:bodyPr/>
-          <a:lstStyle/>
-          <a:p>
-            <a:r>
-              <a:rPr lang="en-US" altLang="ko-KR" b="1" dirty="0"/>
-              <a:t>Exercises</a:t>
-            </a:r>
-            <a:endParaRPr lang="ko-KR" altLang="en-US" b="1" dirty="0"/>
-          </a:p>
-        </p:txBody>
-      </p:sp>
-      <p:sp>
-        <p:nvSpPr>
-          <p:cNvPr id="3" name="Content Placeholder 2">
-            <a:extLst>
-              <a:ext uri="{FF2B5EF4-FFF2-40B4-BE49-F238E27FC236}">
-                <a16:creationId xmlns:a16="http://schemas.microsoft.com/office/drawing/2014/main" id="{57A05DC5-F0E5-42A7-9DEB-D7E5FFEE1286}"/>
-              </a:ext>
-            </a:extLst>
-          </p:cNvPr>
-          <p:cNvSpPr>
-            <a:spLocks noGrp="1"/>
-          </p:cNvSpPr>
-          <p:nvPr>
-            <p:ph idx="1"/>
-          </p:nvPr>
-        </p:nvSpPr>
-        <p:spPr/>
-        <p:txBody>
-          <a:bodyPr/>
-          <a:lstStyle/>
-          <a:p>
-            <a:r>
-              <a:rPr lang="en-US" altLang="ko-KR" b="1" dirty="0"/>
-              <a:t>Some exercises for you are in “exercises”</a:t>
-            </a:r>
-            <a:endParaRPr lang="ko-KR" altLang="en-US" b="1" dirty="0"/>
-          </a:p>
-        </p:txBody>
-      </p:sp>
-      <p:sp>
-        <p:nvSpPr>
-          <p:cNvPr id="4" name="Slide Number Placeholder 3">
-            <a:extLst>
-              <a:ext uri="{FF2B5EF4-FFF2-40B4-BE49-F238E27FC236}">
-                <a16:creationId xmlns:a16="http://schemas.microsoft.com/office/drawing/2014/main" id="{BDD38CDC-AD86-4200-9E8F-CF3557A365A6}"/>
-              </a:ext>
-            </a:extLst>
-          </p:cNvPr>
-          <p:cNvSpPr>
-            <a:spLocks noGrp="1"/>
-          </p:cNvSpPr>
-          <p:nvPr>
-            <p:ph type="sldNum" sz="quarter" idx="12"/>
-          </p:nvPr>
-        </p:nvSpPr>
-        <p:spPr/>
-        <p:txBody>
-          <a:bodyPr/>
-          <a:lstStyle/>
-          <a:p>
-            <a:fld id="{663C6A4A-F58A-4813-833D-C5F250139976}" type="slidenum">
-              <a:rPr lang="ko-KR" altLang="en-US" smtClean="0"/>
-              <a:t>65</a:t>
-            </a:fld>
-            <a:endParaRPr lang="ko-KR" altLang="en-US"/>
-          </a:p>
-        </p:txBody>
-      </p:sp>
-    </p:spTree>
-    <p:extLst>
-      <p:ext uri="{BB962C8B-B14F-4D97-AF65-F5344CB8AC3E}">
-        <p14:creationId xmlns:p14="http://schemas.microsoft.com/office/powerpoint/2010/main" val="1467220462"/>
-      </p:ext>
-    </p:extLst>
-  </p:cSld>
-  <p:clrMapOvr>
-    <a:masterClrMapping/>
-  </p:clrMapOvr>
-</p:sld>
-</file>
-
-<file path=ppt/slides/slide66.xml><?xml version="1.0" encoding="utf-8"?>
-<p:sld xmlns:a="http://schemas.openxmlformats.org/drawingml/2006/main" xmlns:r="http://schemas.openxmlformats.org/officeDocument/2006/relationships" xmlns:p="http://schemas.openxmlformats.org/presentationml/2006/main">
-  <p:cSld>
-    <p:spTree>
-      <p:nvGrpSpPr>
-        <p:cNvPr id="1" name=""/>
-        <p:cNvGrpSpPr/>
-        <p:nvPr/>
-      </p:nvGrpSpPr>
-      <p:grpSpPr>
-        <a:xfrm>
-          <a:off x="0" y="0"/>
-          <a:ext cx="0" cy="0"/>
-          <a:chOff x="0" y="0"/>
-          <a:chExt cx="0" cy="0"/>
-        </a:xfrm>
-      </p:grpSpPr>
-      <p:sp>
-        <p:nvSpPr>
-          <p:cNvPr id="2" name="Title 1">
-            <a:extLst>
-              <a:ext uri="{FF2B5EF4-FFF2-40B4-BE49-F238E27FC236}">
-                <a16:creationId xmlns:a16="http://schemas.microsoft.com/office/drawing/2014/main" id="{84E0151C-5A53-492A-80EF-D4B1BD7339C0}"/>
-              </a:ext>
-            </a:extLst>
-          </p:cNvPr>
-          <p:cNvSpPr>
-            <a:spLocks noGrp="1"/>
-          </p:cNvSpPr>
-          <p:nvPr>
-            <p:ph type="title"/>
-          </p:nvPr>
-        </p:nvSpPr>
-        <p:spPr/>
-        <p:txBody>
-          <a:bodyPr/>
-          <a:lstStyle/>
-          <a:p>
-            <a:r>
-              <a:rPr lang="en-US" altLang="ko-KR" b="1" dirty="0"/>
-              <a:t>Class: Motivation</a:t>
-            </a:r>
-            <a:endParaRPr lang="ko-KR" altLang="en-US" b="1" dirty="0"/>
-          </a:p>
-        </p:txBody>
-      </p:sp>
-      <p:sp>
-        <p:nvSpPr>
-          <p:cNvPr id="3" name="Content Placeholder 2">
-            <a:extLst>
-              <a:ext uri="{FF2B5EF4-FFF2-40B4-BE49-F238E27FC236}">
-                <a16:creationId xmlns:a16="http://schemas.microsoft.com/office/drawing/2014/main" id="{C8445EA8-93CA-4962-8776-2AC001C9867F}"/>
-              </a:ext>
-            </a:extLst>
-          </p:cNvPr>
-          <p:cNvSpPr>
-            <a:spLocks noGrp="1"/>
-          </p:cNvSpPr>
-          <p:nvPr>
-            <p:ph idx="1"/>
-          </p:nvPr>
-        </p:nvSpPr>
-        <p:spPr/>
-        <p:txBody>
-          <a:bodyPr/>
-          <a:lstStyle/>
-          <a:p>
-            <a:r>
-              <a:rPr lang="en-US" altLang="ko-KR" b="1" dirty="0"/>
-              <a:t>How can we store / deal with each student’s information?</a:t>
-            </a:r>
-          </a:p>
-          <a:p>
-            <a:pPr lvl="1"/>
-            <a:r>
-              <a:rPr lang="en-US" altLang="ko-KR" dirty="0"/>
-              <a:t>It includes name, ID, grade, GPA, etc.</a:t>
-            </a:r>
-          </a:p>
-          <a:p>
-            <a:pPr lvl="1"/>
-            <a:r>
-              <a:rPr lang="en-US" altLang="ko-KR" dirty="0"/>
-              <a:t>…like this? What if there are 3~4000 students?</a:t>
-            </a:r>
-          </a:p>
-          <a:p>
-            <a:pPr lvl="1"/>
-            <a:endParaRPr lang="en-US" altLang="ko-KR" dirty="0"/>
-          </a:p>
-          <a:p>
-            <a:pPr lvl="1"/>
-            <a:endParaRPr lang="en-US" altLang="ko-KR" dirty="0"/>
-          </a:p>
-          <a:p>
-            <a:pPr lvl="1"/>
-            <a:endParaRPr lang="en-US" altLang="ko-KR" dirty="0"/>
-          </a:p>
-          <a:p>
-            <a:pPr lvl="1"/>
-            <a:endParaRPr lang="en-US" altLang="ko-KR" dirty="0"/>
-          </a:p>
-          <a:p>
-            <a:pPr lvl="1"/>
-            <a:endParaRPr lang="en-US" altLang="ko-KR" dirty="0"/>
-          </a:p>
-          <a:p>
-            <a:pPr lvl="1"/>
-            <a:endParaRPr lang="en-US" altLang="ko-KR" dirty="0"/>
-          </a:p>
-          <a:p>
-            <a:r>
-              <a:rPr lang="en-US" altLang="ko-KR" b="1" dirty="0"/>
-              <a:t>Is there any wiser way?</a:t>
-            </a:r>
-          </a:p>
-          <a:p>
-            <a:pPr lvl="1"/>
-            <a:endParaRPr lang="en-US" altLang="ko-KR" dirty="0"/>
-          </a:p>
-          <a:p>
-            <a:pPr lvl="1"/>
-            <a:endParaRPr lang="en-US" altLang="ko-KR" dirty="0"/>
-          </a:p>
-          <a:p>
-            <a:endParaRPr lang="en-US" altLang="ko-KR" dirty="0"/>
-          </a:p>
-          <a:p>
-            <a:endParaRPr lang="en-US" altLang="ko-KR" dirty="0"/>
-          </a:p>
-          <a:p>
-            <a:endParaRPr lang="ko-KR" altLang="en-US" dirty="0"/>
-          </a:p>
-        </p:txBody>
-      </p:sp>
-      <p:sp>
-        <p:nvSpPr>
-          <p:cNvPr id="4" name="Slide Number Placeholder 3">
-            <a:extLst>
-              <a:ext uri="{FF2B5EF4-FFF2-40B4-BE49-F238E27FC236}">
-                <a16:creationId xmlns:a16="http://schemas.microsoft.com/office/drawing/2014/main" id="{A8E0ACFF-FC4D-4DF1-9468-305C9C756C1E}"/>
-              </a:ext>
-            </a:extLst>
-          </p:cNvPr>
-          <p:cNvSpPr>
-            <a:spLocks noGrp="1"/>
-          </p:cNvSpPr>
-          <p:nvPr>
-            <p:ph type="sldNum" sz="quarter" idx="12"/>
-          </p:nvPr>
-        </p:nvSpPr>
-        <p:spPr/>
-        <p:txBody>
-          <a:bodyPr/>
-          <a:lstStyle/>
-          <a:p>
-            <a:fld id="{663C6A4A-F58A-4813-833D-C5F250139976}" type="slidenum">
-              <a:rPr lang="ko-KR" altLang="en-US" smtClean="0"/>
-              <a:t>66</a:t>
-            </a:fld>
-            <a:endParaRPr lang="ko-KR" altLang="en-US"/>
-          </a:p>
-        </p:txBody>
-      </p:sp>
-      <p:pic>
-        <p:nvPicPr>
-          <p:cNvPr id="5" name="Picture 4">
-            <a:extLst>
-              <a:ext uri="{FF2B5EF4-FFF2-40B4-BE49-F238E27FC236}">
-                <a16:creationId xmlns:a16="http://schemas.microsoft.com/office/drawing/2014/main" id="{4D11385B-7E7C-468B-8C6B-4AF6A7C2D229}"/>
-              </a:ext>
-            </a:extLst>
-          </p:cNvPr>
-          <p:cNvPicPr>
-            <a:picLocks noChangeAspect="1"/>
-          </p:cNvPicPr>
-          <p:nvPr/>
-        </p:nvPicPr>
-        <p:blipFill>
-          <a:blip r:embed="rId3"/>
-          <a:stretch>
-            <a:fillRect/>
-          </a:stretch>
-        </p:blipFill>
-        <p:spPr>
-          <a:xfrm>
-            <a:off x="1553964" y="3083496"/>
-            <a:ext cx="4404384" cy="2345706"/>
-          </a:xfrm>
-          <a:prstGeom prst="rect">
-            <a:avLst/>
-          </a:prstGeom>
-        </p:spPr>
-      </p:pic>
-    </p:spTree>
-    <p:extLst>
-      <p:ext uri="{BB962C8B-B14F-4D97-AF65-F5344CB8AC3E}">
-        <p14:creationId xmlns:p14="http://schemas.microsoft.com/office/powerpoint/2010/main" val="3903759910"/>
-      </p:ext>
-    </p:extLst>
-  </p:cSld>
-  <p:clrMapOvr>
-    <a:masterClrMapping/>
-  </p:clrMapOvr>
-</p:sld>
-</file>
-
-<file path=ppt/slides/slide67.xml><?xml version="1.0" encoding="utf-8"?>
-<p:sld xmlns:a="http://schemas.openxmlformats.org/drawingml/2006/main" xmlns:r="http://schemas.openxmlformats.org/officeDocument/2006/relationships" xmlns:p="http://schemas.openxmlformats.org/presentationml/2006/main">
-  <p:cSld>
-    <p:spTree>
-      <p:nvGrpSpPr>
-        <p:cNvPr id="1" name=""/>
-        <p:cNvGrpSpPr/>
-        <p:nvPr/>
-      </p:nvGrpSpPr>
-      <p:grpSpPr>
-        <a:xfrm>
-          <a:off x="0" y="0"/>
-          <a:ext cx="0" cy="0"/>
-          <a:chOff x="0" y="0"/>
-          <a:chExt cx="0" cy="0"/>
-        </a:xfrm>
-      </p:grpSpPr>
-      <p:sp>
-        <p:nvSpPr>
-          <p:cNvPr id="2" name="Title 1">
-            <a:extLst>
-              <a:ext uri="{FF2B5EF4-FFF2-40B4-BE49-F238E27FC236}">
-                <a16:creationId xmlns:a16="http://schemas.microsoft.com/office/drawing/2014/main" id="{84E0151C-5A53-492A-80EF-D4B1BD7339C0}"/>
-              </a:ext>
-            </a:extLst>
-          </p:cNvPr>
-          <p:cNvSpPr>
-            <a:spLocks noGrp="1"/>
-          </p:cNvSpPr>
-          <p:nvPr>
-            <p:ph type="title"/>
-          </p:nvPr>
-        </p:nvSpPr>
-        <p:spPr/>
-        <p:txBody>
-          <a:bodyPr/>
-          <a:lstStyle/>
-          <a:p>
-            <a:r>
-              <a:rPr lang="en-US" altLang="ko-KR" b="1" dirty="0"/>
-              <a:t>Class [1]</a:t>
-            </a:r>
-            <a:endParaRPr lang="ko-KR" altLang="en-US" b="1" dirty="0"/>
-          </a:p>
-        </p:txBody>
-      </p:sp>
-      <p:sp>
-        <p:nvSpPr>
-          <p:cNvPr id="3" name="Content Placeholder 2">
-            <a:extLst>
-              <a:ext uri="{FF2B5EF4-FFF2-40B4-BE49-F238E27FC236}">
-                <a16:creationId xmlns:a16="http://schemas.microsoft.com/office/drawing/2014/main" id="{C8445EA8-93CA-4962-8776-2AC001C9867F}"/>
-              </a:ext>
-            </a:extLst>
-          </p:cNvPr>
-          <p:cNvSpPr>
-            <a:spLocks noGrp="1"/>
-          </p:cNvSpPr>
-          <p:nvPr>
-            <p:ph idx="1"/>
-          </p:nvPr>
-        </p:nvSpPr>
-        <p:spPr>
-          <a:xfrm>
-            <a:off x="838200" y="1825625"/>
-            <a:ext cx="11353800" cy="4351338"/>
-          </a:xfrm>
-        </p:spPr>
-        <p:txBody>
-          <a:bodyPr/>
-          <a:lstStyle/>
-          <a:p>
-            <a:r>
-              <a:rPr lang="en-US" altLang="ko-KR" b="1" dirty="0"/>
-              <a:t>Class is a frame that contains:</a:t>
-            </a:r>
-          </a:p>
-          <a:p>
-            <a:pPr lvl="1"/>
-            <a:r>
-              <a:rPr lang="en-US" altLang="ko-KR" dirty="0"/>
-              <a:t>Several variables (member variable)</a:t>
-            </a:r>
-          </a:p>
-          <a:p>
-            <a:pPr lvl="1"/>
-            <a:r>
-              <a:rPr lang="en-US" altLang="ko-KR" dirty="0"/>
-              <a:t>Several functions to deal with the data (method)</a:t>
-            </a:r>
-          </a:p>
-          <a:p>
-            <a:pPr lvl="1"/>
-            <a:endParaRPr lang="en-US" altLang="ko-KR" dirty="0"/>
-          </a:p>
-          <a:p>
-            <a:pPr lvl="1"/>
-            <a:endParaRPr lang="en-US" altLang="ko-KR" dirty="0"/>
-          </a:p>
-          <a:p>
-            <a:r>
-              <a:rPr lang="en-US" altLang="ko-KR" b="1" dirty="0"/>
-              <a:t>For example of student…</a:t>
-            </a:r>
-          </a:p>
-          <a:p>
-            <a:pPr lvl="1"/>
-            <a:r>
-              <a:rPr lang="en-US" altLang="ko-KR" dirty="0"/>
-              <a:t>Member variable: name, ID, grade, GPA, …</a:t>
-            </a:r>
-          </a:p>
-          <a:p>
-            <a:pPr lvl="1"/>
-            <a:r>
-              <a:rPr lang="en-US" altLang="ko-KR" dirty="0"/>
-              <a:t>Methods: changing GPA, getting information, increasing grade, …</a:t>
-            </a:r>
-            <a:endParaRPr lang="ko-KR" altLang="en-US" dirty="0"/>
-          </a:p>
-        </p:txBody>
-      </p:sp>
-      <p:sp>
-        <p:nvSpPr>
-          <p:cNvPr id="4" name="Slide Number Placeholder 3">
-            <a:extLst>
-              <a:ext uri="{FF2B5EF4-FFF2-40B4-BE49-F238E27FC236}">
-                <a16:creationId xmlns:a16="http://schemas.microsoft.com/office/drawing/2014/main" id="{A8E0ACFF-FC4D-4DF1-9468-305C9C756C1E}"/>
-              </a:ext>
-            </a:extLst>
-          </p:cNvPr>
-          <p:cNvSpPr>
-            <a:spLocks noGrp="1"/>
-          </p:cNvSpPr>
-          <p:nvPr>
-            <p:ph type="sldNum" sz="quarter" idx="12"/>
-          </p:nvPr>
-        </p:nvSpPr>
-        <p:spPr/>
-        <p:txBody>
-          <a:bodyPr/>
-          <a:lstStyle/>
-          <a:p>
-            <a:fld id="{663C6A4A-F58A-4813-833D-C5F250139976}" type="slidenum">
-              <a:rPr lang="ko-KR" altLang="en-US" smtClean="0"/>
-              <a:t>67</a:t>
-            </a:fld>
-            <a:endParaRPr lang="ko-KR" altLang="en-US"/>
-          </a:p>
-        </p:txBody>
-      </p:sp>
-    </p:spTree>
-    <p:extLst>
-      <p:ext uri="{BB962C8B-B14F-4D97-AF65-F5344CB8AC3E}">
-        <p14:creationId xmlns:p14="http://schemas.microsoft.com/office/powerpoint/2010/main" val="660185655"/>
-      </p:ext>
-    </p:extLst>
-  </p:cSld>
-  <p:clrMapOvr>
-    <a:masterClrMapping/>
-  </p:clrMapOvr>
-</p:sld>
-</file>
-
 <file path=ppt/slides/slide68.xml><?xml version="1.0" encoding="utf-8"?>
 <p:sld xmlns:a="http://schemas.openxmlformats.org/drawingml/2006/main" xmlns:r="http://schemas.openxmlformats.org/officeDocument/2006/relationships" xmlns:p="http://schemas.openxmlformats.org/presentationml/2006/main">
   <p:cSld>
@@ -19479,7 +19808,7 @@
           <p:cNvPr id="2" name="Title 1">
             <a:extLst>
               <a:ext uri="{FF2B5EF4-FFF2-40B4-BE49-F238E27FC236}">
-                <a16:creationId xmlns:a16="http://schemas.microsoft.com/office/drawing/2014/main" id="{84E0151C-5A53-492A-80EF-D4B1BD7339C0}"/>
+                <a16:creationId xmlns:a16="http://schemas.microsoft.com/office/drawing/2014/main" id="{126564E6-C1EF-4236-A96C-21570EA537DE}"/>
               </a:ext>
             </a:extLst>
           </p:cNvPr>
@@ -19497,7 +19826,7 @@
           <a:p>
             <a:r>
               <a:rPr lang="en-US" altLang="ko-KR" b="1" dirty="0"/>
-              <a:t>Class [2]</a:t>
+              <a:t>Exercises</a:t>
             </a:r>
             <a:endParaRPr lang="ko-KR" altLang="en-US" b="1" dirty="0"/>
           </a:p>
@@ -19508,7 +19837,7 @@
           <p:cNvPr id="3" name="Content Placeholder 2">
             <a:extLst>
               <a:ext uri="{FF2B5EF4-FFF2-40B4-BE49-F238E27FC236}">
-                <a16:creationId xmlns:a16="http://schemas.microsoft.com/office/drawing/2014/main" id="{C8445EA8-93CA-4962-8776-2AC001C9867F}"/>
+                <a16:creationId xmlns:a16="http://schemas.microsoft.com/office/drawing/2014/main" id="{57A05DC5-F0E5-42A7-9DEB-D7E5FFEE1286}"/>
               </a:ext>
             </a:extLst>
           </p:cNvPr>
@@ -19519,20 +19848,16 @@
             <p:ph idx="1"/>
           </p:nvPr>
         </p:nvSpPr>
-        <p:spPr>
-          <a:xfrm>
-            <a:off x="838200" y="1825625"/>
-            <a:ext cx="11353800" cy="4351338"/>
-          </a:xfrm>
-        </p:spPr>
+        <p:spPr/>
         <p:txBody>
           <a:bodyPr/>
           <a:lstStyle/>
           <a:p>
             <a:r>
               <a:rPr lang="en-US" altLang="ko-KR" b="1" dirty="0"/>
-              <a:t>Each instance of class is called “object”</a:t>
-            </a:r>
+              <a:t>Some exercises for you are in “exercises”</a:t>
+            </a:r>
+            <a:endParaRPr lang="ko-KR" altLang="en-US" b="1" dirty="0"/>
           </a:p>
         </p:txBody>
       </p:sp>
@@ -19541,7 +19866,7 @@
           <p:cNvPr id="4" name="Slide Number Placeholder 3">
             <a:extLst>
               <a:ext uri="{FF2B5EF4-FFF2-40B4-BE49-F238E27FC236}">
-                <a16:creationId xmlns:a16="http://schemas.microsoft.com/office/drawing/2014/main" id="{A8E0ACFF-FC4D-4DF1-9468-305C9C756C1E}"/>
+                <a16:creationId xmlns:a16="http://schemas.microsoft.com/office/drawing/2014/main" id="{BDD38CDC-AD86-4200-9E8F-CF3557A365A6}"/>
               </a:ext>
             </a:extLst>
           </p:cNvPr>
@@ -19565,760 +19890,10 @@
           </a:p>
         </p:txBody>
       </p:sp>
-      <p:sp>
-        <p:nvSpPr>
-          <p:cNvPr id="5" name="Rectangle 4">
-            <a:extLst>
-              <a:ext uri="{FF2B5EF4-FFF2-40B4-BE49-F238E27FC236}">
-                <a16:creationId xmlns:a16="http://schemas.microsoft.com/office/drawing/2014/main" id="{5A6D229F-36E1-4A54-A0BD-4F8D0ED16260}"/>
-              </a:ext>
-            </a:extLst>
-          </p:cNvPr>
-          <p:cNvSpPr/>
-          <p:nvPr/>
-        </p:nvSpPr>
-        <p:spPr>
-          <a:xfrm>
-            <a:off x="1637072" y="2627336"/>
-            <a:ext cx="3362632" cy="1590704"/>
-          </a:xfrm>
-          <a:prstGeom prst="rect">
-            <a:avLst/>
-          </a:prstGeom>
-          <a:noFill/>
-          <a:ln w="57150">
-            <a:solidFill>
-              <a:schemeClr val="tx1"/>
-            </a:solidFill>
-          </a:ln>
-        </p:spPr>
-        <p:style>
-          <a:lnRef idx="2">
-            <a:schemeClr val="accent1">
-              <a:shade val="50000"/>
-            </a:schemeClr>
-          </a:lnRef>
-          <a:fillRef idx="1">
-            <a:schemeClr val="accent1"/>
-          </a:fillRef>
-          <a:effectRef idx="0">
-            <a:schemeClr val="accent1"/>
-          </a:effectRef>
-          <a:fontRef idx="minor">
-            <a:schemeClr val="lt1"/>
-          </a:fontRef>
-        </p:style>
-        <p:txBody>
-          <a:bodyPr rtlCol="0" anchor="ctr"/>
-          <a:lstStyle/>
-          <a:p>
-            <a:r>
-              <a:rPr lang="en-US" altLang="ko-KR" sz="2000" b="1" dirty="0">
-                <a:solidFill>
-                  <a:schemeClr val="tx1"/>
-                </a:solidFill>
-              </a:rPr>
-              <a:t>Student.name = Adele</a:t>
-            </a:r>
-          </a:p>
-          <a:p>
-            <a:r>
-              <a:rPr lang="en-US" altLang="ko-KR" sz="2000" b="1" dirty="0">
-                <a:solidFill>
-                  <a:schemeClr val="tx1"/>
-                </a:solidFill>
-              </a:rPr>
-              <a:t>Student.ID = 12345</a:t>
-            </a:r>
-          </a:p>
-          <a:p>
-            <a:r>
-              <a:rPr lang="en-US" altLang="ko-KR" sz="2000" b="1" dirty="0" err="1">
-                <a:solidFill>
-                  <a:schemeClr val="tx1"/>
-                </a:solidFill>
-              </a:rPr>
-              <a:t>Student.grade</a:t>
-            </a:r>
-            <a:r>
-              <a:rPr lang="en-US" altLang="ko-KR" sz="2000" b="1" dirty="0">
-                <a:solidFill>
-                  <a:schemeClr val="tx1"/>
-                </a:solidFill>
-              </a:rPr>
-              <a:t> = 1</a:t>
-            </a:r>
-          </a:p>
-          <a:p>
-            <a:r>
-              <a:rPr lang="en-US" altLang="ko-KR" sz="2000" b="1" dirty="0" err="1">
-                <a:solidFill>
-                  <a:schemeClr val="tx1"/>
-                </a:solidFill>
-              </a:rPr>
-              <a:t>Student.GPA</a:t>
-            </a:r>
-            <a:r>
-              <a:rPr lang="en-US" altLang="ko-KR" sz="2000" b="1" dirty="0">
-                <a:solidFill>
-                  <a:schemeClr val="tx1"/>
-                </a:solidFill>
-              </a:rPr>
-              <a:t> = 4.2</a:t>
-            </a:r>
-          </a:p>
-        </p:txBody>
-      </p:sp>
-      <p:sp>
-        <p:nvSpPr>
-          <p:cNvPr id="6" name="TextBox 5">
-            <a:extLst>
-              <a:ext uri="{FF2B5EF4-FFF2-40B4-BE49-F238E27FC236}">
-                <a16:creationId xmlns:a16="http://schemas.microsoft.com/office/drawing/2014/main" id="{D87FA9DD-A759-4808-8F67-01C4CBB426DA}"/>
-              </a:ext>
-            </a:extLst>
-          </p:cNvPr>
-          <p:cNvSpPr txBox="1">
-            <a:spLocks/>
-          </p:cNvSpPr>
-          <p:nvPr/>
-        </p:nvSpPr>
-        <p:spPr>
-          <a:xfrm>
-            <a:off x="1991033" y="2442669"/>
-            <a:ext cx="840657" cy="369334"/>
-          </a:xfrm>
-          <a:prstGeom prst="rect">
-            <a:avLst/>
-          </a:prstGeom>
-          <a:solidFill>
-            <a:schemeClr val="bg1"/>
-          </a:solidFill>
-        </p:spPr>
-        <p:txBody>
-          <a:bodyPr wrap="square" rtlCol="0">
-            <a:spAutoFit/>
-          </a:bodyPr>
-          <a:lstStyle/>
-          <a:p>
-            <a:r>
-              <a:rPr lang="en-US" altLang="ko-KR" b="1" dirty="0"/>
-              <a:t>Adele</a:t>
-            </a:r>
-            <a:endParaRPr lang="ko-KR" altLang="en-US" b="1" dirty="0"/>
-          </a:p>
-        </p:txBody>
-      </p:sp>
-      <p:sp>
-        <p:nvSpPr>
-          <p:cNvPr id="11" name="Rectangle 10">
-            <a:extLst>
-              <a:ext uri="{FF2B5EF4-FFF2-40B4-BE49-F238E27FC236}">
-                <a16:creationId xmlns:a16="http://schemas.microsoft.com/office/drawing/2014/main" id="{24095FF6-E7E8-4B6B-8BBE-A465C3C40708}"/>
-              </a:ext>
-            </a:extLst>
-          </p:cNvPr>
-          <p:cNvSpPr/>
-          <p:nvPr/>
-        </p:nvSpPr>
-        <p:spPr>
-          <a:xfrm>
-            <a:off x="309717" y="4587374"/>
-            <a:ext cx="3362632" cy="1590704"/>
-          </a:xfrm>
-          <a:prstGeom prst="rect">
-            <a:avLst/>
-          </a:prstGeom>
-          <a:noFill/>
-          <a:ln w="57150">
-            <a:solidFill>
-              <a:schemeClr val="tx1"/>
-            </a:solidFill>
-          </a:ln>
-        </p:spPr>
-        <p:style>
-          <a:lnRef idx="2">
-            <a:schemeClr val="accent1">
-              <a:shade val="50000"/>
-            </a:schemeClr>
-          </a:lnRef>
-          <a:fillRef idx="1">
-            <a:schemeClr val="accent1"/>
-          </a:fillRef>
-          <a:effectRef idx="0">
-            <a:schemeClr val="accent1"/>
-          </a:effectRef>
-          <a:fontRef idx="minor">
-            <a:schemeClr val="lt1"/>
-          </a:fontRef>
-        </p:style>
-        <p:txBody>
-          <a:bodyPr rtlCol="0" anchor="ctr"/>
-          <a:lstStyle/>
-          <a:p>
-            <a:r>
-              <a:rPr lang="en-US" altLang="ko-KR" sz="2000" b="1" dirty="0">
-                <a:solidFill>
-                  <a:schemeClr val="tx1"/>
-                </a:solidFill>
-              </a:rPr>
-              <a:t>Student.name = John</a:t>
-            </a:r>
-          </a:p>
-          <a:p>
-            <a:r>
-              <a:rPr lang="en-US" altLang="ko-KR" sz="2000" b="1" dirty="0">
-                <a:solidFill>
-                  <a:schemeClr val="tx1"/>
-                </a:solidFill>
-              </a:rPr>
-              <a:t>Student.ID = 25255</a:t>
-            </a:r>
-          </a:p>
-          <a:p>
-            <a:r>
-              <a:rPr lang="en-US" altLang="ko-KR" sz="2000" b="1" dirty="0" err="1">
-                <a:solidFill>
-                  <a:schemeClr val="tx1"/>
-                </a:solidFill>
-              </a:rPr>
-              <a:t>Student.grade</a:t>
-            </a:r>
-            <a:r>
-              <a:rPr lang="en-US" altLang="ko-KR" sz="2000" b="1" dirty="0">
-                <a:solidFill>
-                  <a:schemeClr val="tx1"/>
-                </a:solidFill>
-              </a:rPr>
-              <a:t> = 2</a:t>
-            </a:r>
-          </a:p>
-          <a:p>
-            <a:r>
-              <a:rPr lang="en-US" altLang="ko-KR" sz="2000" b="1" dirty="0" err="1">
-                <a:solidFill>
-                  <a:schemeClr val="tx1"/>
-                </a:solidFill>
-              </a:rPr>
-              <a:t>Student.GPA</a:t>
-            </a:r>
-            <a:r>
-              <a:rPr lang="en-US" altLang="ko-KR" sz="2000" b="1" dirty="0">
-                <a:solidFill>
-                  <a:schemeClr val="tx1"/>
-                </a:solidFill>
-              </a:rPr>
-              <a:t> = 3.7</a:t>
-            </a:r>
-          </a:p>
-        </p:txBody>
-      </p:sp>
-      <p:sp>
-        <p:nvSpPr>
-          <p:cNvPr id="13" name="TextBox 12">
-            <a:extLst>
-              <a:ext uri="{FF2B5EF4-FFF2-40B4-BE49-F238E27FC236}">
-                <a16:creationId xmlns:a16="http://schemas.microsoft.com/office/drawing/2014/main" id="{DE920EEB-DF0C-4DB4-8341-1673E03D1910}"/>
-              </a:ext>
-            </a:extLst>
-          </p:cNvPr>
-          <p:cNvSpPr txBox="1">
-            <a:spLocks/>
-          </p:cNvSpPr>
-          <p:nvPr/>
-        </p:nvSpPr>
-        <p:spPr>
-          <a:xfrm>
-            <a:off x="663678" y="4402707"/>
-            <a:ext cx="1327355" cy="369332"/>
-          </a:xfrm>
-          <a:prstGeom prst="rect">
-            <a:avLst/>
-          </a:prstGeom>
-          <a:solidFill>
-            <a:schemeClr val="bg1"/>
-          </a:solidFill>
-        </p:spPr>
-        <p:txBody>
-          <a:bodyPr wrap="square" rtlCol="0">
-            <a:spAutoFit/>
-          </a:bodyPr>
-          <a:lstStyle/>
-          <a:p>
-            <a:r>
-              <a:rPr lang="en-US" altLang="ko-KR" b="1" dirty="0"/>
-              <a:t>John Wick</a:t>
-            </a:r>
-            <a:endParaRPr lang="ko-KR" altLang="en-US" b="1" dirty="0"/>
-          </a:p>
-        </p:txBody>
-      </p:sp>
-      <p:sp>
-        <p:nvSpPr>
-          <p:cNvPr id="15" name="Rectangle 14">
-            <a:extLst>
-              <a:ext uri="{FF2B5EF4-FFF2-40B4-BE49-F238E27FC236}">
-                <a16:creationId xmlns:a16="http://schemas.microsoft.com/office/drawing/2014/main" id="{D7D9769D-71C2-4772-8EB0-8454D35AC574}"/>
-              </a:ext>
-            </a:extLst>
-          </p:cNvPr>
-          <p:cNvSpPr/>
-          <p:nvPr/>
-        </p:nvSpPr>
-        <p:spPr>
-          <a:xfrm>
-            <a:off x="5830529" y="2996670"/>
-            <a:ext cx="3362632" cy="1590704"/>
-          </a:xfrm>
-          <a:prstGeom prst="rect">
-            <a:avLst/>
-          </a:prstGeom>
-          <a:noFill/>
-          <a:ln w="57150">
-            <a:solidFill>
-              <a:schemeClr val="tx1"/>
-            </a:solidFill>
-          </a:ln>
-        </p:spPr>
-        <p:style>
-          <a:lnRef idx="2">
-            <a:schemeClr val="accent1">
-              <a:shade val="50000"/>
-            </a:schemeClr>
-          </a:lnRef>
-          <a:fillRef idx="1">
-            <a:schemeClr val="accent1"/>
-          </a:fillRef>
-          <a:effectRef idx="0">
-            <a:schemeClr val="accent1"/>
-          </a:effectRef>
-          <a:fontRef idx="minor">
-            <a:schemeClr val="lt1"/>
-          </a:fontRef>
-        </p:style>
-        <p:txBody>
-          <a:bodyPr rtlCol="0" anchor="ctr"/>
-          <a:lstStyle/>
-          <a:p>
-            <a:r>
-              <a:rPr lang="en-US" altLang="ko-KR" sz="2000" b="1" dirty="0">
-                <a:solidFill>
-                  <a:schemeClr val="tx1"/>
-                </a:solidFill>
-              </a:rPr>
-              <a:t>Student.name = Johnson</a:t>
-            </a:r>
-          </a:p>
-          <a:p>
-            <a:r>
-              <a:rPr lang="en-US" altLang="ko-KR" sz="2000" b="1" dirty="0">
-                <a:solidFill>
-                  <a:schemeClr val="tx1"/>
-                </a:solidFill>
-              </a:rPr>
-              <a:t>Student.ID = 23456</a:t>
-            </a:r>
-          </a:p>
-          <a:p>
-            <a:r>
-              <a:rPr lang="en-US" altLang="ko-KR" sz="2000" b="1" dirty="0" err="1">
-                <a:solidFill>
-                  <a:schemeClr val="tx1"/>
-                </a:solidFill>
-              </a:rPr>
-              <a:t>Student.grade</a:t>
-            </a:r>
-            <a:r>
-              <a:rPr lang="en-US" altLang="ko-KR" sz="2000" b="1" dirty="0">
-                <a:solidFill>
-                  <a:schemeClr val="tx1"/>
-                </a:solidFill>
-              </a:rPr>
-              <a:t> = 4</a:t>
-            </a:r>
-          </a:p>
-          <a:p>
-            <a:r>
-              <a:rPr lang="en-US" altLang="ko-KR" sz="2000" b="1" dirty="0" err="1">
-                <a:solidFill>
-                  <a:schemeClr val="tx1"/>
-                </a:solidFill>
-              </a:rPr>
-              <a:t>Student.GPA</a:t>
-            </a:r>
-            <a:r>
-              <a:rPr lang="en-US" altLang="ko-KR" sz="2000" b="1" dirty="0">
-                <a:solidFill>
-                  <a:schemeClr val="tx1"/>
-                </a:solidFill>
-              </a:rPr>
-              <a:t> = 2.6</a:t>
-            </a:r>
-          </a:p>
-        </p:txBody>
-      </p:sp>
-      <p:sp>
-        <p:nvSpPr>
-          <p:cNvPr id="17" name="TextBox 16">
-            <a:extLst>
-              <a:ext uri="{FF2B5EF4-FFF2-40B4-BE49-F238E27FC236}">
-                <a16:creationId xmlns:a16="http://schemas.microsoft.com/office/drawing/2014/main" id="{662C7379-D4E8-4B33-BA1B-2DF1173BEB05}"/>
-              </a:ext>
-            </a:extLst>
-          </p:cNvPr>
-          <p:cNvSpPr txBox="1">
-            <a:spLocks/>
-          </p:cNvSpPr>
-          <p:nvPr/>
-        </p:nvSpPr>
-        <p:spPr>
-          <a:xfrm>
-            <a:off x="6184490" y="2812002"/>
-            <a:ext cx="1189704" cy="369332"/>
-          </a:xfrm>
-          <a:prstGeom prst="rect">
-            <a:avLst/>
-          </a:prstGeom>
-          <a:solidFill>
-            <a:schemeClr val="bg1"/>
-          </a:solidFill>
-        </p:spPr>
-        <p:txBody>
-          <a:bodyPr wrap="square" rtlCol="0">
-            <a:spAutoFit/>
-          </a:bodyPr>
-          <a:lstStyle/>
-          <a:p>
-            <a:r>
-              <a:rPr lang="en-US" altLang="ko-KR" b="1" dirty="0"/>
-              <a:t>Johnson</a:t>
-            </a:r>
-            <a:endParaRPr lang="ko-KR" altLang="en-US" b="1" dirty="0"/>
-          </a:p>
-        </p:txBody>
-      </p:sp>
-      <p:cxnSp>
-        <p:nvCxnSpPr>
-          <p:cNvPr id="19" name="Straight Arrow Connector 18">
-            <a:extLst>
-              <a:ext uri="{FF2B5EF4-FFF2-40B4-BE49-F238E27FC236}">
-                <a16:creationId xmlns:a16="http://schemas.microsoft.com/office/drawing/2014/main" id="{9FA459FE-27F5-46BC-9EE6-59FF375B84D7}"/>
-              </a:ext>
-            </a:extLst>
-          </p:cNvPr>
-          <p:cNvCxnSpPr>
-            <a:cxnSpLocks/>
-          </p:cNvCxnSpPr>
-          <p:nvPr/>
-        </p:nvCxnSpPr>
-        <p:spPr>
-          <a:xfrm flipV="1">
-            <a:off x="7268496" y="4587373"/>
-            <a:ext cx="0" cy="2270627"/>
-          </a:xfrm>
-          <a:prstGeom prst="straightConnector1">
-            <a:avLst/>
-          </a:prstGeom>
-          <a:ln w="57150">
-            <a:solidFill>
-              <a:schemeClr val="tx1"/>
-            </a:solidFill>
-            <a:tailEnd type="triangle"/>
-          </a:ln>
-        </p:spPr>
-        <p:style>
-          <a:lnRef idx="1">
-            <a:schemeClr val="accent1"/>
-          </a:lnRef>
-          <a:fillRef idx="0">
-            <a:schemeClr val="accent1"/>
-          </a:fillRef>
-          <a:effectRef idx="0">
-            <a:schemeClr val="accent1"/>
-          </a:effectRef>
-          <a:fontRef idx="minor">
-            <a:schemeClr val="tx1"/>
-          </a:fontRef>
-        </p:style>
-      </p:cxnSp>
-      <p:sp>
-        <p:nvSpPr>
-          <p:cNvPr id="24" name="TextBox 23">
-            <a:extLst>
-              <a:ext uri="{FF2B5EF4-FFF2-40B4-BE49-F238E27FC236}">
-                <a16:creationId xmlns:a16="http://schemas.microsoft.com/office/drawing/2014/main" id="{1F30EBE3-8A17-4206-849F-EC423596A5F3}"/>
-              </a:ext>
-            </a:extLst>
-          </p:cNvPr>
-          <p:cNvSpPr txBox="1"/>
-          <p:nvPr/>
-        </p:nvSpPr>
-        <p:spPr>
-          <a:xfrm>
-            <a:off x="5161935" y="4647199"/>
-            <a:ext cx="2407920" cy="338554"/>
-          </a:xfrm>
-          <a:prstGeom prst="rect">
-            <a:avLst/>
-          </a:prstGeom>
-          <a:noFill/>
-        </p:spPr>
-        <p:txBody>
-          <a:bodyPr wrap="square" rtlCol="0">
-            <a:spAutoFit/>
-          </a:bodyPr>
-          <a:lstStyle/>
-          <a:p>
-            <a:r>
-              <a:rPr lang="en-US" altLang="ko-KR" sz="1600" b="1" dirty="0" err="1">
-                <a:latin typeface="Consolas" panose="020B0609020204030204" pitchFamily="49" charset="0"/>
-              </a:rPr>
-              <a:t>Johnson.get_GPA</a:t>
-            </a:r>
-            <a:r>
-              <a:rPr lang="en-US" altLang="ko-KR" sz="1600" b="1" dirty="0">
-                <a:latin typeface="Consolas" panose="020B0609020204030204" pitchFamily="49" charset="0"/>
-              </a:rPr>
-              <a:t>()</a:t>
-            </a:r>
-            <a:endParaRPr lang="ko-KR" altLang="en-US" sz="1600" b="1" dirty="0">
-              <a:latin typeface="Consolas" panose="020B0609020204030204" pitchFamily="49" charset="0"/>
-            </a:endParaRPr>
-          </a:p>
-        </p:txBody>
-      </p:sp>
-      <p:cxnSp>
-        <p:nvCxnSpPr>
-          <p:cNvPr id="25" name="Straight Arrow Connector 24">
-            <a:extLst>
-              <a:ext uri="{FF2B5EF4-FFF2-40B4-BE49-F238E27FC236}">
-                <a16:creationId xmlns:a16="http://schemas.microsoft.com/office/drawing/2014/main" id="{8F0BACB8-8FAF-4F2B-A776-DA7215030E7C}"/>
-              </a:ext>
-            </a:extLst>
-          </p:cNvPr>
-          <p:cNvCxnSpPr>
-            <a:cxnSpLocks/>
-          </p:cNvCxnSpPr>
-          <p:nvPr/>
-        </p:nvCxnSpPr>
-        <p:spPr>
-          <a:xfrm>
-            <a:off x="7742903" y="4587373"/>
-            <a:ext cx="0" cy="2292608"/>
-          </a:xfrm>
-          <a:prstGeom prst="straightConnector1">
-            <a:avLst/>
-          </a:prstGeom>
-          <a:ln w="57150">
-            <a:solidFill>
-              <a:schemeClr val="tx1"/>
-            </a:solidFill>
-            <a:tailEnd type="triangle"/>
-          </a:ln>
-        </p:spPr>
-        <p:style>
-          <a:lnRef idx="1">
-            <a:schemeClr val="accent1"/>
-          </a:lnRef>
-          <a:fillRef idx="0">
-            <a:schemeClr val="accent1"/>
-          </a:fillRef>
-          <a:effectRef idx="0">
-            <a:schemeClr val="accent1"/>
-          </a:effectRef>
-          <a:fontRef idx="minor">
-            <a:schemeClr val="tx1"/>
-          </a:fontRef>
-        </p:style>
-      </p:cxnSp>
-      <p:cxnSp>
-        <p:nvCxnSpPr>
-          <p:cNvPr id="31" name="Straight Arrow Connector 30">
-            <a:extLst>
-              <a:ext uri="{FF2B5EF4-FFF2-40B4-BE49-F238E27FC236}">
-                <a16:creationId xmlns:a16="http://schemas.microsoft.com/office/drawing/2014/main" id="{DCBDA348-E035-4450-AFF0-CA6AE32CE011}"/>
-              </a:ext>
-            </a:extLst>
-          </p:cNvPr>
-          <p:cNvCxnSpPr>
-            <a:cxnSpLocks/>
-          </p:cNvCxnSpPr>
-          <p:nvPr/>
-        </p:nvCxnSpPr>
-        <p:spPr>
-          <a:xfrm flipV="1">
-            <a:off x="4012052" y="4218041"/>
-            <a:ext cx="1" cy="2639959"/>
-          </a:xfrm>
-          <a:prstGeom prst="straightConnector1">
-            <a:avLst/>
-          </a:prstGeom>
-          <a:ln w="57150">
-            <a:solidFill>
-              <a:schemeClr val="tx1"/>
-            </a:solidFill>
-            <a:tailEnd type="triangle"/>
-          </a:ln>
-        </p:spPr>
-        <p:style>
-          <a:lnRef idx="1">
-            <a:schemeClr val="accent1"/>
-          </a:lnRef>
-          <a:fillRef idx="0">
-            <a:schemeClr val="accent1"/>
-          </a:fillRef>
-          <a:effectRef idx="0">
-            <a:schemeClr val="accent1"/>
-          </a:effectRef>
-          <a:fontRef idx="minor">
-            <a:schemeClr val="tx1"/>
-          </a:fontRef>
-        </p:style>
-      </p:cxnSp>
-      <p:sp>
-        <p:nvSpPr>
-          <p:cNvPr id="35" name="TextBox 34">
-            <a:extLst>
-              <a:ext uri="{FF2B5EF4-FFF2-40B4-BE49-F238E27FC236}">
-                <a16:creationId xmlns:a16="http://schemas.microsoft.com/office/drawing/2014/main" id="{7901D710-59C5-4557-87EC-11C18B86D0B8}"/>
-              </a:ext>
-            </a:extLst>
-          </p:cNvPr>
-          <p:cNvSpPr txBox="1"/>
-          <p:nvPr/>
-        </p:nvSpPr>
-        <p:spPr>
-          <a:xfrm>
-            <a:off x="4043762" y="5589142"/>
-            <a:ext cx="2407920" cy="338554"/>
-          </a:xfrm>
-          <a:prstGeom prst="rect">
-            <a:avLst/>
-          </a:prstGeom>
-          <a:noFill/>
-        </p:spPr>
-        <p:txBody>
-          <a:bodyPr wrap="square" rtlCol="0">
-            <a:spAutoFit/>
-          </a:bodyPr>
-          <a:lstStyle/>
-          <a:p>
-            <a:r>
-              <a:rPr lang="en-US" altLang="ko-KR" sz="1600" b="1" dirty="0" err="1">
-                <a:latin typeface="Consolas" panose="020B0609020204030204" pitchFamily="49" charset="0"/>
-              </a:rPr>
-              <a:t>Adele.update_grade</a:t>
-            </a:r>
-            <a:r>
-              <a:rPr lang="en-US" altLang="ko-KR" sz="1600" b="1" dirty="0">
-                <a:latin typeface="Consolas" panose="020B0609020204030204" pitchFamily="49" charset="0"/>
-              </a:rPr>
-              <a:t>(2)</a:t>
-            </a:r>
-            <a:endParaRPr lang="ko-KR" altLang="en-US" sz="1600" b="1" dirty="0">
-              <a:latin typeface="Consolas" panose="020B0609020204030204" pitchFamily="49" charset="0"/>
-            </a:endParaRPr>
-          </a:p>
-        </p:txBody>
-      </p:sp>
-      <p:sp>
-        <p:nvSpPr>
-          <p:cNvPr id="39" name="TextBox 38">
-            <a:extLst>
-              <a:ext uri="{FF2B5EF4-FFF2-40B4-BE49-F238E27FC236}">
-                <a16:creationId xmlns:a16="http://schemas.microsoft.com/office/drawing/2014/main" id="{547C1B46-5D05-4EED-83CE-67086ED65295}"/>
-              </a:ext>
-            </a:extLst>
-          </p:cNvPr>
-          <p:cNvSpPr txBox="1"/>
-          <p:nvPr/>
-        </p:nvSpPr>
-        <p:spPr>
-          <a:xfrm rot="20061984">
-            <a:off x="4317803" y="2668920"/>
-            <a:ext cx="2407920" cy="338554"/>
-          </a:xfrm>
-          <a:prstGeom prst="rect">
-            <a:avLst/>
-          </a:prstGeom>
-          <a:solidFill>
-            <a:srgbClr val="FF0000"/>
-          </a:solidFill>
-        </p:spPr>
-        <p:txBody>
-          <a:bodyPr wrap="square" rtlCol="0">
-            <a:spAutoFit/>
-          </a:bodyPr>
-          <a:lstStyle/>
-          <a:p>
-            <a:r>
-              <a:rPr lang="en-US" altLang="ko-KR" sz="1600" b="1" dirty="0">
-                <a:solidFill>
-                  <a:schemeClr val="bg1"/>
-                </a:solidFill>
-              </a:rPr>
-              <a:t>Change her grade to 2</a:t>
-            </a:r>
-            <a:endParaRPr lang="ko-KR" altLang="en-US" sz="1600" b="1" dirty="0">
-              <a:solidFill>
-                <a:schemeClr val="bg1"/>
-              </a:solidFill>
-              <a:latin typeface="Consolas" panose="020B0609020204030204" pitchFamily="49" charset="0"/>
-            </a:endParaRPr>
-          </a:p>
-        </p:txBody>
-      </p:sp>
-      <p:sp>
-        <p:nvSpPr>
-          <p:cNvPr id="41" name="TextBox 40">
-            <a:extLst>
-              <a:ext uri="{FF2B5EF4-FFF2-40B4-BE49-F238E27FC236}">
-                <a16:creationId xmlns:a16="http://schemas.microsoft.com/office/drawing/2014/main" id="{4613FAB2-DCED-4BBA-A65D-1DE298C34777}"/>
-              </a:ext>
-            </a:extLst>
-          </p:cNvPr>
-          <p:cNvSpPr txBox="1"/>
-          <p:nvPr/>
-        </p:nvSpPr>
-        <p:spPr>
-          <a:xfrm rot="20061984">
-            <a:off x="7949164" y="4647198"/>
-            <a:ext cx="1389838" cy="338554"/>
-          </a:xfrm>
-          <a:prstGeom prst="rect">
-            <a:avLst/>
-          </a:prstGeom>
-          <a:solidFill>
-            <a:srgbClr val="FF0000"/>
-          </a:solidFill>
-        </p:spPr>
-        <p:txBody>
-          <a:bodyPr wrap="square" rtlCol="0">
-            <a:spAutoFit/>
-          </a:bodyPr>
-          <a:lstStyle/>
-          <a:p>
-            <a:r>
-              <a:rPr lang="en-US" altLang="ko-KR" sz="1600" b="1" dirty="0">
-                <a:solidFill>
-                  <a:schemeClr val="bg1"/>
-                </a:solidFill>
-              </a:rPr>
-              <a:t>Return 2.6</a:t>
-            </a:r>
-            <a:endParaRPr lang="ko-KR" altLang="en-US" sz="1600" b="1" dirty="0">
-              <a:solidFill>
-                <a:schemeClr val="bg1"/>
-              </a:solidFill>
-              <a:latin typeface="Consolas" panose="020B0609020204030204" pitchFamily="49" charset="0"/>
-            </a:endParaRPr>
-          </a:p>
-        </p:txBody>
-      </p:sp>
     </p:spTree>
     <p:extLst>
       <p:ext uri="{BB962C8B-B14F-4D97-AF65-F5344CB8AC3E}">
-        <p14:creationId xmlns:p14="http://schemas.microsoft.com/office/powerpoint/2010/main" val="1637434870"/>
+        <p14:creationId xmlns:p14="http://schemas.microsoft.com/office/powerpoint/2010/main" val="1467220462"/>
       </p:ext>
     </p:extLst>
   </p:cSld>
@@ -20368,7 +19943,7 @@
           <a:p>
             <a:r>
               <a:rPr lang="en-US" altLang="ko-KR" b="1" dirty="0"/>
-              <a:t>Defining Class [1]</a:t>
+              <a:t>Class: Motivation</a:t>
             </a:r>
             <a:endParaRPr lang="ko-KR" altLang="en-US" b="1" dirty="0"/>
           </a:p>
@@ -20390,30 +19965,73 @@
             <p:ph idx="1"/>
           </p:nvPr>
         </p:nvSpPr>
-        <p:spPr>
-          <a:xfrm>
-            <a:off x="838200" y="1825625"/>
-            <a:ext cx="11353800" cy="4351338"/>
-          </a:xfrm>
-        </p:spPr>
+        <p:spPr/>
         <p:txBody>
           <a:bodyPr/>
           <a:lstStyle/>
           <a:p>
             <a:r>
               <a:rPr lang="en-US" altLang="ko-KR" b="1" dirty="0"/>
-              <a:t>We can define a class with </a:t>
-            </a:r>
-            <a:r>
-              <a:rPr lang="en-US" altLang="ko-KR" b="1" dirty="0">
-                <a:latin typeface="Consolas" panose="020B0609020204030204" pitchFamily="49" charset="0"/>
-              </a:rPr>
-              <a:t>class</a:t>
-            </a:r>
+              <a:t>How can we store / deal with each student’s information?</a:t>
+            </a:r>
+          </a:p>
+          <a:p>
+            <a:pPr lvl="1"/>
+            <a:r>
+              <a:rPr lang="en-US" altLang="ko-KR" dirty="0"/>
+              <a:t>It includes name, ID, grade, GPA, etc.</a:t>
+            </a:r>
+          </a:p>
+          <a:p>
+            <a:pPr lvl="1"/>
+            <a:r>
+              <a:rPr lang="en-US" altLang="ko-KR" dirty="0"/>
+              <a:t>…like this? What if there are 3~4000 students?</a:t>
+            </a:r>
+          </a:p>
+          <a:p>
+            <a:pPr lvl="1"/>
+            <a:endParaRPr lang="en-US" altLang="ko-KR" dirty="0"/>
+          </a:p>
+          <a:p>
+            <a:pPr lvl="1"/>
+            <a:endParaRPr lang="en-US" altLang="ko-KR" dirty="0"/>
+          </a:p>
+          <a:p>
+            <a:pPr lvl="1"/>
+            <a:endParaRPr lang="en-US" altLang="ko-KR" dirty="0"/>
+          </a:p>
+          <a:p>
+            <a:pPr lvl="1"/>
+            <a:endParaRPr lang="en-US" altLang="ko-KR" dirty="0"/>
+          </a:p>
+          <a:p>
+            <a:pPr lvl="1"/>
+            <a:endParaRPr lang="en-US" altLang="ko-KR" dirty="0"/>
+          </a:p>
+          <a:p>
+            <a:pPr lvl="1"/>
+            <a:endParaRPr lang="en-US" altLang="ko-KR" dirty="0"/>
+          </a:p>
+          <a:p>
             <a:r>
               <a:rPr lang="en-US" altLang="ko-KR" b="1" dirty="0"/>
-              <a:t> keyword</a:t>
-            </a:r>
+              <a:t>Is there any wiser way?</a:t>
+            </a:r>
+          </a:p>
+          <a:p>
+            <a:pPr lvl="1"/>
+            <a:endParaRPr lang="en-US" altLang="ko-KR" dirty="0"/>
+          </a:p>
+          <a:p>
+            <a:pPr lvl="1"/>
+            <a:endParaRPr lang="en-US" altLang="ko-KR" dirty="0"/>
+          </a:p>
+          <a:p>
+            <a:endParaRPr lang="en-US" altLang="ko-KR" dirty="0"/>
+          </a:p>
+          <a:p>
+            <a:endParaRPr lang="en-US" altLang="ko-KR" dirty="0"/>
           </a:p>
           <a:p>
             <a:endParaRPr lang="ko-KR" altLang="en-US" dirty="0"/>
@@ -20454,7 +20072,7 @@
           <p:cNvPr id="5" name="Picture 4">
             <a:extLst>
               <a:ext uri="{FF2B5EF4-FFF2-40B4-BE49-F238E27FC236}">
-                <a16:creationId xmlns:a16="http://schemas.microsoft.com/office/drawing/2014/main" id="{6DD28640-CDBC-4956-BFFC-7F949DE1C801}"/>
+                <a16:creationId xmlns:a16="http://schemas.microsoft.com/office/drawing/2014/main" id="{4D11385B-7E7C-468B-8C6B-4AF6A7C2D229}"/>
               </a:ext>
             </a:extLst>
           </p:cNvPr>
@@ -20464,219 +20082,25 @@
           <p:nvPr/>
         </p:nvPicPr>
         <p:blipFill>
-          <a:blip r:embed="rId2"/>
+          <a:blip r:embed="rId3"/>
           <a:stretch>
             <a:fillRect/>
           </a:stretch>
         </p:blipFill>
         <p:spPr>
           <a:xfrm>
-            <a:off x="1104398" y="2335660"/>
-            <a:ext cx="8199375" cy="3664229"/>
+            <a:off x="1553964" y="3083496"/>
+            <a:ext cx="4404384" cy="2345706"/>
           </a:xfrm>
           <a:prstGeom prst="rect">
             <a:avLst/>
           </a:prstGeom>
         </p:spPr>
       </p:pic>
-      <p:sp>
-        <p:nvSpPr>
-          <p:cNvPr id="7" name="Rectangle 6">
-            <a:extLst>
-              <a:ext uri="{FF2B5EF4-FFF2-40B4-BE49-F238E27FC236}">
-                <a16:creationId xmlns:a16="http://schemas.microsoft.com/office/drawing/2014/main" id="{ABA0FC96-9CF6-499B-A81C-6901F5EEE485}"/>
-              </a:ext>
-            </a:extLst>
-          </p:cNvPr>
-          <p:cNvSpPr/>
-          <p:nvPr/>
-        </p:nvSpPr>
-        <p:spPr>
-          <a:xfrm>
-            <a:off x="2266596" y="2633596"/>
-            <a:ext cx="7303375" cy="271836"/>
-          </a:xfrm>
-          <a:prstGeom prst="rect">
-            <a:avLst/>
-          </a:prstGeom>
-          <a:noFill/>
-          <a:ln w="28575">
-            <a:solidFill>
-              <a:srgbClr val="FF0000"/>
-            </a:solidFill>
-          </a:ln>
-        </p:spPr>
-        <p:style>
-          <a:lnRef idx="2">
-            <a:schemeClr val="accent6"/>
-          </a:lnRef>
-          <a:fillRef idx="1">
-            <a:schemeClr val="lt1"/>
-          </a:fillRef>
-          <a:effectRef idx="0">
-            <a:schemeClr val="accent6"/>
-          </a:effectRef>
-          <a:fontRef idx="minor">
-            <a:schemeClr val="dk1"/>
-          </a:fontRef>
-        </p:style>
-        <p:txBody>
-          <a:bodyPr rtlCol="0" anchor="ctr"/>
-          <a:lstStyle/>
-          <a:p>
-            <a:pPr algn="ctr"/>
-            <a:endParaRPr lang="ko-KR" altLang="en-US"/>
-          </a:p>
-        </p:txBody>
-      </p:sp>
-      <p:sp>
-        <p:nvSpPr>
-          <p:cNvPr id="9" name="TextBox 8">
-            <a:extLst>
-              <a:ext uri="{FF2B5EF4-FFF2-40B4-BE49-F238E27FC236}">
-                <a16:creationId xmlns:a16="http://schemas.microsoft.com/office/drawing/2014/main" id="{89301B2F-043F-4F35-A795-E9F1333C7B24}"/>
-              </a:ext>
-            </a:extLst>
-          </p:cNvPr>
-          <p:cNvSpPr txBox="1"/>
-          <p:nvPr/>
-        </p:nvSpPr>
-        <p:spPr>
-          <a:xfrm>
-            <a:off x="9185787" y="1988624"/>
-            <a:ext cx="2407920" cy="461665"/>
-          </a:xfrm>
-          <a:prstGeom prst="rect">
-            <a:avLst/>
-          </a:prstGeom>
-          <a:noFill/>
-        </p:spPr>
-        <p:txBody>
-          <a:bodyPr wrap="square" rtlCol="0">
-            <a:spAutoFit/>
-          </a:bodyPr>
-          <a:lstStyle/>
-          <a:p>
-            <a:r>
-              <a:rPr lang="en-US" altLang="ko-KR" sz="2400" b="1" dirty="0">
-                <a:solidFill>
-                  <a:srgbClr val="FF0000"/>
-                </a:solidFill>
-              </a:rPr>
-              <a:t>methods</a:t>
-            </a:r>
-            <a:endParaRPr lang="ko-KR" altLang="en-US" sz="2400" b="1" dirty="0">
-              <a:solidFill>
-                <a:srgbClr val="FF0000"/>
-              </a:solidFill>
-            </a:endParaRPr>
-          </a:p>
-        </p:txBody>
-      </p:sp>
-      <p:sp>
-        <p:nvSpPr>
-          <p:cNvPr id="11" name="Rectangle 10">
-            <a:extLst>
-              <a:ext uri="{FF2B5EF4-FFF2-40B4-BE49-F238E27FC236}">
-                <a16:creationId xmlns:a16="http://schemas.microsoft.com/office/drawing/2014/main" id="{B470BD33-FDF2-482B-9759-1A5BCA2ACCF4}"/>
-              </a:ext>
-            </a:extLst>
-          </p:cNvPr>
-          <p:cNvSpPr/>
-          <p:nvPr/>
-        </p:nvSpPr>
-        <p:spPr>
-          <a:xfrm>
-            <a:off x="2240552" y="4600048"/>
-            <a:ext cx="1918494" cy="271836"/>
-          </a:xfrm>
-          <a:prstGeom prst="rect">
-            <a:avLst/>
-          </a:prstGeom>
-          <a:noFill/>
-          <a:ln w="28575">
-            <a:solidFill>
-              <a:srgbClr val="FF0000"/>
-            </a:solidFill>
-          </a:ln>
-        </p:spPr>
-        <p:style>
-          <a:lnRef idx="2">
-            <a:schemeClr val="accent6"/>
-          </a:lnRef>
-          <a:fillRef idx="1">
-            <a:schemeClr val="lt1"/>
-          </a:fillRef>
-          <a:effectRef idx="0">
-            <a:schemeClr val="accent6"/>
-          </a:effectRef>
-          <a:fontRef idx="minor">
-            <a:schemeClr val="dk1"/>
-          </a:fontRef>
-        </p:style>
-        <p:txBody>
-          <a:bodyPr rtlCol="0" anchor="ctr"/>
-          <a:lstStyle/>
-          <a:p>
-            <a:pPr algn="ctr"/>
-            <a:endParaRPr lang="ko-KR" altLang="en-US"/>
-          </a:p>
-        </p:txBody>
-      </p:sp>
-      <p:sp>
-        <p:nvSpPr>
-          <p:cNvPr id="13" name="Rectangle 12">
-            <a:extLst>
-              <a:ext uri="{FF2B5EF4-FFF2-40B4-BE49-F238E27FC236}">
-                <a16:creationId xmlns:a16="http://schemas.microsoft.com/office/drawing/2014/main" id="{95E7C5E1-0C5E-404A-BE26-97876E32562B}"/>
-              </a:ext>
-            </a:extLst>
-          </p:cNvPr>
-          <p:cNvSpPr/>
-          <p:nvPr/>
-        </p:nvSpPr>
-        <p:spPr>
-          <a:xfrm>
-            <a:off x="2240552" y="5411415"/>
-            <a:ext cx="3540816" cy="271836"/>
-          </a:xfrm>
-          <a:prstGeom prst="rect">
-            <a:avLst/>
-          </a:prstGeom>
-          <a:noFill/>
-          <a:ln w="28575">
-            <a:solidFill>
-              <a:srgbClr val="FF0000"/>
-            </a:solidFill>
-          </a:ln>
-        </p:spPr>
-        <p:style>
-          <a:lnRef idx="2">
-            <a:schemeClr val="accent6"/>
-          </a:lnRef>
-          <a:fillRef idx="1">
-            <a:schemeClr val="lt1"/>
-          </a:fillRef>
-          <a:effectRef idx="0">
-            <a:schemeClr val="accent6"/>
-          </a:effectRef>
-          <a:fontRef idx="minor">
-            <a:schemeClr val="dk1"/>
-          </a:fontRef>
-        </p:style>
-        <p:txBody>
-          <a:bodyPr rtlCol="0" anchor="ctr"/>
-          <a:lstStyle/>
-          <a:p>
-            <a:pPr algn="ctr"/>
-            <a:endParaRPr lang="ko-KR" altLang="en-US"/>
-          </a:p>
-        </p:txBody>
-      </p:sp>
     </p:spTree>
     <p:extLst>
       <p:ext uri="{BB962C8B-B14F-4D97-AF65-F5344CB8AC3E}">
-        <p14:creationId xmlns:p14="http://schemas.microsoft.com/office/powerpoint/2010/main" val="305449634"/>
+        <p14:creationId xmlns:p14="http://schemas.microsoft.com/office/powerpoint/2010/main" val="3903759910"/>
       </p:ext>
     </p:extLst>
   </p:cSld>
@@ -21120,7 +20544,7 @@
           <a:p>
             <a:r>
               <a:rPr lang="en-US" altLang="ko-KR" b="1" dirty="0"/>
-              <a:t>Defining Class [2]</a:t>
+              <a:t>Class [1]</a:t>
             </a:r>
             <a:endParaRPr lang="ko-KR" altLang="en-US" b="1" dirty="0"/>
           </a:p>
@@ -21154,6 +20578,1041 @@
           <a:p>
             <a:r>
               <a:rPr lang="en-US" altLang="ko-KR" b="1" dirty="0"/>
+              <a:t>Class is a frame that contains:</a:t>
+            </a:r>
+          </a:p>
+          <a:p>
+            <a:pPr lvl="1"/>
+            <a:r>
+              <a:rPr lang="en-US" altLang="ko-KR" dirty="0"/>
+              <a:t>Several variables (member variable)</a:t>
+            </a:r>
+          </a:p>
+          <a:p>
+            <a:pPr lvl="1"/>
+            <a:r>
+              <a:rPr lang="en-US" altLang="ko-KR" dirty="0"/>
+              <a:t>Several functions to deal with the data (method)</a:t>
+            </a:r>
+          </a:p>
+          <a:p>
+            <a:pPr lvl="1"/>
+            <a:endParaRPr lang="en-US" altLang="ko-KR" dirty="0"/>
+          </a:p>
+          <a:p>
+            <a:pPr lvl="1"/>
+            <a:endParaRPr lang="en-US" altLang="ko-KR" dirty="0"/>
+          </a:p>
+          <a:p>
+            <a:r>
+              <a:rPr lang="en-US" altLang="ko-KR" b="1" dirty="0"/>
+              <a:t>For example of student…</a:t>
+            </a:r>
+          </a:p>
+          <a:p>
+            <a:pPr lvl="1"/>
+            <a:r>
+              <a:rPr lang="en-US" altLang="ko-KR" dirty="0"/>
+              <a:t>Member variable: name, ID, grade, GPA, …</a:t>
+            </a:r>
+          </a:p>
+          <a:p>
+            <a:pPr lvl="1"/>
+            <a:r>
+              <a:rPr lang="en-US" altLang="ko-KR" dirty="0"/>
+              <a:t>Methods: changing GPA, getting information, increasing grade, …</a:t>
+            </a:r>
+            <a:endParaRPr lang="ko-KR" altLang="en-US" dirty="0"/>
+          </a:p>
+        </p:txBody>
+      </p:sp>
+      <p:sp>
+        <p:nvSpPr>
+          <p:cNvPr id="4" name="Slide Number Placeholder 3">
+            <a:extLst>
+              <a:ext uri="{FF2B5EF4-FFF2-40B4-BE49-F238E27FC236}">
+                <a16:creationId xmlns:a16="http://schemas.microsoft.com/office/drawing/2014/main" id="{A8E0ACFF-FC4D-4DF1-9468-305C9C756C1E}"/>
+              </a:ext>
+            </a:extLst>
+          </p:cNvPr>
+          <p:cNvSpPr>
+            <a:spLocks noGrp="1"/>
+          </p:cNvSpPr>
+          <p:nvPr>
+            <p:ph type="sldNum" sz="quarter" idx="12"/>
+          </p:nvPr>
+        </p:nvSpPr>
+        <p:spPr/>
+        <p:txBody>
+          <a:bodyPr/>
+          <a:lstStyle/>
+          <a:p>
+            <a:fld id="{663C6A4A-F58A-4813-833D-C5F250139976}" type="slidenum">
+              <a:rPr lang="ko-KR" altLang="en-US" smtClean="0"/>
+              <a:t>70</a:t>
+            </a:fld>
+            <a:endParaRPr lang="ko-KR" altLang="en-US"/>
+          </a:p>
+        </p:txBody>
+      </p:sp>
+    </p:spTree>
+    <p:extLst>
+      <p:ext uri="{BB962C8B-B14F-4D97-AF65-F5344CB8AC3E}">
+        <p14:creationId xmlns:p14="http://schemas.microsoft.com/office/powerpoint/2010/main" val="660185655"/>
+      </p:ext>
+    </p:extLst>
+  </p:cSld>
+  <p:clrMapOvr>
+    <a:masterClrMapping/>
+  </p:clrMapOvr>
+</p:sld>
+</file>
+
+<file path=ppt/slides/slide71.xml><?xml version="1.0" encoding="utf-8"?>
+<p:sld xmlns:a="http://schemas.openxmlformats.org/drawingml/2006/main" xmlns:r="http://schemas.openxmlformats.org/officeDocument/2006/relationships" xmlns:p="http://schemas.openxmlformats.org/presentationml/2006/main">
+  <p:cSld>
+    <p:spTree>
+      <p:nvGrpSpPr>
+        <p:cNvPr id="1" name=""/>
+        <p:cNvGrpSpPr/>
+        <p:nvPr/>
+      </p:nvGrpSpPr>
+      <p:grpSpPr>
+        <a:xfrm>
+          <a:off x="0" y="0"/>
+          <a:ext cx="0" cy="0"/>
+          <a:chOff x="0" y="0"/>
+          <a:chExt cx="0" cy="0"/>
+        </a:xfrm>
+      </p:grpSpPr>
+      <p:sp>
+        <p:nvSpPr>
+          <p:cNvPr id="2" name="Title 1">
+            <a:extLst>
+              <a:ext uri="{FF2B5EF4-FFF2-40B4-BE49-F238E27FC236}">
+                <a16:creationId xmlns:a16="http://schemas.microsoft.com/office/drawing/2014/main" id="{84E0151C-5A53-492A-80EF-D4B1BD7339C0}"/>
+              </a:ext>
+            </a:extLst>
+          </p:cNvPr>
+          <p:cNvSpPr>
+            <a:spLocks noGrp="1"/>
+          </p:cNvSpPr>
+          <p:nvPr>
+            <p:ph type="title"/>
+          </p:nvPr>
+        </p:nvSpPr>
+        <p:spPr/>
+        <p:txBody>
+          <a:bodyPr/>
+          <a:lstStyle/>
+          <a:p>
+            <a:r>
+              <a:rPr lang="en-US" altLang="ko-KR" b="1" dirty="0"/>
+              <a:t>Class [2]</a:t>
+            </a:r>
+            <a:endParaRPr lang="ko-KR" altLang="en-US" b="1" dirty="0"/>
+          </a:p>
+        </p:txBody>
+      </p:sp>
+      <p:sp>
+        <p:nvSpPr>
+          <p:cNvPr id="3" name="Content Placeholder 2">
+            <a:extLst>
+              <a:ext uri="{FF2B5EF4-FFF2-40B4-BE49-F238E27FC236}">
+                <a16:creationId xmlns:a16="http://schemas.microsoft.com/office/drawing/2014/main" id="{C8445EA8-93CA-4962-8776-2AC001C9867F}"/>
+              </a:ext>
+            </a:extLst>
+          </p:cNvPr>
+          <p:cNvSpPr>
+            <a:spLocks noGrp="1"/>
+          </p:cNvSpPr>
+          <p:nvPr>
+            <p:ph idx="1"/>
+          </p:nvPr>
+        </p:nvSpPr>
+        <p:spPr>
+          <a:xfrm>
+            <a:off x="838200" y="1825625"/>
+            <a:ext cx="11353800" cy="4351338"/>
+          </a:xfrm>
+        </p:spPr>
+        <p:txBody>
+          <a:bodyPr/>
+          <a:lstStyle/>
+          <a:p>
+            <a:r>
+              <a:rPr lang="en-US" altLang="ko-KR" b="1" dirty="0"/>
+              <a:t>Each instance of class is called “object”</a:t>
+            </a:r>
+          </a:p>
+        </p:txBody>
+      </p:sp>
+      <p:sp>
+        <p:nvSpPr>
+          <p:cNvPr id="4" name="Slide Number Placeholder 3">
+            <a:extLst>
+              <a:ext uri="{FF2B5EF4-FFF2-40B4-BE49-F238E27FC236}">
+                <a16:creationId xmlns:a16="http://schemas.microsoft.com/office/drawing/2014/main" id="{A8E0ACFF-FC4D-4DF1-9468-305C9C756C1E}"/>
+              </a:ext>
+            </a:extLst>
+          </p:cNvPr>
+          <p:cNvSpPr>
+            <a:spLocks noGrp="1"/>
+          </p:cNvSpPr>
+          <p:nvPr>
+            <p:ph type="sldNum" sz="quarter" idx="12"/>
+          </p:nvPr>
+        </p:nvSpPr>
+        <p:spPr/>
+        <p:txBody>
+          <a:bodyPr/>
+          <a:lstStyle/>
+          <a:p>
+            <a:fld id="{663C6A4A-F58A-4813-833D-C5F250139976}" type="slidenum">
+              <a:rPr lang="ko-KR" altLang="en-US" smtClean="0"/>
+              <a:t>71</a:t>
+            </a:fld>
+            <a:endParaRPr lang="ko-KR" altLang="en-US"/>
+          </a:p>
+        </p:txBody>
+      </p:sp>
+      <p:sp>
+        <p:nvSpPr>
+          <p:cNvPr id="5" name="Rectangle 4">
+            <a:extLst>
+              <a:ext uri="{FF2B5EF4-FFF2-40B4-BE49-F238E27FC236}">
+                <a16:creationId xmlns:a16="http://schemas.microsoft.com/office/drawing/2014/main" id="{5A6D229F-36E1-4A54-A0BD-4F8D0ED16260}"/>
+              </a:ext>
+            </a:extLst>
+          </p:cNvPr>
+          <p:cNvSpPr/>
+          <p:nvPr/>
+        </p:nvSpPr>
+        <p:spPr>
+          <a:xfrm>
+            <a:off x="1637072" y="2627336"/>
+            <a:ext cx="3362632" cy="1590704"/>
+          </a:xfrm>
+          <a:prstGeom prst="rect">
+            <a:avLst/>
+          </a:prstGeom>
+          <a:noFill/>
+          <a:ln w="57150">
+            <a:solidFill>
+              <a:schemeClr val="tx1"/>
+            </a:solidFill>
+          </a:ln>
+        </p:spPr>
+        <p:style>
+          <a:lnRef idx="2">
+            <a:schemeClr val="accent1">
+              <a:shade val="50000"/>
+            </a:schemeClr>
+          </a:lnRef>
+          <a:fillRef idx="1">
+            <a:schemeClr val="accent1"/>
+          </a:fillRef>
+          <a:effectRef idx="0">
+            <a:schemeClr val="accent1"/>
+          </a:effectRef>
+          <a:fontRef idx="minor">
+            <a:schemeClr val="lt1"/>
+          </a:fontRef>
+        </p:style>
+        <p:txBody>
+          <a:bodyPr rtlCol="0" anchor="ctr"/>
+          <a:lstStyle/>
+          <a:p>
+            <a:r>
+              <a:rPr lang="en-US" altLang="ko-KR" sz="2000" b="1" dirty="0">
+                <a:solidFill>
+                  <a:schemeClr val="tx1"/>
+                </a:solidFill>
+              </a:rPr>
+              <a:t>Student.name = Adele</a:t>
+            </a:r>
+          </a:p>
+          <a:p>
+            <a:r>
+              <a:rPr lang="en-US" altLang="ko-KR" sz="2000" b="1" dirty="0">
+                <a:solidFill>
+                  <a:schemeClr val="tx1"/>
+                </a:solidFill>
+              </a:rPr>
+              <a:t>Student.ID = 12345</a:t>
+            </a:r>
+          </a:p>
+          <a:p>
+            <a:r>
+              <a:rPr lang="en-US" altLang="ko-KR" sz="2000" b="1" dirty="0" err="1">
+                <a:solidFill>
+                  <a:schemeClr val="tx1"/>
+                </a:solidFill>
+              </a:rPr>
+              <a:t>Student.grade</a:t>
+            </a:r>
+            <a:r>
+              <a:rPr lang="en-US" altLang="ko-KR" sz="2000" b="1" dirty="0">
+                <a:solidFill>
+                  <a:schemeClr val="tx1"/>
+                </a:solidFill>
+              </a:rPr>
+              <a:t> = 1</a:t>
+            </a:r>
+          </a:p>
+          <a:p>
+            <a:r>
+              <a:rPr lang="en-US" altLang="ko-KR" sz="2000" b="1" dirty="0" err="1">
+                <a:solidFill>
+                  <a:schemeClr val="tx1"/>
+                </a:solidFill>
+              </a:rPr>
+              <a:t>Student.GPA</a:t>
+            </a:r>
+            <a:r>
+              <a:rPr lang="en-US" altLang="ko-KR" sz="2000" b="1" dirty="0">
+                <a:solidFill>
+                  <a:schemeClr val="tx1"/>
+                </a:solidFill>
+              </a:rPr>
+              <a:t> = 4.2</a:t>
+            </a:r>
+          </a:p>
+        </p:txBody>
+      </p:sp>
+      <p:sp>
+        <p:nvSpPr>
+          <p:cNvPr id="6" name="TextBox 5">
+            <a:extLst>
+              <a:ext uri="{FF2B5EF4-FFF2-40B4-BE49-F238E27FC236}">
+                <a16:creationId xmlns:a16="http://schemas.microsoft.com/office/drawing/2014/main" id="{D87FA9DD-A759-4808-8F67-01C4CBB426DA}"/>
+              </a:ext>
+            </a:extLst>
+          </p:cNvPr>
+          <p:cNvSpPr txBox="1">
+            <a:spLocks/>
+          </p:cNvSpPr>
+          <p:nvPr/>
+        </p:nvSpPr>
+        <p:spPr>
+          <a:xfrm>
+            <a:off x="1991033" y="2442669"/>
+            <a:ext cx="840657" cy="369334"/>
+          </a:xfrm>
+          <a:prstGeom prst="rect">
+            <a:avLst/>
+          </a:prstGeom>
+          <a:solidFill>
+            <a:schemeClr val="bg1"/>
+          </a:solidFill>
+        </p:spPr>
+        <p:txBody>
+          <a:bodyPr wrap="square" rtlCol="0">
+            <a:spAutoFit/>
+          </a:bodyPr>
+          <a:lstStyle/>
+          <a:p>
+            <a:r>
+              <a:rPr lang="en-US" altLang="ko-KR" b="1" dirty="0"/>
+              <a:t>Adele</a:t>
+            </a:r>
+            <a:endParaRPr lang="ko-KR" altLang="en-US" b="1" dirty="0"/>
+          </a:p>
+        </p:txBody>
+      </p:sp>
+      <p:sp>
+        <p:nvSpPr>
+          <p:cNvPr id="11" name="Rectangle 10">
+            <a:extLst>
+              <a:ext uri="{FF2B5EF4-FFF2-40B4-BE49-F238E27FC236}">
+                <a16:creationId xmlns:a16="http://schemas.microsoft.com/office/drawing/2014/main" id="{24095FF6-E7E8-4B6B-8BBE-A465C3C40708}"/>
+              </a:ext>
+            </a:extLst>
+          </p:cNvPr>
+          <p:cNvSpPr/>
+          <p:nvPr/>
+        </p:nvSpPr>
+        <p:spPr>
+          <a:xfrm>
+            <a:off x="309717" y="4587374"/>
+            <a:ext cx="3362632" cy="1590704"/>
+          </a:xfrm>
+          <a:prstGeom prst="rect">
+            <a:avLst/>
+          </a:prstGeom>
+          <a:noFill/>
+          <a:ln w="57150">
+            <a:solidFill>
+              <a:schemeClr val="tx1"/>
+            </a:solidFill>
+          </a:ln>
+        </p:spPr>
+        <p:style>
+          <a:lnRef idx="2">
+            <a:schemeClr val="accent1">
+              <a:shade val="50000"/>
+            </a:schemeClr>
+          </a:lnRef>
+          <a:fillRef idx="1">
+            <a:schemeClr val="accent1"/>
+          </a:fillRef>
+          <a:effectRef idx="0">
+            <a:schemeClr val="accent1"/>
+          </a:effectRef>
+          <a:fontRef idx="minor">
+            <a:schemeClr val="lt1"/>
+          </a:fontRef>
+        </p:style>
+        <p:txBody>
+          <a:bodyPr rtlCol="0" anchor="ctr"/>
+          <a:lstStyle/>
+          <a:p>
+            <a:r>
+              <a:rPr lang="en-US" altLang="ko-KR" sz="2000" b="1" dirty="0">
+                <a:solidFill>
+                  <a:schemeClr val="tx1"/>
+                </a:solidFill>
+              </a:rPr>
+              <a:t>Student.name = John</a:t>
+            </a:r>
+          </a:p>
+          <a:p>
+            <a:r>
+              <a:rPr lang="en-US" altLang="ko-KR" sz="2000" b="1" dirty="0">
+                <a:solidFill>
+                  <a:schemeClr val="tx1"/>
+                </a:solidFill>
+              </a:rPr>
+              <a:t>Student.ID = 25255</a:t>
+            </a:r>
+          </a:p>
+          <a:p>
+            <a:r>
+              <a:rPr lang="en-US" altLang="ko-KR" sz="2000" b="1" dirty="0" err="1">
+                <a:solidFill>
+                  <a:schemeClr val="tx1"/>
+                </a:solidFill>
+              </a:rPr>
+              <a:t>Student.grade</a:t>
+            </a:r>
+            <a:r>
+              <a:rPr lang="en-US" altLang="ko-KR" sz="2000" b="1" dirty="0">
+                <a:solidFill>
+                  <a:schemeClr val="tx1"/>
+                </a:solidFill>
+              </a:rPr>
+              <a:t> = 2</a:t>
+            </a:r>
+          </a:p>
+          <a:p>
+            <a:r>
+              <a:rPr lang="en-US" altLang="ko-KR" sz="2000" b="1" dirty="0" err="1">
+                <a:solidFill>
+                  <a:schemeClr val="tx1"/>
+                </a:solidFill>
+              </a:rPr>
+              <a:t>Student.GPA</a:t>
+            </a:r>
+            <a:r>
+              <a:rPr lang="en-US" altLang="ko-KR" sz="2000" b="1" dirty="0">
+                <a:solidFill>
+                  <a:schemeClr val="tx1"/>
+                </a:solidFill>
+              </a:rPr>
+              <a:t> = 3.7</a:t>
+            </a:r>
+          </a:p>
+        </p:txBody>
+      </p:sp>
+      <p:sp>
+        <p:nvSpPr>
+          <p:cNvPr id="13" name="TextBox 12">
+            <a:extLst>
+              <a:ext uri="{FF2B5EF4-FFF2-40B4-BE49-F238E27FC236}">
+                <a16:creationId xmlns:a16="http://schemas.microsoft.com/office/drawing/2014/main" id="{DE920EEB-DF0C-4DB4-8341-1673E03D1910}"/>
+              </a:ext>
+            </a:extLst>
+          </p:cNvPr>
+          <p:cNvSpPr txBox="1">
+            <a:spLocks/>
+          </p:cNvSpPr>
+          <p:nvPr/>
+        </p:nvSpPr>
+        <p:spPr>
+          <a:xfrm>
+            <a:off x="663678" y="4402707"/>
+            <a:ext cx="1327355" cy="369332"/>
+          </a:xfrm>
+          <a:prstGeom prst="rect">
+            <a:avLst/>
+          </a:prstGeom>
+          <a:solidFill>
+            <a:schemeClr val="bg1"/>
+          </a:solidFill>
+        </p:spPr>
+        <p:txBody>
+          <a:bodyPr wrap="square" rtlCol="0">
+            <a:spAutoFit/>
+          </a:bodyPr>
+          <a:lstStyle/>
+          <a:p>
+            <a:r>
+              <a:rPr lang="en-US" altLang="ko-KR" b="1" dirty="0"/>
+              <a:t>John Wick</a:t>
+            </a:r>
+            <a:endParaRPr lang="ko-KR" altLang="en-US" b="1" dirty="0"/>
+          </a:p>
+        </p:txBody>
+      </p:sp>
+      <p:sp>
+        <p:nvSpPr>
+          <p:cNvPr id="15" name="Rectangle 14">
+            <a:extLst>
+              <a:ext uri="{FF2B5EF4-FFF2-40B4-BE49-F238E27FC236}">
+                <a16:creationId xmlns:a16="http://schemas.microsoft.com/office/drawing/2014/main" id="{D7D9769D-71C2-4772-8EB0-8454D35AC574}"/>
+              </a:ext>
+            </a:extLst>
+          </p:cNvPr>
+          <p:cNvSpPr/>
+          <p:nvPr/>
+        </p:nvSpPr>
+        <p:spPr>
+          <a:xfrm>
+            <a:off x="5830529" y="2996670"/>
+            <a:ext cx="3362632" cy="1590704"/>
+          </a:xfrm>
+          <a:prstGeom prst="rect">
+            <a:avLst/>
+          </a:prstGeom>
+          <a:noFill/>
+          <a:ln w="57150">
+            <a:solidFill>
+              <a:schemeClr val="tx1"/>
+            </a:solidFill>
+          </a:ln>
+        </p:spPr>
+        <p:style>
+          <a:lnRef idx="2">
+            <a:schemeClr val="accent1">
+              <a:shade val="50000"/>
+            </a:schemeClr>
+          </a:lnRef>
+          <a:fillRef idx="1">
+            <a:schemeClr val="accent1"/>
+          </a:fillRef>
+          <a:effectRef idx="0">
+            <a:schemeClr val="accent1"/>
+          </a:effectRef>
+          <a:fontRef idx="minor">
+            <a:schemeClr val="lt1"/>
+          </a:fontRef>
+        </p:style>
+        <p:txBody>
+          <a:bodyPr rtlCol="0" anchor="ctr"/>
+          <a:lstStyle/>
+          <a:p>
+            <a:r>
+              <a:rPr lang="en-US" altLang="ko-KR" sz="2000" b="1" dirty="0">
+                <a:solidFill>
+                  <a:schemeClr val="tx1"/>
+                </a:solidFill>
+              </a:rPr>
+              <a:t>Student.name = Johnson</a:t>
+            </a:r>
+          </a:p>
+          <a:p>
+            <a:r>
+              <a:rPr lang="en-US" altLang="ko-KR" sz="2000" b="1" dirty="0">
+                <a:solidFill>
+                  <a:schemeClr val="tx1"/>
+                </a:solidFill>
+              </a:rPr>
+              <a:t>Student.ID = 23456</a:t>
+            </a:r>
+          </a:p>
+          <a:p>
+            <a:r>
+              <a:rPr lang="en-US" altLang="ko-KR" sz="2000" b="1" dirty="0" err="1">
+                <a:solidFill>
+                  <a:schemeClr val="tx1"/>
+                </a:solidFill>
+              </a:rPr>
+              <a:t>Student.grade</a:t>
+            </a:r>
+            <a:r>
+              <a:rPr lang="en-US" altLang="ko-KR" sz="2000" b="1" dirty="0">
+                <a:solidFill>
+                  <a:schemeClr val="tx1"/>
+                </a:solidFill>
+              </a:rPr>
+              <a:t> = 4</a:t>
+            </a:r>
+          </a:p>
+          <a:p>
+            <a:r>
+              <a:rPr lang="en-US" altLang="ko-KR" sz="2000" b="1" dirty="0" err="1">
+                <a:solidFill>
+                  <a:schemeClr val="tx1"/>
+                </a:solidFill>
+              </a:rPr>
+              <a:t>Student.GPA</a:t>
+            </a:r>
+            <a:r>
+              <a:rPr lang="en-US" altLang="ko-KR" sz="2000" b="1" dirty="0">
+                <a:solidFill>
+                  <a:schemeClr val="tx1"/>
+                </a:solidFill>
+              </a:rPr>
+              <a:t> = 2.6</a:t>
+            </a:r>
+          </a:p>
+        </p:txBody>
+      </p:sp>
+      <p:sp>
+        <p:nvSpPr>
+          <p:cNvPr id="17" name="TextBox 16">
+            <a:extLst>
+              <a:ext uri="{FF2B5EF4-FFF2-40B4-BE49-F238E27FC236}">
+                <a16:creationId xmlns:a16="http://schemas.microsoft.com/office/drawing/2014/main" id="{662C7379-D4E8-4B33-BA1B-2DF1173BEB05}"/>
+              </a:ext>
+            </a:extLst>
+          </p:cNvPr>
+          <p:cNvSpPr txBox="1">
+            <a:spLocks/>
+          </p:cNvSpPr>
+          <p:nvPr/>
+        </p:nvSpPr>
+        <p:spPr>
+          <a:xfrm>
+            <a:off x="6184490" y="2812002"/>
+            <a:ext cx="1189704" cy="369332"/>
+          </a:xfrm>
+          <a:prstGeom prst="rect">
+            <a:avLst/>
+          </a:prstGeom>
+          <a:solidFill>
+            <a:schemeClr val="bg1"/>
+          </a:solidFill>
+        </p:spPr>
+        <p:txBody>
+          <a:bodyPr wrap="square" rtlCol="0">
+            <a:spAutoFit/>
+          </a:bodyPr>
+          <a:lstStyle/>
+          <a:p>
+            <a:r>
+              <a:rPr lang="en-US" altLang="ko-KR" b="1" dirty="0"/>
+              <a:t>Johnson</a:t>
+            </a:r>
+            <a:endParaRPr lang="ko-KR" altLang="en-US" b="1" dirty="0"/>
+          </a:p>
+        </p:txBody>
+      </p:sp>
+      <p:cxnSp>
+        <p:nvCxnSpPr>
+          <p:cNvPr id="19" name="Straight Arrow Connector 18">
+            <a:extLst>
+              <a:ext uri="{FF2B5EF4-FFF2-40B4-BE49-F238E27FC236}">
+                <a16:creationId xmlns:a16="http://schemas.microsoft.com/office/drawing/2014/main" id="{9FA459FE-27F5-46BC-9EE6-59FF375B84D7}"/>
+              </a:ext>
+            </a:extLst>
+          </p:cNvPr>
+          <p:cNvCxnSpPr>
+            <a:cxnSpLocks/>
+          </p:cNvCxnSpPr>
+          <p:nvPr/>
+        </p:nvCxnSpPr>
+        <p:spPr>
+          <a:xfrm flipV="1">
+            <a:off x="7268496" y="4587373"/>
+            <a:ext cx="0" cy="2270627"/>
+          </a:xfrm>
+          <a:prstGeom prst="straightConnector1">
+            <a:avLst/>
+          </a:prstGeom>
+          <a:ln w="57150">
+            <a:solidFill>
+              <a:schemeClr val="tx1"/>
+            </a:solidFill>
+            <a:tailEnd type="triangle"/>
+          </a:ln>
+        </p:spPr>
+        <p:style>
+          <a:lnRef idx="1">
+            <a:schemeClr val="accent1"/>
+          </a:lnRef>
+          <a:fillRef idx="0">
+            <a:schemeClr val="accent1"/>
+          </a:fillRef>
+          <a:effectRef idx="0">
+            <a:schemeClr val="accent1"/>
+          </a:effectRef>
+          <a:fontRef idx="minor">
+            <a:schemeClr val="tx1"/>
+          </a:fontRef>
+        </p:style>
+      </p:cxnSp>
+      <p:sp>
+        <p:nvSpPr>
+          <p:cNvPr id="24" name="TextBox 23">
+            <a:extLst>
+              <a:ext uri="{FF2B5EF4-FFF2-40B4-BE49-F238E27FC236}">
+                <a16:creationId xmlns:a16="http://schemas.microsoft.com/office/drawing/2014/main" id="{1F30EBE3-8A17-4206-849F-EC423596A5F3}"/>
+              </a:ext>
+            </a:extLst>
+          </p:cNvPr>
+          <p:cNvSpPr txBox="1"/>
+          <p:nvPr/>
+        </p:nvSpPr>
+        <p:spPr>
+          <a:xfrm>
+            <a:off x="5161935" y="4647199"/>
+            <a:ext cx="2407920" cy="338554"/>
+          </a:xfrm>
+          <a:prstGeom prst="rect">
+            <a:avLst/>
+          </a:prstGeom>
+          <a:noFill/>
+        </p:spPr>
+        <p:txBody>
+          <a:bodyPr wrap="square" rtlCol="0">
+            <a:spAutoFit/>
+          </a:bodyPr>
+          <a:lstStyle/>
+          <a:p>
+            <a:r>
+              <a:rPr lang="en-US" altLang="ko-KR" sz="1600" b="1" dirty="0" err="1">
+                <a:latin typeface="Consolas" panose="020B0609020204030204" pitchFamily="49" charset="0"/>
+              </a:rPr>
+              <a:t>Johnson.get_GPA</a:t>
+            </a:r>
+            <a:r>
+              <a:rPr lang="en-US" altLang="ko-KR" sz="1600" b="1" dirty="0">
+                <a:latin typeface="Consolas" panose="020B0609020204030204" pitchFamily="49" charset="0"/>
+              </a:rPr>
+              <a:t>()</a:t>
+            </a:r>
+            <a:endParaRPr lang="ko-KR" altLang="en-US" sz="1600" b="1" dirty="0">
+              <a:latin typeface="Consolas" panose="020B0609020204030204" pitchFamily="49" charset="0"/>
+            </a:endParaRPr>
+          </a:p>
+        </p:txBody>
+      </p:sp>
+      <p:cxnSp>
+        <p:nvCxnSpPr>
+          <p:cNvPr id="25" name="Straight Arrow Connector 24">
+            <a:extLst>
+              <a:ext uri="{FF2B5EF4-FFF2-40B4-BE49-F238E27FC236}">
+                <a16:creationId xmlns:a16="http://schemas.microsoft.com/office/drawing/2014/main" id="{8F0BACB8-8FAF-4F2B-A776-DA7215030E7C}"/>
+              </a:ext>
+            </a:extLst>
+          </p:cNvPr>
+          <p:cNvCxnSpPr>
+            <a:cxnSpLocks/>
+          </p:cNvCxnSpPr>
+          <p:nvPr/>
+        </p:nvCxnSpPr>
+        <p:spPr>
+          <a:xfrm>
+            <a:off x="7742903" y="4587373"/>
+            <a:ext cx="0" cy="2292608"/>
+          </a:xfrm>
+          <a:prstGeom prst="straightConnector1">
+            <a:avLst/>
+          </a:prstGeom>
+          <a:ln w="57150">
+            <a:solidFill>
+              <a:schemeClr val="tx1"/>
+            </a:solidFill>
+            <a:tailEnd type="triangle"/>
+          </a:ln>
+        </p:spPr>
+        <p:style>
+          <a:lnRef idx="1">
+            <a:schemeClr val="accent1"/>
+          </a:lnRef>
+          <a:fillRef idx="0">
+            <a:schemeClr val="accent1"/>
+          </a:fillRef>
+          <a:effectRef idx="0">
+            <a:schemeClr val="accent1"/>
+          </a:effectRef>
+          <a:fontRef idx="minor">
+            <a:schemeClr val="tx1"/>
+          </a:fontRef>
+        </p:style>
+      </p:cxnSp>
+      <p:cxnSp>
+        <p:nvCxnSpPr>
+          <p:cNvPr id="31" name="Straight Arrow Connector 30">
+            <a:extLst>
+              <a:ext uri="{FF2B5EF4-FFF2-40B4-BE49-F238E27FC236}">
+                <a16:creationId xmlns:a16="http://schemas.microsoft.com/office/drawing/2014/main" id="{DCBDA348-E035-4450-AFF0-CA6AE32CE011}"/>
+              </a:ext>
+            </a:extLst>
+          </p:cNvPr>
+          <p:cNvCxnSpPr>
+            <a:cxnSpLocks/>
+          </p:cNvCxnSpPr>
+          <p:nvPr/>
+        </p:nvCxnSpPr>
+        <p:spPr>
+          <a:xfrm flipV="1">
+            <a:off x="4012052" y="4218041"/>
+            <a:ext cx="1" cy="2639959"/>
+          </a:xfrm>
+          <a:prstGeom prst="straightConnector1">
+            <a:avLst/>
+          </a:prstGeom>
+          <a:ln w="57150">
+            <a:solidFill>
+              <a:schemeClr val="tx1"/>
+            </a:solidFill>
+            <a:tailEnd type="triangle"/>
+          </a:ln>
+        </p:spPr>
+        <p:style>
+          <a:lnRef idx="1">
+            <a:schemeClr val="accent1"/>
+          </a:lnRef>
+          <a:fillRef idx="0">
+            <a:schemeClr val="accent1"/>
+          </a:fillRef>
+          <a:effectRef idx="0">
+            <a:schemeClr val="accent1"/>
+          </a:effectRef>
+          <a:fontRef idx="minor">
+            <a:schemeClr val="tx1"/>
+          </a:fontRef>
+        </p:style>
+      </p:cxnSp>
+      <p:sp>
+        <p:nvSpPr>
+          <p:cNvPr id="35" name="TextBox 34">
+            <a:extLst>
+              <a:ext uri="{FF2B5EF4-FFF2-40B4-BE49-F238E27FC236}">
+                <a16:creationId xmlns:a16="http://schemas.microsoft.com/office/drawing/2014/main" id="{7901D710-59C5-4557-87EC-11C18B86D0B8}"/>
+              </a:ext>
+            </a:extLst>
+          </p:cNvPr>
+          <p:cNvSpPr txBox="1"/>
+          <p:nvPr/>
+        </p:nvSpPr>
+        <p:spPr>
+          <a:xfrm>
+            <a:off x="4043762" y="5589142"/>
+            <a:ext cx="2407920" cy="338554"/>
+          </a:xfrm>
+          <a:prstGeom prst="rect">
+            <a:avLst/>
+          </a:prstGeom>
+          <a:noFill/>
+        </p:spPr>
+        <p:txBody>
+          <a:bodyPr wrap="square" rtlCol="0">
+            <a:spAutoFit/>
+          </a:bodyPr>
+          <a:lstStyle/>
+          <a:p>
+            <a:r>
+              <a:rPr lang="en-US" altLang="ko-KR" sz="1600" b="1" dirty="0" err="1">
+                <a:latin typeface="Consolas" panose="020B0609020204030204" pitchFamily="49" charset="0"/>
+              </a:rPr>
+              <a:t>Adele.update_grade</a:t>
+            </a:r>
+            <a:r>
+              <a:rPr lang="en-US" altLang="ko-KR" sz="1600" b="1" dirty="0">
+                <a:latin typeface="Consolas" panose="020B0609020204030204" pitchFamily="49" charset="0"/>
+              </a:rPr>
+              <a:t>(2)</a:t>
+            </a:r>
+            <a:endParaRPr lang="ko-KR" altLang="en-US" sz="1600" b="1" dirty="0">
+              <a:latin typeface="Consolas" panose="020B0609020204030204" pitchFamily="49" charset="0"/>
+            </a:endParaRPr>
+          </a:p>
+        </p:txBody>
+      </p:sp>
+      <p:sp>
+        <p:nvSpPr>
+          <p:cNvPr id="39" name="TextBox 38">
+            <a:extLst>
+              <a:ext uri="{FF2B5EF4-FFF2-40B4-BE49-F238E27FC236}">
+                <a16:creationId xmlns:a16="http://schemas.microsoft.com/office/drawing/2014/main" id="{547C1B46-5D05-4EED-83CE-67086ED65295}"/>
+              </a:ext>
+            </a:extLst>
+          </p:cNvPr>
+          <p:cNvSpPr txBox="1"/>
+          <p:nvPr/>
+        </p:nvSpPr>
+        <p:spPr>
+          <a:xfrm rot="20061984">
+            <a:off x="4317803" y="2668920"/>
+            <a:ext cx="2407920" cy="338554"/>
+          </a:xfrm>
+          <a:prstGeom prst="rect">
+            <a:avLst/>
+          </a:prstGeom>
+          <a:solidFill>
+            <a:srgbClr val="FF0000"/>
+          </a:solidFill>
+        </p:spPr>
+        <p:txBody>
+          <a:bodyPr wrap="square" rtlCol="0">
+            <a:spAutoFit/>
+          </a:bodyPr>
+          <a:lstStyle/>
+          <a:p>
+            <a:r>
+              <a:rPr lang="en-US" altLang="ko-KR" sz="1600" b="1" dirty="0">
+                <a:solidFill>
+                  <a:schemeClr val="bg1"/>
+                </a:solidFill>
+              </a:rPr>
+              <a:t>Change her grade to 2</a:t>
+            </a:r>
+            <a:endParaRPr lang="ko-KR" altLang="en-US" sz="1600" b="1" dirty="0">
+              <a:solidFill>
+                <a:schemeClr val="bg1"/>
+              </a:solidFill>
+              <a:latin typeface="Consolas" panose="020B0609020204030204" pitchFamily="49" charset="0"/>
+            </a:endParaRPr>
+          </a:p>
+        </p:txBody>
+      </p:sp>
+      <p:sp>
+        <p:nvSpPr>
+          <p:cNvPr id="41" name="TextBox 40">
+            <a:extLst>
+              <a:ext uri="{FF2B5EF4-FFF2-40B4-BE49-F238E27FC236}">
+                <a16:creationId xmlns:a16="http://schemas.microsoft.com/office/drawing/2014/main" id="{4613FAB2-DCED-4BBA-A65D-1DE298C34777}"/>
+              </a:ext>
+            </a:extLst>
+          </p:cNvPr>
+          <p:cNvSpPr txBox="1"/>
+          <p:nvPr/>
+        </p:nvSpPr>
+        <p:spPr>
+          <a:xfrm rot="20061984">
+            <a:off x="7949164" y="4647198"/>
+            <a:ext cx="1389838" cy="338554"/>
+          </a:xfrm>
+          <a:prstGeom prst="rect">
+            <a:avLst/>
+          </a:prstGeom>
+          <a:solidFill>
+            <a:srgbClr val="FF0000"/>
+          </a:solidFill>
+        </p:spPr>
+        <p:txBody>
+          <a:bodyPr wrap="square" rtlCol="0">
+            <a:spAutoFit/>
+          </a:bodyPr>
+          <a:lstStyle/>
+          <a:p>
+            <a:r>
+              <a:rPr lang="en-US" altLang="ko-KR" sz="1600" b="1" dirty="0">
+                <a:solidFill>
+                  <a:schemeClr val="bg1"/>
+                </a:solidFill>
+              </a:rPr>
+              <a:t>Return 2.6</a:t>
+            </a:r>
+            <a:endParaRPr lang="ko-KR" altLang="en-US" sz="1600" b="1" dirty="0">
+              <a:solidFill>
+                <a:schemeClr val="bg1"/>
+              </a:solidFill>
+              <a:latin typeface="Consolas" panose="020B0609020204030204" pitchFamily="49" charset="0"/>
+            </a:endParaRPr>
+          </a:p>
+        </p:txBody>
+      </p:sp>
+    </p:spTree>
+    <p:extLst>
+      <p:ext uri="{BB962C8B-B14F-4D97-AF65-F5344CB8AC3E}">
+        <p14:creationId xmlns:p14="http://schemas.microsoft.com/office/powerpoint/2010/main" val="1637434870"/>
+      </p:ext>
+    </p:extLst>
+  </p:cSld>
+  <p:clrMapOvr>
+    <a:masterClrMapping/>
+  </p:clrMapOvr>
+</p:sld>
+</file>
+
+<file path=ppt/slides/slide72.xml><?xml version="1.0" encoding="utf-8"?>
+<p:sld xmlns:a="http://schemas.openxmlformats.org/drawingml/2006/main" xmlns:r="http://schemas.openxmlformats.org/officeDocument/2006/relationships" xmlns:p="http://schemas.openxmlformats.org/presentationml/2006/main">
+  <p:cSld>
+    <p:spTree>
+      <p:nvGrpSpPr>
+        <p:cNvPr id="1" name=""/>
+        <p:cNvGrpSpPr/>
+        <p:nvPr/>
+      </p:nvGrpSpPr>
+      <p:grpSpPr>
+        <a:xfrm>
+          <a:off x="0" y="0"/>
+          <a:ext cx="0" cy="0"/>
+          <a:chOff x="0" y="0"/>
+          <a:chExt cx="0" cy="0"/>
+        </a:xfrm>
+      </p:grpSpPr>
+      <p:sp>
+        <p:nvSpPr>
+          <p:cNvPr id="2" name="Title 1">
+            <a:extLst>
+              <a:ext uri="{FF2B5EF4-FFF2-40B4-BE49-F238E27FC236}">
+                <a16:creationId xmlns:a16="http://schemas.microsoft.com/office/drawing/2014/main" id="{84E0151C-5A53-492A-80EF-D4B1BD7339C0}"/>
+              </a:ext>
+            </a:extLst>
+          </p:cNvPr>
+          <p:cNvSpPr>
+            <a:spLocks noGrp="1"/>
+          </p:cNvSpPr>
+          <p:nvPr>
+            <p:ph type="title"/>
+          </p:nvPr>
+        </p:nvSpPr>
+        <p:spPr/>
+        <p:txBody>
+          <a:bodyPr/>
+          <a:lstStyle/>
+          <a:p>
+            <a:r>
+              <a:rPr lang="en-US" altLang="ko-KR" b="1" dirty="0"/>
+              <a:t>Defining Class [1]</a:t>
+            </a:r>
+            <a:endParaRPr lang="ko-KR" altLang="en-US" b="1" dirty="0"/>
+          </a:p>
+        </p:txBody>
+      </p:sp>
+      <p:sp>
+        <p:nvSpPr>
+          <p:cNvPr id="3" name="Content Placeholder 2">
+            <a:extLst>
+              <a:ext uri="{FF2B5EF4-FFF2-40B4-BE49-F238E27FC236}">
+                <a16:creationId xmlns:a16="http://schemas.microsoft.com/office/drawing/2014/main" id="{C8445EA8-93CA-4962-8776-2AC001C9867F}"/>
+              </a:ext>
+            </a:extLst>
+          </p:cNvPr>
+          <p:cNvSpPr>
+            <a:spLocks noGrp="1"/>
+          </p:cNvSpPr>
+          <p:nvPr>
+            <p:ph idx="1"/>
+          </p:nvPr>
+        </p:nvSpPr>
+        <p:spPr>
+          <a:xfrm>
+            <a:off x="838200" y="1825625"/>
+            <a:ext cx="11353800" cy="4351338"/>
+          </a:xfrm>
+        </p:spPr>
+        <p:txBody>
+          <a:bodyPr/>
+          <a:lstStyle/>
+          <a:p>
+            <a:r>
+              <a:rPr lang="en-US" altLang="ko-KR" b="1" dirty="0"/>
               <a:t>We can define a class with </a:t>
             </a:r>
             <a:r>
@@ -21195,7 +21654,365 @@
           <a:p>
             <a:fld id="{663C6A4A-F58A-4813-833D-C5F250139976}" type="slidenum">
               <a:rPr lang="ko-KR" altLang="en-US" smtClean="0"/>
-              <a:t>70</a:t>
+              <a:t>72</a:t>
+            </a:fld>
+            <a:endParaRPr lang="ko-KR" altLang="en-US"/>
+          </a:p>
+        </p:txBody>
+      </p:sp>
+      <p:pic>
+        <p:nvPicPr>
+          <p:cNvPr id="5" name="Picture 4">
+            <a:extLst>
+              <a:ext uri="{FF2B5EF4-FFF2-40B4-BE49-F238E27FC236}">
+                <a16:creationId xmlns:a16="http://schemas.microsoft.com/office/drawing/2014/main" id="{6DD28640-CDBC-4956-BFFC-7F949DE1C801}"/>
+              </a:ext>
+            </a:extLst>
+          </p:cNvPr>
+          <p:cNvPicPr>
+            <a:picLocks noChangeAspect="1"/>
+          </p:cNvPicPr>
+          <p:nvPr/>
+        </p:nvPicPr>
+        <p:blipFill>
+          <a:blip r:embed="rId2"/>
+          <a:stretch>
+            <a:fillRect/>
+          </a:stretch>
+        </p:blipFill>
+        <p:spPr>
+          <a:xfrm>
+            <a:off x="1104398" y="2335660"/>
+            <a:ext cx="8199375" cy="3664229"/>
+          </a:xfrm>
+          <a:prstGeom prst="rect">
+            <a:avLst/>
+          </a:prstGeom>
+        </p:spPr>
+      </p:pic>
+      <p:sp>
+        <p:nvSpPr>
+          <p:cNvPr id="7" name="Rectangle 6">
+            <a:extLst>
+              <a:ext uri="{FF2B5EF4-FFF2-40B4-BE49-F238E27FC236}">
+                <a16:creationId xmlns:a16="http://schemas.microsoft.com/office/drawing/2014/main" id="{ABA0FC96-9CF6-499B-A81C-6901F5EEE485}"/>
+              </a:ext>
+            </a:extLst>
+          </p:cNvPr>
+          <p:cNvSpPr/>
+          <p:nvPr/>
+        </p:nvSpPr>
+        <p:spPr>
+          <a:xfrm>
+            <a:off x="2266596" y="2633596"/>
+            <a:ext cx="7303375" cy="271836"/>
+          </a:xfrm>
+          <a:prstGeom prst="rect">
+            <a:avLst/>
+          </a:prstGeom>
+          <a:noFill/>
+          <a:ln w="28575">
+            <a:solidFill>
+              <a:srgbClr val="FF0000"/>
+            </a:solidFill>
+          </a:ln>
+        </p:spPr>
+        <p:style>
+          <a:lnRef idx="2">
+            <a:schemeClr val="accent6"/>
+          </a:lnRef>
+          <a:fillRef idx="1">
+            <a:schemeClr val="lt1"/>
+          </a:fillRef>
+          <a:effectRef idx="0">
+            <a:schemeClr val="accent6"/>
+          </a:effectRef>
+          <a:fontRef idx="minor">
+            <a:schemeClr val="dk1"/>
+          </a:fontRef>
+        </p:style>
+        <p:txBody>
+          <a:bodyPr rtlCol="0" anchor="ctr"/>
+          <a:lstStyle/>
+          <a:p>
+            <a:pPr algn="ctr"/>
+            <a:endParaRPr lang="ko-KR" altLang="en-US"/>
+          </a:p>
+        </p:txBody>
+      </p:sp>
+      <p:sp>
+        <p:nvSpPr>
+          <p:cNvPr id="9" name="TextBox 8">
+            <a:extLst>
+              <a:ext uri="{FF2B5EF4-FFF2-40B4-BE49-F238E27FC236}">
+                <a16:creationId xmlns:a16="http://schemas.microsoft.com/office/drawing/2014/main" id="{89301B2F-043F-4F35-A795-E9F1333C7B24}"/>
+              </a:ext>
+            </a:extLst>
+          </p:cNvPr>
+          <p:cNvSpPr txBox="1"/>
+          <p:nvPr/>
+        </p:nvSpPr>
+        <p:spPr>
+          <a:xfrm>
+            <a:off x="9185787" y="1988624"/>
+            <a:ext cx="2407920" cy="461665"/>
+          </a:xfrm>
+          <a:prstGeom prst="rect">
+            <a:avLst/>
+          </a:prstGeom>
+          <a:noFill/>
+        </p:spPr>
+        <p:txBody>
+          <a:bodyPr wrap="square" rtlCol="0">
+            <a:spAutoFit/>
+          </a:bodyPr>
+          <a:lstStyle/>
+          <a:p>
+            <a:r>
+              <a:rPr lang="en-US" altLang="ko-KR" sz="2400" b="1" dirty="0">
+                <a:solidFill>
+                  <a:srgbClr val="FF0000"/>
+                </a:solidFill>
+              </a:rPr>
+              <a:t>methods</a:t>
+            </a:r>
+            <a:endParaRPr lang="ko-KR" altLang="en-US" sz="2400" b="1" dirty="0">
+              <a:solidFill>
+                <a:srgbClr val="FF0000"/>
+              </a:solidFill>
+            </a:endParaRPr>
+          </a:p>
+        </p:txBody>
+      </p:sp>
+      <p:sp>
+        <p:nvSpPr>
+          <p:cNvPr id="11" name="Rectangle 10">
+            <a:extLst>
+              <a:ext uri="{FF2B5EF4-FFF2-40B4-BE49-F238E27FC236}">
+                <a16:creationId xmlns:a16="http://schemas.microsoft.com/office/drawing/2014/main" id="{B470BD33-FDF2-482B-9759-1A5BCA2ACCF4}"/>
+              </a:ext>
+            </a:extLst>
+          </p:cNvPr>
+          <p:cNvSpPr/>
+          <p:nvPr/>
+        </p:nvSpPr>
+        <p:spPr>
+          <a:xfrm>
+            <a:off x="2240552" y="4600048"/>
+            <a:ext cx="1918494" cy="271836"/>
+          </a:xfrm>
+          <a:prstGeom prst="rect">
+            <a:avLst/>
+          </a:prstGeom>
+          <a:noFill/>
+          <a:ln w="28575">
+            <a:solidFill>
+              <a:srgbClr val="FF0000"/>
+            </a:solidFill>
+          </a:ln>
+        </p:spPr>
+        <p:style>
+          <a:lnRef idx="2">
+            <a:schemeClr val="accent6"/>
+          </a:lnRef>
+          <a:fillRef idx="1">
+            <a:schemeClr val="lt1"/>
+          </a:fillRef>
+          <a:effectRef idx="0">
+            <a:schemeClr val="accent6"/>
+          </a:effectRef>
+          <a:fontRef idx="minor">
+            <a:schemeClr val="dk1"/>
+          </a:fontRef>
+        </p:style>
+        <p:txBody>
+          <a:bodyPr rtlCol="0" anchor="ctr"/>
+          <a:lstStyle/>
+          <a:p>
+            <a:pPr algn="ctr"/>
+            <a:endParaRPr lang="ko-KR" altLang="en-US"/>
+          </a:p>
+        </p:txBody>
+      </p:sp>
+      <p:sp>
+        <p:nvSpPr>
+          <p:cNvPr id="13" name="Rectangle 12">
+            <a:extLst>
+              <a:ext uri="{FF2B5EF4-FFF2-40B4-BE49-F238E27FC236}">
+                <a16:creationId xmlns:a16="http://schemas.microsoft.com/office/drawing/2014/main" id="{95E7C5E1-0C5E-404A-BE26-97876E32562B}"/>
+              </a:ext>
+            </a:extLst>
+          </p:cNvPr>
+          <p:cNvSpPr/>
+          <p:nvPr/>
+        </p:nvSpPr>
+        <p:spPr>
+          <a:xfrm>
+            <a:off x="2240552" y="5411415"/>
+            <a:ext cx="3540816" cy="271836"/>
+          </a:xfrm>
+          <a:prstGeom prst="rect">
+            <a:avLst/>
+          </a:prstGeom>
+          <a:noFill/>
+          <a:ln w="28575">
+            <a:solidFill>
+              <a:srgbClr val="FF0000"/>
+            </a:solidFill>
+          </a:ln>
+        </p:spPr>
+        <p:style>
+          <a:lnRef idx="2">
+            <a:schemeClr val="accent6"/>
+          </a:lnRef>
+          <a:fillRef idx="1">
+            <a:schemeClr val="lt1"/>
+          </a:fillRef>
+          <a:effectRef idx="0">
+            <a:schemeClr val="accent6"/>
+          </a:effectRef>
+          <a:fontRef idx="minor">
+            <a:schemeClr val="dk1"/>
+          </a:fontRef>
+        </p:style>
+        <p:txBody>
+          <a:bodyPr rtlCol="0" anchor="ctr"/>
+          <a:lstStyle/>
+          <a:p>
+            <a:pPr algn="ctr"/>
+            <a:endParaRPr lang="ko-KR" altLang="en-US"/>
+          </a:p>
+        </p:txBody>
+      </p:sp>
+    </p:spTree>
+    <p:extLst>
+      <p:ext uri="{BB962C8B-B14F-4D97-AF65-F5344CB8AC3E}">
+        <p14:creationId xmlns:p14="http://schemas.microsoft.com/office/powerpoint/2010/main" val="305449634"/>
+      </p:ext>
+    </p:extLst>
+  </p:cSld>
+  <p:clrMapOvr>
+    <a:masterClrMapping/>
+  </p:clrMapOvr>
+</p:sld>
+</file>
+
+<file path=ppt/slides/slide73.xml><?xml version="1.0" encoding="utf-8"?>
+<p:sld xmlns:a="http://schemas.openxmlformats.org/drawingml/2006/main" xmlns:r="http://schemas.openxmlformats.org/officeDocument/2006/relationships" xmlns:p="http://schemas.openxmlformats.org/presentationml/2006/main">
+  <p:cSld>
+    <p:spTree>
+      <p:nvGrpSpPr>
+        <p:cNvPr id="1" name=""/>
+        <p:cNvGrpSpPr/>
+        <p:nvPr/>
+      </p:nvGrpSpPr>
+      <p:grpSpPr>
+        <a:xfrm>
+          <a:off x="0" y="0"/>
+          <a:ext cx="0" cy="0"/>
+          <a:chOff x="0" y="0"/>
+          <a:chExt cx="0" cy="0"/>
+        </a:xfrm>
+      </p:grpSpPr>
+      <p:sp>
+        <p:nvSpPr>
+          <p:cNvPr id="2" name="Title 1">
+            <a:extLst>
+              <a:ext uri="{FF2B5EF4-FFF2-40B4-BE49-F238E27FC236}">
+                <a16:creationId xmlns:a16="http://schemas.microsoft.com/office/drawing/2014/main" id="{84E0151C-5A53-492A-80EF-D4B1BD7339C0}"/>
+              </a:ext>
+            </a:extLst>
+          </p:cNvPr>
+          <p:cNvSpPr>
+            <a:spLocks noGrp="1"/>
+          </p:cNvSpPr>
+          <p:nvPr>
+            <p:ph type="title"/>
+          </p:nvPr>
+        </p:nvSpPr>
+        <p:spPr/>
+        <p:txBody>
+          <a:bodyPr/>
+          <a:lstStyle/>
+          <a:p>
+            <a:r>
+              <a:rPr lang="en-US" altLang="ko-KR" b="1" dirty="0"/>
+              <a:t>Defining Class [2]</a:t>
+            </a:r>
+            <a:endParaRPr lang="ko-KR" altLang="en-US" b="1" dirty="0"/>
+          </a:p>
+        </p:txBody>
+      </p:sp>
+      <p:sp>
+        <p:nvSpPr>
+          <p:cNvPr id="3" name="Content Placeholder 2">
+            <a:extLst>
+              <a:ext uri="{FF2B5EF4-FFF2-40B4-BE49-F238E27FC236}">
+                <a16:creationId xmlns:a16="http://schemas.microsoft.com/office/drawing/2014/main" id="{C8445EA8-93CA-4962-8776-2AC001C9867F}"/>
+              </a:ext>
+            </a:extLst>
+          </p:cNvPr>
+          <p:cNvSpPr>
+            <a:spLocks noGrp="1"/>
+          </p:cNvSpPr>
+          <p:nvPr>
+            <p:ph idx="1"/>
+          </p:nvPr>
+        </p:nvSpPr>
+        <p:spPr>
+          <a:xfrm>
+            <a:off x="838200" y="1825625"/>
+            <a:ext cx="11353800" cy="4351338"/>
+          </a:xfrm>
+        </p:spPr>
+        <p:txBody>
+          <a:bodyPr/>
+          <a:lstStyle/>
+          <a:p>
+            <a:r>
+              <a:rPr lang="en-US" altLang="ko-KR" b="1" dirty="0"/>
+              <a:t>We can define a class with </a:t>
+            </a:r>
+            <a:r>
+              <a:rPr lang="en-US" altLang="ko-KR" b="1" dirty="0">
+                <a:latin typeface="Consolas" panose="020B0609020204030204" pitchFamily="49" charset="0"/>
+              </a:rPr>
+              <a:t>class</a:t>
+            </a:r>
+            <a:r>
+              <a:rPr lang="en-US" altLang="ko-KR" b="1" dirty="0"/>
+              <a:t> keyword</a:t>
+            </a:r>
+          </a:p>
+          <a:p>
+            <a:endParaRPr lang="ko-KR" altLang="en-US" dirty="0"/>
+          </a:p>
+        </p:txBody>
+      </p:sp>
+      <p:sp>
+        <p:nvSpPr>
+          <p:cNvPr id="4" name="Slide Number Placeholder 3">
+            <a:extLst>
+              <a:ext uri="{FF2B5EF4-FFF2-40B4-BE49-F238E27FC236}">
+                <a16:creationId xmlns:a16="http://schemas.microsoft.com/office/drawing/2014/main" id="{A8E0ACFF-FC4D-4DF1-9468-305C9C756C1E}"/>
+              </a:ext>
+            </a:extLst>
+          </p:cNvPr>
+          <p:cNvSpPr>
+            <a:spLocks noGrp="1"/>
+          </p:cNvSpPr>
+          <p:nvPr>
+            <p:ph type="sldNum" sz="quarter" idx="12"/>
+          </p:nvPr>
+        </p:nvSpPr>
+        <p:spPr/>
+        <p:txBody>
+          <a:bodyPr/>
+          <a:lstStyle/>
+          <a:p>
+            <a:fld id="{663C6A4A-F58A-4813-833D-C5F250139976}" type="slidenum">
+              <a:rPr lang="ko-KR" altLang="en-US" smtClean="0"/>
+              <a:t>73</a:t>
             </a:fld>
             <a:endParaRPr lang="ko-KR" altLang="en-US"/>
           </a:p>
@@ -21448,7 +22265,7 @@
 </p:sld>
 </file>
 
-<file path=ppt/slides/slide71.xml><?xml version="1.0" encoding="utf-8"?>
+<file path=ppt/slides/slide74.xml><?xml version="1.0" encoding="utf-8"?>
 <p:sld xmlns:a="http://schemas.openxmlformats.org/drawingml/2006/main" xmlns:r="http://schemas.openxmlformats.org/officeDocument/2006/relationships" xmlns:p="http://schemas.openxmlformats.org/presentationml/2006/main">
   <p:cSld>
     <p:spTree>
@@ -21563,7 +22380,7 @@
           <a:p>
             <a:fld id="{663C6A4A-F58A-4813-833D-C5F250139976}" type="slidenum">
               <a:rPr lang="ko-KR" altLang="en-US" smtClean="0"/>
-              <a:t>71</a:t>
+              <a:t>74</a:t>
             </a:fld>
             <a:endParaRPr lang="ko-KR" altLang="en-US"/>
           </a:p>
@@ -21706,7 +22523,7 @@
 </p:sld>
 </file>
 
-<file path=ppt/slides/slide72.xml><?xml version="1.0" encoding="utf-8"?>
+<file path=ppt/slides/slide75.xml><?xml version="1.0" encoding="utf-8"?>
 <p:sld xmlns:a="http://schemas.openxmlformats.org/drawingml/2006/main" xmlns:r="http://schemas.openxmlformats.org/officeDocument/2006/relationships" xmlns:p="http://schemas.openxmlformats.org/presentationml/2006/main">
   <p:cSld>
     <p:spTree>
@@ -21821,7 +22638,7 @@
           <a:p>
             <a:fld id="{663C6A4A-F58A-4813-833D-C5F250139976}" type="slidenum">
               <a:rPr lang="ko-KR" altLang="en-US" smtClean="0"/>
-              <a:t>72</a:t>
+              <a:t>75</a:t>
             </a:fld>
             <a:endParaRPr lang="ko-KR" altLang="en-US"/>
           </a:p>
@@ -21964,7 +22781,7 @@
 </p:sld>
 </file>
 
-<file path=ppt/slides/slide73.xml><?xml version="1.0" encoding="utf-8"?>
+<file path=ppt/slides/slide76.xml><?xml version="1.0" encoding="utf-8"?>
 <p:sld xmlns:a="http://schemas.openxmlformats.org/drawingml/2006/main" xmlns:r="http://schemas.openxmlformats.org/officeDocument/2006/relationships" xmlns:p="http://schemas.openxmlformats.org/presentationml/2006/main">
   <p:cSld>
     <p:spTree>
@@ -22113,7 +22930,7 @@
           <a:p>
             <a:fld id="{663C6A4A-F58A-4813-833D-C5F250139976}" type="slidenum">
               <a:rPr lang="ko-KR" altLang="en-US" smtClean="0"/>
-              <a:t>73</a:t>
+              <a:t>76</a:t>
             </a:fld>
             <a:endParaRPr lang="ko-KR" altLang="en-US"/>
           </a:p>
@@ -22192,7 +23009,7 @@
 </p:sld>
 </file>
 
-<file path=ppt/slides/slide74.xml><?xml version="1.0" encoding="utf-8"?>
+<file path=ppt/slides/slide77.xml><?xml version="1.0" encoding="utf-8"?>
 <p:sld xmlns:a="http://schemas.openxmlformats.org/drawingml/2006/main" xmlns:r="http://schemas.openxmlformats.org/officeDocument/2006/relationships" xmlns:p="http://schemas.openxmlformats.org/presentationml/2006/main">
   <p:cSld>
     <p:spTree>
@@ -22362,7 +23179,7 @@
           <a:p>
             <a:fld id="{663C6A4A-F58A-4813-833D-C5F250139976}" type="slidenum">
               <a:rPr lang="ko-KR" altLang="en-US" smtClean="0"/>
-              <a:t>74</a:t>
+              <a:t>77</a:t>
             </a:fld>
             <a:endParaRPr lang="ko-KR" altLang="en-US"/>
           </a:p>
@@ -22441,7 +23258,7 @@
 </p:sld>
 </file>
 
-<file path=ppt/slides/slide75.xml><?xml version="1.0" encoding="utf-8"?>
+<file path=ppt/slides/slide78.xml><?xml version="1.0" encoding="utf-8"?>
 <p:sld xmlns:a="http://schemas.openxmlformats.org/drawingml/2006/main" xmlns:r="http://schemas.openxmlformats.org/officeDocument/2006/relationships" xmlns:p="http://schemas.openxmlformats.org/presentationml/2006/main">
   <p:cSld>
     <p:spTree>
@@ -22615,7 +23432,7 @@
           <a:p>
             <a:fld id="{663C6A4A-F58A-4813-833D-C5F250139976}" type="slidenum">
               <a:rPr lang="ko-KR" altLang="en-US" smtClean="0"/>
-              <a:t>75</a:t>
+              <a:t>78</a:t>
             </a:fld>
             <a:endParaRPr lang="ko-KR" altLang="en-US"/>
           </a:p>
@@ -22694,414 +23511,6 @@
 </p:sld>
 </file>
 
-<file path=ppt/slides/slide76.xml><?xml version="1.0" encoding="utf-8"?>
-<p:sld xmlns:a="http://schemas.openxmlformats.org/drawingml/2006/main" xmlns:r="http://schemas.openxmlformats.org/officeDocument/2006/relationships" xmlns:p="http://schemas.openxmlformats.org/presentationml/2006/main">
-  <p:cSld>
-    <p:spTree>
-      <p:nvGrpSpPr>
-        <p:cNvPr id="1" name=""/>
-        <p:cNvGrpSpPr/>
-        <p:nvPr/>
-      </p:nvGrpSpPr>
-      <p:grpSpPr>
-        <a:xfrm>
-          <a:off x="0" y="0"/>
-          <a:ext cx="0" cy="0"/>
-          <a:chOff x="0" y="0"/>
-          <a:chExt cx="0" cy="0"/>
-        </a:xfrm>
-      </p:grpSpPr>
-      <p:sp>
-        <p:nvSpPr>
-          <p:cNvPr id="2" name="Title 1">
-            <a:extLst>
-              <a:ext uri="{FF2B5EF4-FFF2-40B4-BE49-F238E27FC236}">
-                <a16:creationId xmlns:a16="http://schemas.microsoft.com/office/drawing/2014/main" id="{126564E6-C1EF-4236-A96C-21570EA537DE}"/>
-              </a:ext>
-            </a:extLst>
-          </p:cNvPr>
-          <p:cNvSpPr>
-            <a:spLocks noGrp="1"/>
-          </p:cNvSpPr>
-          <p:nvPr>
-            <p:ph type="title"/>
-          </p:nvPr>
-        </p:nvSpPr>
-        <p:spPr/>
-        <p:txBody>
-          <a:bodyPr/>
-          <a:lstStyle/>
-          <a:p>
-            <a:r>
-              <a:rPr lang="en-US" altLang="ko-KR" b="1" dirty="0"/>
-              <a:t>Exercises</a:t>
-            </a:r>
-            <a:endParaRPr lang="ko-KR" altLang="en-US" b="1" dirty="0"/>
-          </a:p>
-        </p:txBody>
-      </p:sp>
-      <p:sp>
-        <p:nvSpPr>
-          <p:cNvPr id="3" name="Content Placeholder 2">
-            <a:extLst>
-              <a:ext uri="{FF2B5EF4-FFF2-40B4-BE49-F238E27FC236}">
-                <a16:creationId xmlns:a16="http://schemas.microsoft.com/office/drawing/2014/main" id="{57A05DC5-F0E5-42A7-9DEB-D7E5FFEE1286}"/>
-              </a:ext>
-            </a:extLst>
-          </p:cNvPr>
-          <p:cNvSpPr>
-            <a:spLocks noGrp="1"/>
-          </p:cNvSpPr>
-          <p:nvPr>
-            <p:ph idx="1"/>
-          </p:nvPr>
-        </p:nvSpPr>
-        <p:spPr/>
-        <p:txBody>
-          <a:bodyPr/>
-          <a:lstStyle/>
-          <a:p>
-            <a:r>
-              <a:rPr lang="en-US" altLang="ko-KR" b="1" dirty="0"/>
-              <a:t>Some exercises for you are in “exercises”</a:t>
-            </a:r>
-            <a:endParaRPr lang="ko-KR" altLang="en-US" b="1" dirty="0"/>
-          </a:p>
-        </p:txBody>
-      </p:sp>
-      <p:sp>
-        <p:nvSpPr>
-          <p:cNvPr id="4" name="Slide Number Placeholder 3">
-            <a:extLst>
-              <a:ext uri="{FF2B5EF4-FFF2-40B4-BE49-F238E27FC236}">
-                <a16:creationId xmlns:a16="http://schemas.microsoft.com/office/drawing/2014/main" id="{BDD38CDC-AD86-4200-9E8F-CF3557A365A6}"/>
-              </a:ext>
-            </a:extLst>
-          </p:cNvPr>
-          <p:cNvSpPr>
-            <a:spLocks noGrp="1"/>
-          </p:cNvSpPr>
-          <p:nvPr>
-            <p:ph type="sldNum" sz="quarter" idx="12"/>
-          </p:nvPr>
-        </p:nvSpPr>
-        <p:spPr/>
-        <p:txBody>
-          <a:bodyPr/>
-          <a:lstStyle/>
-          <a:p>
-            <a:fld id="{663C6A4A-F58A-4813-833D-C5F250139976}" type="slidenum">
-              <a:rPr lang="ko-KR" altLang="en-US" smtClean="0"/>
-              <a:t>76</a:t>
-            </a:fld>
-            <a:endParaRPr lang="ko-KR" altLang="en-US"/>
-          </a:p>
-        </p:txBody>
-      </p:sp>
-    </p:spTree>
-    <p:extLst>
-      <p:ext uri="{BB962C8B-B14F-4D97-AF65-F5344CB8AC3E}">
-        <p14:creationId xmlns:p14="http://schemas.microsoft.com/office/powerpoint/2010/main" val="3103297760"/>
-      </p:ext>
-    </p:extLst>
-  </p:cSld>
-  <p:clrMapOvr>
-    <a:masterClrMapping/>
-  </p:clrMapOvr>
-</p:sld>
-</file>
-
-<file path=ppt/slides/slide77.xml><?xml version="1.0" encoding="utf-8"?>
-<p:sld xmlns:a="http://schemas.openxmlformats.org/drawingml/2006/main" xmlns:r="http://schemas.openxmlformats.org/officeDocument/2006/relationships" xmlns:p="http://schemas.openxmlformats.org/presentationml/2006/main">
-  <p:cSld>
-    <p:spTree>
-      <p:nvGrpSpPr>
-        <p:cNvPr id="1" name=""/>
-        <p:cNvGrpSpPr/>
-        <p:nvPr/>
-      </p:nvGrpSpPr>
-      <p:grpSpPr>
-        <a:xfrm>
-          <a:off x="0" y="0"/>
-          <a:ext cx="0" cy="0"/>
-          <a:chOff x="0" y="0"/>
-          <a:chExt cx="0" cy="0"/>
-        </a:xfrm>
-      </p:grpSpPr>
-      <p:sp>
-        <p:nvSpPr>
-          <p:cNvPr id="2" name="Title 1">
-            <a:extLst>
-              <a:ext uri="{FF2B5EF4-FFF2-40B4-BE49-F238E27FC236}">
-                <a16:creationId xmlns:a16="http://schemas.microsoft.com/office/drawing/2014/main" id="{84E0151C-5A53-492A-80EF-D4B1BD7339C0}"/>
-              </a:ext>
-            </a:extLst>
-          </p:cNvPr>
-          <p:cNvSpPr>
-            <a:spLocks noGrp="1"/>
-          </p:cNvSpPr>
-          <p:nvPr>
-            <p:ph type="title"/>
-          </p:nvPr>
-        </p:nvSpPr>
-        <p:spPr/>
-        <p:txBody>
-          <a:bodyPr/>
-          <a:lstStyle/>
-          <a:p>
-            <a:r>
-              <a:rPr lang="en-US" altLang="ko-KR" b="1" dirty="0"/>
-              <a:t>Libraries</a:t>
-            </a:r>
-            <a:endParaRPr lang="ko-KR" altLang="en-US" b="1" dirty="0"/>
-          </a:p>
-        </p:txBody>
-      </p:sp>
-      <p:sp>
-        <p:nvSpPr>
-          <p:cNvPr id="3" name="Content Placeholder 2">
-            <a:extLst>
-              <a:ext uri="{FF2B5EF4-FFF2-40B4-BE49-F238E27FC236}">
-                <a16:creationId xmlns:a16="http://schemas.microsoft.com/office/drawing/2014/main" id="{C8445EA8-93CA-4962-8776-2AC001C9867F}"/>
-              </a:ext>
-            </a:extLst>
-          </p:cNvPr>
-          <p:cNvSpPr>
-            <a:spLocks noGrp="1"/>
-          </p:cNvSpPr>
-          <p:nvPr>
-            <p:ph idx="1"/>
-          </p:nvPr>
-        </p:nvSpPr>
-        <p:spPr>
-          <a:xfrm>
-            <a:off x="838200" y="1825625"/>
-            <a:ext cx="10515600" cy="4895850"/>
-          </a:xfrm>
-        </p:spPr>
-        <p:txBody>
-          <a:bodyPr/>
-          <a:lstStyle/>
-          <a:p>
-            <a:r>
-              <a:rPr lang="en-US" altLang="ko-KR" b="1" dirty="0"/>
-              <a:t>To put it simply, library is a collection of data, function, and classes.</a:t>
-            </a:r>
-          </a:p>
-          <a:p>
-            <a:endParaRPr lang="en-US" altLang="ko-KR" b="1" dirty="0"/>
-          </a:p>
-          <a:p>
-            <a:r>
-              <a:rPr lang="en-US" altLang="ko-KR" b="1" dirty="0"/>
-              <a:t>There are many of libraries for many purposes</a:t>
-            </a:r>
-          </a:p>
-          <a:p>
-            <a:pPr lvl="1"/>
-            <a:r>
-              <a:rPr lang="en-US" altLang="ko-KR" dirty="0"/>
-              <a:t>For math</a:t>
-            </a:r>
-          </a:p>
-          <a:p>
-            <a:pPr lvl="1"/>
-            <a:r>
-              <a:rPr lang="en-US" altLang="ko-KR" dirty="0"/>
-              <a:t>For statistics</a:t>
-            </a:r>
-          </a:p>
-          <a:p>
-            <a:pPr lvl="1"/>
-            <a:r>
-              <a:rPr lang="en-US" altLang="ko-KR" dirty="0"/>
-              <a:t>For image processing</a:t>
-            </a:r>
-          </a:p>
-          <a:p>
-            <a:pPr lvl="1"/>
-            <a:r>
-              <a:rPr lang="en-US" altLang="ko-KR" dirty="0"/>
-              <a:t>For AI, ML</a:t>
-            </a:r>
-          </a:p>
-          <a:p>
-            <a:pPr lvl="1"/>
-            <a:r>
-              <a:rPr lang="en-US" altLang="ko-KR" dirty="0"/>
-              <a:t>For game</a:t>
-            </a:r>
-          </a:p>
-          <a:p>
-            <a:pPr lvl="1"/>
-            <a:r>
-              <a:rPr lang="en-US" altLang="ko-KR" dirty="0"/>
-              <a:t>...There’s almost everything we want</a:t>
-            </a:r>
-          </a:p>
-          <a:p>
-            <a:endParaRPr lang="ko-KR" altLang="en-US" dirty="0"/>
-          </a:p>
-        </p:txBody>
-      </p:sp>
-      <p:sp>
-        <p:nvSpPr>
-          <p:cNvPr id="4" name="Slide Number Placeholder 3">
-            <a:extLst>
-              <a:ext uri="{FF2B5EF4-FFF2-40B4-BE49-F238E27FC236}">
-                <a16:creationId xmlns:a16="http://schemas.microsoft.com/office/drawing/2014/main" id="{A8E0ACFF-FC4D-4DF1-9468-305C9C756C1E}"/>
-              </a:ext>
-            </a:extLst>
-          </p:cNvPr>
-          <p:cNvSpPr>
-            <a:spLocks noGrp="1"/>
-          </p:cNvSpPr>
-          <p:nvPr>
-            <p:ph type="sldNum" sz="quarter" idx="12"/>
-          </p:nvPr>
-        </p:nvSpPr>
-        <p:spPr/>
-        <p:txBody>
-          <a:bodyPr/>
-          <a:lstStyle/>
-          <a:p>
-            <a:fld id="{663C6A4A-F58A-4813-833D-C5F250139976}" type="slidenum">
-              <a:rPr lang="ko-KR" altLang="en-US" smtClean="0"/>
-              <a:t>77</a:t>
-            </a:fld>
-            <a:endParaRPr lang="ko-KR" altLang="en-US"/>
-          </a:p>
-        </p:txBody>
-      </p:sp>
-    </p:spTree>
-    <p:extLst>
-      <p:ext uri="{BB962C8B-B14F-4D97-AF65-F5344CB8AC3E}">
-        <p14:creationId xmlns:p14="http://schemas.microsoft.com/office/powerpoint/2010/main" val="3747860643"/>
-      </p:ext>
-    </p:extLst>
-  </p:cSld>
-  <p:clrMapOvr>
-    <a:masterClrMapping/>
-  </p:clrMapOvr>
-</p:sld>
-</file>
-
-<file path=ppt/slides/slide78.xml><?xml version="1.0" encoding="utf-8"?>
-<p:sld xmlns:a="http://schemas.openxmlformats.org/drawingml/2006/main" xmlns:r="http://schemas.openxmlformats.org/officeDocument/2006/relationships" xmlns:p="http://schemas.openxmlformats.org/presentationml/2006/main">
-  <p:cSld>
-    <p:spTree>
-      <p:nvGrpSpPr>
-        <p:cNvPr id="1" name=""/>
-        <p:cNvGrpSpPr/>
-        <p:nvPr/>
-      </p:nvGrpSpPr>
-      <p:grpSpPr>
-        <a:xfrm>
-          <a:off x="0" y="0"/>
-          <a:ext cx="0" cy="0"/>
-          <a:chOff x="0" y="0"/>
-          <a:chExt cx="0" cy="0"/>
-        </a:xfrm>
-      </p:grpSpPr>
-      <p:sp>
-        <p:nvSpPr>
-          <p:cNvPr id="2" name="Title 1">
-            <a:extLst>
-              <a:ext uri="{FF2B5EF4-FFF2-40B4-BE49-F238E27FC236}">
-                <a16:creationId xmlns:a16="http://schemas.microsoft.com/office/drawing/2014/main" id="{84E0151C-5A53-492A-80EF-D4B1BD7339C0}"/>
-              </a:ext>
-            </a:extLst>
-          </p:cNvPr>
-          <p:cNvSpPr>
-            <a:spLocks noGrp="1"/>
-          </p:cNvSpPr>
-          <p:nvPr>
-            <p:ph type="title"/>
-          </p:nvPr>
-        </p:nvSpPr>
-        <p:spPr/>
-        <p:txBody>
-          <a:bodyPr/>
-          <a:lstStyle/>
-          <a:p>
-            <a:r>
-              <a:rPr lang="en-US" altLang="ko-KR" b="1" dirty="0"/>
-              <a:t>Libraries: Motivation [1]</a:t>
-            </a:r>
-            <a:endParaRPr lang="ko-KR" altLang="en-US" b="1" dirty="0"/>
-          </a:p>
-        </p:txBody>
-      </p:sp>
-      <p:sp>
-        <p:nvSpPr>
-          <p:cNvPr id="3" name="Content Placeholder 2">
-            <a:extLst>
-              <a:ext uri="{FF2B5EF4-FFF2-40B4-BE49-F238E27FC236}">
-                <a16:creationId xmlns:a16="http://schemas.microsoft.com/office/drawing/2014/main" id="{C8445EA8-93CA-4962-8776-2AC001C9867F}"/>
-              </a:ext>
-            </a:extLst>
-          </p:cNvPr>
-          <p:cNvSpPr>
-            <a:spLocks noGrp="1"/>
-          </p:cNvSpPr>
-          <p:nvPr>
-            <p:ph idx="1"/>
-          </p:nvPr>
-        </p:nvSpPr>
-        <p:spPr/>
-        <p:txBody>
-          <a:bodyPr/>
-          <a:lstStyle/>
-          <a:p>
-            <a:r>
-              <a:rPr lang="en-US" altLang="ko-KR" b="1" dirty="0"/>
-              <a:t>Why we need libraries?</a:t>
-            </a:r>
-          </a:p>
-        </p:txBody>
-      </p:sp>
-      <p:sp>
-        <p:nvSpPr>
-          <p:cNvPr id="4" name="Slide Number Placeholder 3">
-            <a:extLst>
-              <a:ext uri="{FF2B5EF4-FFF2-40B4-BE49-F238E27FC236}">
-                <a16:creationId xmlns:a16="http://schemas.microsoft.com/office/drawing/2014/main" id="{A8E0ACFF-FC4D-4DF1-9468-305C9C756C1E}"/>
-              </a:ext>
-            </a:extLst>
-          </p:cNvPr>
-          <p:cNvSpPr>
-            <a:spLocks noGrp="1"/>
-          </p:cNvSpPr>
-          <p:nvPr>
-            <p:ph type="sldNum" sz="quarter" idx="12"/>
-          </p:nvPr>
-        </p:nvSpPr>
-        <p:spPr/>
-        <p:txBody>
-          <a:bodyPr/>
-          <a:lstStyle/>
-          <a:p>
-            <a:fld id="{663C6A4A-F58A-4813-833D-C5F250139976}" type="slidenum">
-              <a:rPr lang="ko-KR" altLang="en-US" smtClean="0"/>
-              <a:t>78</a:t>
-            </a:fld>
-            <a:endParaRPr lang="ko-KR" altLang="en-US"/>
-          </a:p>
-        </p:txBody>
-      </p:sp>
-    </p:spTree>
-    <p:extLst>
-      <p:ext uri="{BB962C8B-B14F-4D97-AF65-F5344CB8AC3E}">
-        <p14:creationId xmlns:p14="http://schemas.microsoft.com/office/powerpoint/2010/main" val="791826605"/>
-      </p:ext>
-    </p:extLst>
-  </p:cSld>
-  <p:clrMapOvr>
-    <a:masterClrMapping/>
-  </p:clrMapOvr>
-</p:sld>
-</file>
-
 <file path=ppt/slides/slide79.xml><?xml version="1.0" encoding="utf-8"?>
 <p:sld xmlns:a="http://schemas.openxmlformats.org/drawingml/2006/main" xmlns:r="http://schemas.openxmlformats.org/officeDocument/2006/relationships" xmlns:p="http://schemas.openxmlformats.org/presentationml/2006/main">
   <p:cSld>
@@ -23124,7 +23533,7 @@
           <p:cNvPr id="2" name="Title 1">
             <a:extLst>
               <a:ext uri="{FF2B5EF4-FFF2-40B4-BE49-F238E27FC236}">
-                <a16:creationId xmlns:a16="http://schemas.microsoft.com/office/drawing/2014/main" id="{84E0151C-5A53-492A-80EF-D4B1BD7339C0}"/>
+                <a16:creationId xmlns:a16="http://schemas.microsoft.com/office/drawing/2014/main" id="{126564E6-C1EF-4236-A96C-21570EA537DE}"/>
               </a:ext>
             </a:extLst>
           </p:cNvPr>
@@ -23142,7 +23551,7 @@
           <a:p>
             <a:r>
               <a:rPr lang="en-US" altLang="ko-KR" b="1" dirty="0"/>
-              <a:t>Libraries: Motivation [2]</a:t>
+              <a:t>Exercises</a:t>
             </a:r>
             <a:endParaRPr lang="ko-KR" altLang="en-US" b="1" dirty="0"/>
           </a:p>
@@ -23153,7 +23562,7 @@
           <p:cNvPr id="3" name="Content Placeholder 2">
             <a:extLst>
               <a:ext uri="{FF2B5EF4-FFF2-40B4-BE49-F238E27FC236}">
-                <a16:creationId xmlns:a16="http://schemas.microsoft.com/office/drawing/2014/main" id="{C8445EA8-93CA-4962-8776-2AC001C9867F}"/>
+                <a16:creationId xmlns:a16="http://schemas.microsoft.com/office/drawing/2014/main" id="{57A05DC5-F0E5-42A7-9DEB-D7E5FFEE1286}"/>
               </a:ext>
             </a:extLst>
           </p:cNvPr>
@@ -23171,37 +23580,9 @@
           <a:p>
             <a:r>
               <a:rPr lang="en-US" altLang="ko-KR" b="1" dirty="0"/>
-              <a:t>Why we need libraries?</a:t>
-            </a:r>
-          </a:p>
-          <a:p>
-            <a:endParaRPr lang="en-US" altLang="ko-KR" b="1" dirty="0"/>
-          </a:p>
-          <a:p>
-            <a:r>
-              <a:rPr lang="en-US" altLang="ko-KR" b="1" dirty="0"/>
-              <a:t>Because our time is precious!!</a:t>
-            </a:r>
-          </a:p>
-          <a:p>
-            <a:pPr lvl="1"/>
-            <a:r>
-              <a:rPr lang="en-US" altLang="ko-KR" dirty="0"/>
-              <a:t>We don’t need to implement everything</a:t>
-            </a:r>
-          </a:p>
-          <a:p>
-            <a:pPr lvl="1"/>
-            <a:r>
-              <a:rPr lang="en-US" altLang="ko-KR" dirty="0"/>
-              <a:t>Just use functions made by professional developers!</a:t>
-            </a:r>
-          </a:p>
-          <a:p>
-            <a:pPr marL="0" indent="0">
-              <a:buNone/>
-            </a:pPr>
-            <a:endParaRPr lang="en-US" altLang="ko-KR" dirty="0"/>
+              <a:t>Some exercises for you are in “exercises”</a:t>
+            </a:r>
+            <a:endParaRPr lang="ko-KR" altLang="en-US" b="1" dirty="0"/>
           </a:p>
         </p:txBody>
       </p:sp>
@@ -23210,7 +23591,7 @@
           <p:cNvPr id="4" name="Slide Number Placeholder 3">
             <a:extLst>
               <a:ext uri="{FF2B5EF4-FFF2-40B4-BE49-F238E27FC236}">
-                <a16:creationId xmlns:a16="http://schemas.microsoft.com/office/drawing/2014/main" id="{A8E0ACFF-FC4D-4DF1-9468-305C9C756C1E}"/>
+                <a16:creationId xmlns:a16="http://schemas.microsoft.com/office/drawing/2014/main" id="{BDD38CDC-AD86-4200-9E8F-CF3557A365A6}"/>
               </a:ext>
             </a:extLst>
           </p:cNvPr>
@@ -23237,7 +23618,7 @@
     </p:spTree>
     <p:extLst>
       <p:ext uri="{BB962C8B-B14F-4D97-AF65-F5344CB8AC3E}">
-        <p14:creationId xmlns:p14="http://schemas.microsoft.com/office/powerpoint/2010/main" val="139203891"/>
+        <p14:creationId xmlns:p14="http://schemas.microsoft.com/office/powerpoint/2010/main" val="3103297760"/>
       </p:ext>
     </p:extLst>
   </p:cSld>
@@ -23974,6 +24355,442 @@
           <p:cNvPr id="2" name="Title 1">
             <a:extLst>
               <a:ext uri="{FF2B5EF4-FFF2-40B4-BE49-F238E27FC236}">
+                <a16:creationId xmlns:a16="http://schemas.microsoft.com/office/drawing/2014/main" id="{84E0151C-5A53-492A-80EF-D4B1BD7339C0}"/>
+              </a:ext>
+            </a:extLst>
+          </p:cNvPr>
+          <p:cNvSpPr>
+            <a:spLocks noGrp="1"/>
+          </p:cNvSpPr>
+          <p:nvPr>
+            <p:ph type="title"/>
+          </p:nvPr>
+        </p:nvSpPr>
+        <p:spPr/>
+        <p:txBody>
+          <a:bodyPr/>
+          <a:lstStyle/>
+          <a:p>
+            <a:r>
+              <a:rPr lang="en-US" altLang="ko-KR" b="1" dirty="0"/>
+              <a:t>Libraries</a:t>
+            </a:r>
+            <a:endParaRPr lang="ko-KR" altLang="en-US" b="1" dirty="0"/>
+          </a:p>
+        </p:txBody>
+      </p:sp>
+      <p:sp>
+        <p:nvSpPr>
+          <p:cNvPr id="3" name="Content Placeholder 2">
+            <a:extLst>
+              <a:ext uri="{FF2B5EF4-FFF2-40B4-BE49-F238E27FC236}">
+                <a16:creationId xmlns:a16="http://schemas.microsoft.com/office/drawing/2014/main" id="{C8445EA8-93CA-4962-8776-2AC001C9867F}"/>
+              </a:ext>
+            </a:extLst>
+          </p:cNvPr>
+          <p:cNvSpPr>
+            <a:spLocks noGrp="1"/>
+          </p:cNvSpPr>
+          <p:nvPr>
+            <p:ph idx="1"/>
+          </p:nvPr>
+        </p:nvSpPr>
+        <p:spPr>
+          <a:xfrm>
+            <a:off x="838200" y="1825625"/>
+            <a:ext cx="10515600" cy="4895850"/>
+          </a:xfrm>
+        </p:spPr>
+        <p:txBody>
+          <a:bodyPr/>
+          <a:lstStyle/>
+          <a:p>
+            <a:r>
+              <a:rPr lang="en-US" altLang="ko-KR" b="1" dirty="0"/>
+              <a:t>To put it simply, library is a collection of data, function, and classes.</a:t>
+            </a:r>
+          </a:p>
+          <a:p>
+            <a:endParaRPr lang="en-US" altLang="ko-KR" b="1" dirty="0"/>
+          </a:p>
+          <a:p>
+            <a:r>
+              <a:rPr lang="en-US" altLang="ko-KR" b="1" dirty="0"/>
+              <a:t>There are many of libraries for many purposes</a:t>
+            </a:r>
+          </a:p>
+          <a:p>
+            <a:pPr lvl="1"/>
+            <a:r>
+              <a:rPr lang="en-US" altLang="ko-KR" dirty="0"/>
+              <a:t>For math</a:t>
+            </a:r>
+          </a:p>
+          <a:p>
+            <a:pPr lvl="1"/>
+            <a:r>
+              <a:rPr lang="en-US" altLang="ko-KR" dirty="0"/>
+              <a:t>For statistics</a:t>
+            </a:r>
+          </a:p>
+          <a:p>
+            <a:pPr lvl="1"/>
+            <a:r>
+              <a:rPr lang="en-US" altLang="ko-KR" dirty="0"/>
+              <a:t>For image processing</a:t>
+            </a:r>
+          </a:p>
+          <a:p>
+            <a:pPr lvl="1"/>
+            <a:r>
+              <a:rPr lang="en-US" altLang="ko-KR" dirty="0"/>
+              <a:t>For AI, ML</a:t>
+            </a:r>
+          </a:p>
+          <a:p>
+            <a:pPr lvl="1"/>
+            <a:r>
+              <a:rPr lang="en-US" altLang="ko-KR" dirty="0"/>
+              <a:t>For game</a:t>
+            </a:r>
+          </a:p>
+          <a:p>
+            <a:pPr lvl="1"/>
+            <a:r>
+              <a:rPr lang="en-US" altLang="ko-KR" dirty="0"/>
+              <a:t>...There’s almost everything we want</a:t>
+            </a:r>
+          </a:p>
+          <a:p>
+            <a:endParaRPr lang="ko-KR" altLang="en-US" dirty="0"/>
+          </a:p>
+        </p:txBody>
+      </p:sp>
+      <p:sp>
+        <p:nvSpPr>
+          <p:cNvPr id="4" name="Slide Number Placeholder 3">
+            <a:extLst>
+              <a:ext uri="{FF2B5EF4-FFF2-40B4-BE49-F238E27FC236}">
+                <a16:creationId xmlns:a16="http://schemas.microsoft.com/office/drawing/2014/main" id="{A8E0ACFF-FC4D-4DF1-9468-305C9C756C1E}"/>
+              </a:ext>
+            </a:extLst>
+          </p:cNvPr>
+          <p:cNvSpPr>
+            <a:spLocks noGrp="1"/>
+          </p:cNvSpPr>
+          <p:nvPr>
+            <p:ph type="sldNum" sz="quarter" idx="12"/>
+          </p:nvPr>
+        </p:nvSpPr>
+        <p:spPr/>
+        <p:txBody>
+          <a:bodyPr/>
+          <a:lstStyle/>
+          <a:p>
+            <a:fld id="{663C6A4A-F58A-4813-833D-C5F250139976}" type="slidenum">
+              <a:rPr lang="ko-KR" altLang="en-US" smtClean="0"/>
+              <a:t>80</a:t>
+            </a:fld>
+            <a:endParaRPr lang="ko-KR" altLang="en-US"/>
+          </a:p>
+        </p:txBody>
+      </p:sp>
+    </p:spTree>
+    <p:extLst>
+      <p:ext uri="{BB962C8B-B14F-4D97-AF65-F5344CB8AC3E}">
+        <p14:creationId xmlns:p14="http://schemas.microsoft.com/office/powerpoint/2010/main" val="3747860643"/>
+      </p:ext>
+    </p:extLst>
+  </p:cSld>
+  <p:clrMapOvr>
+    <a:masterClrMapping/>
+  </p:clrMapOvr>
+</p:sld>
+</file>
+
+<file path=ppt/slides/slide81.xml><?xml version="1.0" encoding="utf-8"?>
+<p:sld xmlns:a="http://schemas.openxmlformats.org/drawingml/2006/main" xmlns:r="http://schemas.openxmlformats.org/officeDocument/2006/relationships" xmlns:p="http://schemas.openxmlformats.org/presentationml/2006/main">
+  <p:cSld>
+    <p:spTree>
+      <p:nvGrpSpPr>
+        <p:cNvPr id="1" name=""/>
+        <p:cNvGrpSpPr/>
+        <p:nvPr/>
+      </p:nvGrpSpPr>
+      <p:grpSpPr>
+        <a:xfrm>
+          <a:off x="0" y="0"/>
+          <a:ext cx="0" cy="0"/>
+          <a:chOff x="0" y="0"/>
+          <a:chExt cx="0" cy="0"/>
+        </a:xfrm>
+      </p:grpSpPr>
+      <p:sp>
+        <p:nvSpPr>
+          <p:cNvPr id="2" name="Title 1">
+            <a:extLst>
+              <a:ext uri="{FF2B5EF4-FFF2-40B4-BE49-F238E27FC236}">
+                <a16:creationId xmlns:a16="http://schemas.microsoft.com/office/drawing/2014/main" id="{84E0151C-5A53-492A-80EF-D4B1BD7339C0}"/>
+              </a:ext>
+            </a:extLst>
+          </p:cNvPr>
+          <p:cNvSpPr>
+            <a:spLocks noGrp="1"/>
+          </p:cNvSpPr>
+          <p:nvPr>
+            <p:ph type="title"/>
+          </p:nvPr>
+        </p:nvSpPr>
+        <p:spPr/>
+        <p:txBody>
+          <a:bodyPr/>
+          <a:lstStyle/>
+          <a:p>
+            <a:r>
+              <a:rPr lang="en-US" altLang="ko-KR" b="1" dirty="0"/>
+              <a:t>Libraries: Motivation [1]</a:t>
+            </a:r>
+            <a:endParaRPr lang="ko-KR" altLang="en-US" b="1" dirty="0"/>
+          </a:p>
+        </p:txBody>
+      </p:sp>
+      <p:sp>
+        <p:nvSpPr>
+          <p:cNvPr id="3" name="Content Placeholder 2">
+            <a:extLst>
+              <a:ext uri="{FF2B5EF4-FFF2-40B4-BE49-F238E27FC236}">
+                <a16:creationId xmlns:a16="http://schemas.microsoft.com/office/drawing/2014/main" id="{C8445EA8-93CA-4962-8776-2AC001C9867F}"/>
+              </a:ext>
+            </a:extLst>
+          </p:cNvPr>
+          <p:cNvSpPr>
+            <a:spLocks noGrp="1"/>
+          </p:cNvSpPr>
+          <p:nvPr>
+            <p:ph idx="1"/>
+          </p:nvPr>
+        </p:nvSpPr>
+        <p:spPr/>
+        <p:txBody>
+          <a:bodyPr/>
+          <a:lstStyle/>
+          <a:p>
+            <a:r>
+              <a:rPr lang="en-US" altLang="ko-KR" b="1" dirty="0"/>
+              <a:t>Why we need libraries?</a:t>
+            </a:r>
+          </a:p>
+        </p:txBody>
+      </p:sp>
+      <p:sp>
+        <p:nvSpPr>
+          <p:cNvPr id="4" name="Slide Number Placeholder 3">
+            <a:extLst>
+              <a:ext uri="{FF2B5EF4-FFF2-40B4-BE49-F238E27FC236}">
+                <a16:creationId xmlns:a16="http://schemas.microsoft.com/office/drawing/2014/main" id="{A8E0ACFF-FC4D-4DF1-9468-305C9C756C1E}"/>
+              </a:ext>
+            </a:extLst>
+          </p:cNvPr>
+          <p:cNvSpPr>
+            <a:spLocks noGrp="1"/>
+          </p:cNvSpPr>
+          <p:nvPr>
+            <p:ph type="sldNum" sz="quarter" idx="12"/>
+          </p:nvPr>
+        </p:nvSpPr>
+        <p:spPr/>
+        <p:txBody>
+          <a:bodyPr/>
+          <a:lstStyle/>
+          <a:p>
+            <a:fld id="{663C6A4A-F58A-4813-833D-C5F250139976}" type="slidenum">
+              <a:rPr lang="ko-KR" altLang="en-US" smtClean="0"/>
+              <a:t>81</a:t>
+            </a:fld>
+            <a:endParaRPr lang="ko-KR" altLang="en-US"/>
+          </a:p>
+        </p:txBody>
+      </p:sp>
+    </p:spTree>
+    <p:extLst>
+      <p:ext uri="{BB962C8B-B14F-4D97-AF65-F5344CB8AC3E}">
+        <p14:creationId xmlns:p14="http://schemas.microsoft.com/office/powerpoint/2010/main" val="791826605"/>
+      </p:ext>
+    </p:extLst>
+  </p:cSld>
+  <p:clrMapOvr>
+    <a:masterClrMapping/>
+  </p:clrMapOvr>
+</p:sld>
+</file>
+
+<file path=ppt/slides/slide82.xml><?xml version="1.0" encoding="utf-8"?>
+<p:sld xmlns:a="http://schemas.openxmlformats.org/drawingml/2006/main" xmlns:r="http://schemas.openxmlformats.org/officeDocument/2006/relationships" xmlns:p="http://schemas.openxmlformats.org/presentationml/2006/main">
+  <p:cSld>
+    <p:spTree>
+      <p:nvGrpSpPr>
+        <p:cNvPr id="1" name=""/>
+        <p:cNvGrpSpPr/>
+        <p:nvPr/>
+      </p:nvGrpSpPr>
+      <p:grpSpPr>
+        <a:xfrm>
+          <a:off x="0" y="0"/>
+          <a:ext cx="0" cy="0"/>
+          <a:chOff x="0" y="0"/>
+          <a:chExt cx="0" cy="0"/>
+        </a:xfrm>
+      </p:grpSpPr>
+      <p:sp>
+        <p:nvSpPr>
+          <p:cNvPr id="2" name="Title 1">
+            <a:extLst>
+              <a:ext uri="{FF2B5EF4-FFF2-40B4-BE49-F238E27FC236}">
+                <a16:creationId xmlns:a16="http://schemas.microsoft.com/office/drawing/2014/main" id="{84E0151C-5A53-492A-80EF-D4B1BD7339C0}"/>
+              </a:ext>
+            </a:extLst>
+          </p:cNvPr>
+          <p:cNvSpPr>
+            <a:spLocks noGrp="1"/>
+          </p:cNvSpPr>
+          <p:nvPr>
+            <p:ph type="title"/>
+          </p:nvPr>
+        </p:nvSpPr>
+        <p:spPr/>
+        <p:txBody>
+          <a:bodyPr/>
+          <a:lstStyle/>
+          <a:p>
+            <a:r>
+              <a:rPr lang="en-US" altLang="ko-KR" b="1" dirty="0"/>
+              <a:t>Libraries: Motivation [2]</a:t>
+            </a:r>
+            <a:endParaRPr lang="ko-KR" altLang="en-US" b="1" dirty="0"/>
+          </a:p>
+        </p:txBody>
+      </p:sp>
+      <p:sp>
+        <p:nvSpPr>
+          <p:cNvPr id="3" name="Content Placeholder 2">
+            <a:extLst>
+              <a:ext uri="{FF2B5EF4-FFF2-40B4-BE49-F238E27FC236}">
+                <a16:creationId xmlns:a16="http://schemas.microsoft.com/office/drawing/2014/main" id="{C8445EA8-93CA-4962-8776-2AC001C9867F}"/>
+              </a:ext>
+            </a:extLst>
+          </p:cNvPr>
+          <p:cNvSpPr>
+            <a:spLocks noGrp="1"/>
+          </p:cNvSpPr>
+          <p:nvPr>
+            <p:ph idx="1"/>
+          </p:nvPr>
+        </p:nvSpPr>
+        <p:spPr/>
+        <p:txBody>
+          <a:bodyPr/>
+          <a:lstStyle/>
+          <a:p>
+            <a:r>
+              <a:rPr lang="en-US" altLang="ko-KR" b="1" dirty="0"/>
+              <a:t>Why we need libraries?</a:t>
+            </a:r>
+          </a:p>
+          <a:p>
+            <a:endParaRPr lang="en-US" altLang="ko-KR" b="1" dirty="0"/>
+          </a:p>
+          <a:p>
+            <a:r>
+              <a:rPr lang="en-US" altLang="ko-KR" b="1" dirty="0"/>
+              <a:t>Because our time is precious!!</a:t>
+            </a:r>
+          </a:p>
+          <a:p>
+            <a:pPr lvl="1"/>
+            <a:r>
+              <a:rPr lang="en-US" altLang="ko-KR" dirty="0"/>
+              <a:t>We don’t need to implement everything</a:t>
+            </a:r>
+          </a:p>
+          <a:p>
+            <a:pPr lvl="1"/>
+            <a:r>
+              <a:rPr lang="en-US" altLang="ko-KR" dirty="0"/>
+              <a:t>Just use functions made by professional developers!</a:t>
+            </a:r>
+          </a:p>
+          <a:p>
+            <a:pPr marL="0" indent="0">
+              <a:buNone/>
+            </a:pPr>
+            <a:endParaRPr lang="en-US" altLang="ko-KR" dirty="0"/>
+          </a:p>
+        </p:txBody>
+      </p:sp>
+      <p:sp>
+        <p:nvSpPr>
+          <p:cNvPr id="4" name="Slide Number Placeholder 3">
+            <a:extLst>
+              <a:ext uri="{FF2B5EF4-FFF2-40B4-BE49-F238E27FC236}">
+                <a16:creationId xmlns:a16="http://schemas.microsoft.com/office/drawing/2014/main" id="{A8E0ACFF-FC4D-4DF1-9468-305C9C756C1E}"/>
+              </a:ext>
+            </a:extLst>
+          </p:cNvPr>
+          <p:cNvSpPr>
+            <a:spLocks noGrp="1"/>
+          </p:cNvSpPr>
+          <p:nvPr>
+            <p:ph type="sldNum" sz="quarter" idx="12"/>
+          </p:nvPr>
+        </p:nvSpPr>
+        <p:spPr/>
+        <p:txBody>
+          <a:bodyPr/>
+          <a:lstStyle/>
+          <a:p>
+            <a:fld id="{663C6A4A-F58A-4813-833D-C5F250139976}" type="slidenum">
+              <a:rPr lang="ko-KR" altLang="en-US" smtClean="0"/>
+              <a:t>82</a:t>
+            </a:fld>
+            <a:endParaRPr lang="ko-KR" altLang="en-US"/>
+          </a:p>
+        </p:txBody>
+      </p:sp>
+    </p:spTree>
+    <p:extLst>
+      <p:ext uri="{BB962C8B-B14F-4D97-AF65-F5344CB8AC3E}">
+        <p14:creationId xmlns:p14="http://schemas.microsoft.com/office/powerpoint/2010/main" val="139203891"/>
+      </p:ext>
+    </p:extLst>
+  </p:cSld>
+  <p:clrMapOvr>
+    <a:masterClrMapping/>
+  </p:clrMapOvr>
+</p:sld>
+</file>
+
+<file path=ppt/slides/slide83.xml><?xml version="1.0" encoding="utf-8"?>
+<p:sld xmlns:a="http://schemas.openxmlformats.org/drawingml/2006/main" xmlns:r="http://schemas.openxmlformats.org/officeDocument/2006/relationships" xmlns:p="http://schemas.openxmlformats.org/presentationml/2006/main">
+  <p:cSld>
+    <p:spTree>
+      <p:nvGrpSpPr>
+        <p:cNvPr id="1" name=""/>
+        <p:cNvGrpSpPr/>
+        <p:nvPr/>
+      </p:nvGrpSpPr>
+      <p:grpSpPr>
+        <a:xfrm>
+          <a:off x="0" y="0"/>
+          <a:ext cx="0" cy="0"/>
+          <a:chOff x="0" y="0"/>
+          <a:chExt cx="0" cy="0"/>
+        </a:xfrm>
+      </p:grpSpPr>
+      <p:sp>
+        <p:nvSpPr>
+          <p:cNvPr id="2" name="Title 1">
+            <a:extLst>
+              <a:ext uri="{FF2B5EF4-FFF2-40B4-BE49-F238E27FC236}">
                 <a16:creationId xmlns:a16="http://schemas.microsoft.com/office/drawing/2014/main" id="{8C936477-C007-4C40-ADD3-DA7EFCCCD2B1}"/>
               </a:ext>
             </a:extLst>
@@ -24091,7 +24908,7 @@
           <a:p>
             <a:fld id="{663C6A4A-F58A-4813-833D-C5F250139976}" type="slidenum">
               <a:rPr lang="ko-KR" altLang="en-US" smtClean="0"/>
-              <a:t>80</a:t>
+              <a:t>83</a:t>
             </a:fld>
             <a:endParaRPr lang="ko-KR" altLang="en-US"/>
           </a:p>
@@ -24169,7 +24986,7 @@
 </p:sld>
 </file>
 
-<file path=ppt/slides/slide81.xml><?xml version="1.0" encoding="utf-8"?>
+<file path=ppt/slides/slide84.xml><?xml version="1.0" encoding="utf-8"?>
 <p:sld xmlns:a="http://schemas.openxmlformats.org/drawingml/2006/main" xmlns:r="http://schemas.openxmlformats.org/officeDocument/2006/relationships" xmlns:p="http://schemas.openxmlformats.org/presentationml/2006/main">
   <p:cSld>
     <p:spTree>
@@ -24323,7 +25140,7 @@
           <a:p>
             <a:fld id="{663C6A4A-F58A-4813-833D-C5F250139976}" type="slidenum">
               <a:rPr lang="ko-KR" altLang="en-US" smtClean="0"/>
-              <a:t>81</a:t>
+              <a:t>84</a:t>
             </a:fld>
             <a:endParaRPr lang="ko-KR" altLang="en-US"/>
           </a:p>
@@ -24462,7 +25279,7 @@
 </p:sld>
 </file>
 
-<file path=ppt/slides/slide82.xml><?xml version="1.0" encoding="utf-8"?>
+<file path=ppt/slides/slide85.xml><?xml version="1.0" encoding="utf-8"?>
 <p:sld xmlns:a="http://schemas.openxmlformats.org/drawingml/2006/main" xmlns:r="http://schemas.openxmlformats.org/officeDocument/2006/relationships" xmlns:p="http://schemas.openxmlformats.org/presentationml/2006/main">
   <p:cSld>
     <p:spTree>
@@ -24607,7 +25424,7 @@
           <a:p>
             <a:fld id="{663C6A4A-F58A-4813-833D-C5F250139976}" type="slidenum">
               <a:rPr lang="ko-KR" altLang="en-US" smtClean="0"/>
-              <a:t>82</a:t>
+              <a:t>85</a:t>
             </a:fld>
             <a:endParaRPr lang="ko-KR" altLang="en-US"/>
           </a:p>
@@ -24656,7 +25473,7 @@
 </p:sld>
 </file>
 
-<file path=ppt/slides/slide83.xml><?xml version="1.0" encoding="utf-8"?>
+<file path=ppt/slides/slide86.xml><?xml version="1.0" encoding="utf-8"?>
 <p:sld xmlns:a="http://schemas.openxmlformats.org/drawingml/2006/main" xmlns:r="http://schemas.openxmlformats.org/officeDocument/2006/relationships" xmlns:p="http://schemas.openxmlformats.org/presentationml/2006/main">
   <p:cSld>
     <p:spTree>
@@ -24816,7 +25633,7 @@
           <a:p>
             <a:fld id="{663C6A4A-F58A-4813-833D-C5F250139976}" type="slidenum">
               <a:rPr lang="ko-KR" altLang="en-US" smtClean="0"/>
-              <a:t>83</a:t>
+              <a:t>86</a:t>
             </a:fld>
             <a:endParaRPr lang="ko-KR" altLang="en-US"/>
           </a:p>
@@ -24954,7 +25771,7 @@
 </p:sld>
 </file>
 
-<file path=ppt/slides/slide84.xml><?xml version="1.0" encoding="utf-8"?>
+<file path=ppt/slides/slide87.xml><?xml version="1.0" encoding="utf-8"?>
 <p:sld xmlns:a="http://schemas.openxmlformats.org/drawingml/2006/main" xmlns:r="http://schemas.openxmlformats.org/officeDocument/2006/relationships" xmlns:p="http://schemas.openxmlformats.org/presentationml/2006/main">
   <p:cSld>
     <p:spTree>
@@ -25061,7 +25878,7 @@
           <a:p>
             <a:fld id="{663C6A4A-F58A-4813-833D-C5F250139976}" type="slidenum">
               <a:rPr lang="ko-KR" altLang="en-US" smtClean="0"/>
-              <a:t>84</a:t>
+              <a:t>87</a:t>
             </a:fld>
             <a:endParaRPr lang="ko-KR" altLang="en-US"/>
           </a:p>
@@ -25140,7 +25957,7 @@
 </p:sld>
 </file>
 
-<file path=ppt/slides/slide85.xml><?xml version="1.0" encoding="utf-8"?>
+<file path=ppt/slides/slide88.xml><?xml version="1.0" encoding="utf-8"?>
 <p:sld xmlns:a="http://schemas.openxmlformats.org/drawingml/2006/main" xmlns:r="http://schemas.openxmlformats.org/officeDocument/2006/relationships" xmlns:p="http://schemas.openxmlformats.org/presentationml/2006/main">
   <p:cSld>
     <p:spTree>
@@ -25257,7 +26074,7 @@
           <a:p>
             <a:fld id="{663C6A4A-F58A-4813-833D-C5F250139976}" type="slidenum">
               <a:rPr lang="ko-KR" altLang="en-US" smtClean="0"/>
-              <a:t>85</a:t>
+              <a:t>88</a:t>
             </a:fld>
             <a:endParaRPr lang="ko-KR" altLang="en-US"/>
           </a:p>
@@ -25336,7 +26153,7 @@
 </p:sld>
 </file>
 
-<file path=ppt/slides/slide86.xml><?xml version="1.0" encoding="utf-8"?>
+<file path=ppt/slides/slide89.xml><?xml version="1.0" encoding="utf-8"?>
 <p:sld xmlns:a="http://schemas.openxmlformats.org/drawingml/2006/main" xmlns:r="http://schemas.openxmlformats.org/officeDocument/2006/relationships" xmlns:p="http://schemas.openxmlformats.org/presentationml/2006/main">
   <p:cSld>
     <p:spTree>
@@ -25434,7 +26251,7 @@
           <a:p>
             <a:fld id="{663C6A4A-F58A-4813-833D-C5F250139976}" type="slidenum">
               <a:rPr lang="ko-KR" altLang="en-US" smtClean="0"/>
-              <a:t>86</a:t>
+              <a:t>89</a:t>
             </a:fld>
             <a:endParaRPr lang="ko-KR" altLang="en-US"/>
           </a:p>
@@ -25444,306 +26261,6 @@
     <p:extLst>
       <p:ext uri="{BB962C8B-B14F-4D97-AF65-F5344CB8AC3E}">
         <p14:creationId xmlns:p14="http://schemas.microsoft.com/office/powerpoint/2010/main" val="3286298428"/>
-      </p:ext>
-    </p:extLst>
-  </p:cSld>
-  <p:clrMapOvr>
-    <a:masterClrMapping/>
-  </p:clrMapOvr>
-</p:sld>
-</file>
-
-<file path=ppt/slides/slide87.xml><?xml version="1.0" encoding="utf-8"?>
-<p:sld xmlns:a="http://schemas.openxmlformats.org/drawingml/2006/main" xmlns:r="http://schemas.openxmlformats.org/officeDocument/2006/relationships" xmlns:p="http://schemas.openxmlformats.org/presentationml/2006/main">
-  <p:cSld>
-    <p:spTree>
-      <p:nvGrpSpPr>
-        <p:cNvPr id="1" name=""/>
-        <p:cNvGrpSpPr/>
-        <p:nvPr/>
-      </p:nvGrpSpPr>
-      <p:grpSpPr>
-        <a:xfrm>
-          <a:off x="0" y="0"/>
-          <a:ext cx="0" cy="0"/>
-          <a:chOff x="0" y="0"/>
-          <a:chExt cx="0" cy="0"/>
-        </a:xfrm>
-      </p:grpSpPr>
-      <p:sp>
-        <p:nvSpPr>
-          <p:cNvPr id="2" name="Title 1">
-            <a:extLst>
-              <a:ext uri="{FF2B5EF4-FFF2-40B4-BE49-F238E27FC236}">
-                <a16:creationId xmlns:a16="http://schemas.microsoft.com/office/drawing/2014/main" id="{E0280223-494C-4BF2-8D1C-553F710C8CF5}"/>
-              </a:ext>
-            </a:extLst>
-          </p:cNvPr>
-          <p:cNvSpPr>
-            <a:spLocks noGrp="1"/>
-          </p:cNvSpPr>
-          <p:nvPr>
-            <p:ph type="title"/>
-          </p:nvPr>
-        </p:nvSpPr>
-        <p:spPr/>
-        <p:txBody>
-          <a:bodyPr/>
-          <a:lstStyle/>
-          <a:p>
-            <a:r>
-              <a:rPr lang="en-US" altLang="ko-KR" b="1" dirty="0"/>
-              <a:t>In the Real-time Class…</a:t>
-            </a:r>
-            <a:endParaRPr lang="ko-KR" altLang="en-US" b="1" dirty="0"/>
-          </a:p>
-        </p:txBody>
-      </p:sp>
-      <p:sp>
-        <p:nvSpPr>
-          <p:cNvPr id="3" name="Content Placeholder 2">
-            <a:extLst>
-              <a:ext uri="{FF2B5EF4-FFF2-40B4-BE49-F238E27FC236}">
-                <a16:creationId xmlns:a16="http://schemas.microsoft.com/office/drawing/2014/main" id="{73A80172-1833-499C-92C8-71D421C3E037}"/>
-              </a:ext>
-            </a:extLst>
-          </p:cNvPr>
-          <p:cNvSpPr>
-            <a:spLocks noGrp="1"/>
-          </p:cNvSpPr>
-          <p:nvPr>
-            <p:ph idx="1"/>
-          </p:nvPr>
-        </p:nvSpPr>
-        <p:spPr/>
-        <p:txBody>
-          <a:bodyPr/>
-          <a:lstStyle/>
-          <a:p>
-            <a:r>
-              <a:rPr lang="en-US" altLang="ko-KR" b="1" dirty="0"/>
-              <a:t>We will have a lab session (mini project)</a:t>
-            </a:r>
-          </a:p>
-          <a:p>
-            <a:pPr lvl="1"/>
-            <a:r>
-              <a:rPr lang="en-US" altLang="ko-KR" dirty="0"/>
-              <a:t>We will upload the material as soon as possible</a:t>
-            </a:r>
-          </a:p>
-          <a:p>
-            <a:pPr lvl="1"/>
-            <a:endParaRPr lang="en-US" altLang="ko-KR" dirty="0"/>
-          </a:p>
-          <a:p>
-            <a:r>
-              <a:rPr lang="en-US" altLang="ko-KR" b="1" dirty="0"/>
-              <a:t>Before that, please review what we covered</a:t>
-            </a:r>
-          </a:p>
-          <a:p>
-            <a:pPr lvl="1"/>
-            <a:r>
-              <a:rPr lang="en-US" altLang="ko-KR" dirty="0"/>
-              <a:t>Supplement and exercises were uploaded</a:t>
-            </a:r>
-          </a:p>
-          <a:p>
-            <a:pPr lvl="1"/>
-            <a:r>
-              <a:rPr lang="en-US" altLang="ko-KR" dirty="0"/>
-              <a:t>Feel free to ask us! Via…</a:t>
-            </a:r>
-          </a:p>
-          <a:p>
-            <a:pPr lvl="2"/>
-            <a:r>
-              <a:rPr lang="en-US" altLang="ko-KR" dirty="0"/>
-              <a:t>Comment in the page (recommended!)</a:t>
-            </a:r>
-          </a:p>
-          <a:p>
-            <a:pPr lvl="2"/>
-            <a:r>
-              <a:rPr lang="en-US" altLang="ko-KR" dirty="0"/>
-              <a:t>WhatsApp</a:t>
-            </a:r>
-          </a:p>
-          <a:p>
-            <a:pPr lvl="2"/>
-            <a:r>
-              <a:rPr lang="en-US" altLang="ko-KR" dirty="0"/>
-              <a:t>E-mail</a:t>
-            </a:r>
-          </a:p>
-          <a:p>
-            <a:pPr marL="914400" lvl="2" indent="0">
-              <a:buNone/>
-            </a:pPr>
-            <a:endParaRPr lang="en-US" altLang="ko-KR" dirty="0"/>
-          </a:p>
-          <a:p>
-            <a:endParaRPr lang="ko-KR" altLang="en-US" b="1" dirty="0"/>
-          </a:p>
-        </p:txBody>
-      </p:sp>
-      <p:sp>
-        <p:nvSpPr>
-          <p:cNvPr id="4" name="Slide Number Placeholder 3">
-            <a:extLst>
-              <a:ext uri="{FF2B5EF4-FFF2-40B4-BE49-F238E27FC236}">
-                <a16:creationId xmlns:a16="http://schemas.microsoft.com/office/drawing/2014/main" id="{2443618C-030B-412F-B9CC-35B05FC45153}"/>
-              </a:ext>
-            </a:extLst>
-          </p:cNvPr>
-          <p:cNvSpPr>
-            <a:spLocks noGrp="1"/>
-          </p:cNvSpPr>
-          <p:nvPr>
-            <p:ph type="sldNum" sz="quarter" idx="12"/>
-          </p:nvPr>
-        </p:nvSpPr>
-        <p:spPr/>
-        <p:txBody>
-          <a:bodyPr/>
-          <a:lstStyle/>
-          <a:p>
-            <a:fld id="{663C6A4A-F58A-4813-833D-C5F250139976}" type="slidenum">
-              <a:rPr lang="ko-KR" altLang="en-US" smtClean="0"/>
-              <a:t>87</a:t>
-            </a:fld>
-            <a:endParaRPr lang="ko-KR" altLang="en-US"/>
-          </a:p>
-        </p:txBody>
-      </p:sp>
-    </p:spTree>
-    <p:extLst>
-      <p:ext uri="{BB962C8B-B14F-4D97-AF65-F5344CB8AC3E}">
-        <p14:creationId xmlns:p14="http://schemas.microsoft.com/office/powerpoint/2010/main" val="3329435853"/>
-      </p:ext>
-    </p:extLst>
-  </p:cSld>
-  <p:clrMapOvr>
-    <a:masterClrMapping/>
-  </p:clrMapOvr>
-</p:sld>
-</file>
-
-<file path=ppt/slides/slide88.xml><?xml version="1.0" encoding="utf-8"?>
-<p:sld xmlns:a="http://schemas.openxmlformats.org/drawingml/2006/main" xmlns:r="http://schemas.openxmlformats.org/officeDocument/2006/relationships" xmlns:p="http://schemas.openxmlformats.org/presentationml/2006/main">
-  <p:cSld>
-    <p:spTree>
-      <p:nvGrpSpPr>
-        <p:cNvPr id="1" name=""/>
-        <p:cNvGrpSpPr/>
-        <p:nvPr/>
-      </p:nvGrpSpPr>
-      <p:grpSpPr>
-        <a:xfrm>
-          <a:off x="0" y="0"/>
-          <a:ext cx="0" cy="0"/>
-          <a:chOff x="0" y="0"/>
-          <a:chExt cx="0" cy="0"/>
-        </a:xfrm>
-      </p:grpSpPr>
-      <p:sp>
-        <p:nvSpPr>
-          <p:cNvPr id="4" name="Title 3">
-            <a:extLst>
-              <a:ext uri="{FF2B5EF4-FFF2-40B4-BE49-F238E27FC236}">
-                <a16:creationId xmlns:a16="http://schemas.microsoft.com/office/drawing/2014/main" id="{ECB71A0A-8DE0-4D81-B67C-E2D2CD3D3338}"/>
-              </a:ext>
-            </a:extLst>
-          </p:cNvPr>
-          <p:cNvSpPr>
-            <a:spLocks noGrp="1"/>
-          </p:cNvSpPr>
-          <p:nvPr>
-            <p:ph type="ctrTitle"/>
-          </p:nvPr>
-        </p:nvSpPr>
-        <p:spPr>
-          <a:xfrm>
-            <a:off x="0" y="0"/>
-            <a:ext cx="12192000" cy="6858000"/>
-          </a:xfrm>
-        </p:spPr>
-        <p:txBody>
-          <a:bodyPr anchor="ctr"/>
-          <a:lstStyle/>
-          <a:p>
-            <a:r>
-              <a:rPr lang="en-US" altLang="ko-KR" b="1" dirty="0"/>
-              <a:t>Thank you</a:t>
-            </a:r>
-            <a:endParaRPr lang="ko-KR" altLang="en-US" b="1" dirty="0"/>
-          </a:p>
-        </p:txBody>
-      </p:sp>
-      <p:sp>
-        <p:nvSpPr>
-          <p:cNvPr id="5" name="Subtitle 4">
-            <a:extLst>
-              <a:ext uri="{FF2B5EF4-FFF2-40B4-BE49-F238E27FC236}">
-                <a16:creationId xmlns:a16="http://schemas.microsoft.com/office/drawing/2014/main" id="{ED2668E1-F7EE-40AC-B63A-7EEFBE52D675}"/>
-              </a:ext>
-            </a:extLst>
-          </p:cNvPr>
-          <p:cNvSpPr>
-            <a:spLocks noGrp="1"/>
-          </p:cNvSpPr>
-          <p:nvPr>
-            <p:ph type="subTitle" idx="1"/>
-          </p:nvPr>
-        </p:nvSpPr>
-        <p:spPr>
-          <a:xfrm>
-            <a:off x="1524000" y="3509963"/>
-            <a:ext cx="9144000" cy="1655762"/>
-          </a:xfrm>
-        </p:spPr>
-        <p:txBody>
-          <a:bodyPr/>
-          <a:lstStyle/>
-          <a:p>
-            <a:endParaRPr lang="ko-KR" altLang="en-US"/>
-          </a:p>
-        </p:txBody>
-      </p:sp>
-      <p:sp>
-        <p:nvSpPr>
-          <p:cNvPr id="2" name="Slide Number Placeholder 1">
-            <a:extLst>
-              <a:ext uri="{FF2B5EF4-FFF2-40B4-BE49-F238E27FC236}">
-                <a16:creationId xmlns:a16="http://schemas.microsoft.com/office/drawing/2014/main" id="{A410D55B-FDFD-4967-9187-EBF1097F5BBF}"/>
-              </a:ext>
-            </a:extLst>
-          </p:cNvPr>
-          <p:cNvSpPr>
-            <a:spLocks noGrp="1"/>
-          </p:cNvSpPr>
-          <p:nvPr>
-            <p:ph type="sldNum" sz="quarter" idx="12"/>
-          </p:nvPr>
-        </p:nvSpPr>
-        <p:spPr/>
-        <p:txBody>
-          <a:bodyPr/>
-          <a:lstStyle/>
-          <a:p>
-            <a:fld id="{663C6A4A-F58A-4813-833D-C5F250139976}" type="slidenum">
-              <a:rPr lang="ko-KR" altLang="en-US" smtClean="0"/>
-              <a:t>88</a:t>
-            </a:fld>
-            <a:endParaRPr lang="ko-KR" altLang="en-US"/>
-          </a:p>
-        </p:txBody>
-      </p:sp>
-    </p:spTree>
-    <p:extLst>
-      <p:ext uri="{BB962C8B-B14F-4D97-AF65-F5344CB8AC3E}">
-        <p14:creationId xmlns:p14="http://schemas.microsoft.com/office/powerpoint/2010/main" val="3148338244"/>
       </p:ext>
     </p:extLst>
   </p:cSld>
@@ -25863,6 +26380,306 @@
     <p:extLst>
       <p:ext uri="{BB962C8B-B14F-4D97-AF65-F5344CB8AC3E}">
         <p14:creationId xmlns:p14="http://schemas.microsoft.com/office/powerpoint/2010/main" val="784662719"/>
+      </p:ext>
+    </p:extLst>
+  </p:cSld>
+  <p:clrMapOvr>
+    <a:masterClrMapping/>
+  </p:clrMapOvr>
+</p:sld>
+</file>
+
+<file path=ppt/slides/slide90.xml><?xml version="1.0" encoding="utf-8"?>
+<p:sld xmlns:a="http://schemas.openxmlformats.org/drawingml/2006/main" xmlns:r="http://schemas.openxmlformats.org/officeDocument/2006/relationships" xmlns:p="http://schemas.openxmlformats.org/presentationml/2006/main">
+  <p:cSld>
+    <p:spTree>
+      <p:nvGrpSpPr>
+        <p:cNvPr id="1" name=""/>
+        <p:cNvGrpSpPr/>
+        <p:nvPr/>
+      </p:nvGrpSpPr>
+      <p:grpSpPr>
+        <a:xfrm>
+          <a:off x="0" y="0"/>
+          <a:ext cx="0" cy="0"/>
+          <a:chOff x="0" y="0"/>
+          <a:chExt cx="0" cy="0"/>
+        </a:xfrm>
+      </p:grpSpPr>
+      <p:sp>
+        <p:nvSpPr>
+          <p:cNvPr id="2" name="Title 1">
+            <a:extLst>
+              <a:ext uri="{FF2B5EF4-FFF2-40B4-BE49-F238E27FC236}">
+                <a16:creationId xmlns:a16="http://schemas.microsoft.com/office/drawing/2014/main" id="{E0280223-494C-4BF2-8D1C-553F710C8CF5}"/>
+              </a:ext>
+            </a:extLst>
+          </p:cNvPr>
+          <p:cNvSpPr>
+            <a:spLocks noGrp="1"/>
+          </p:cNvSpPr>
+          <p:nvPr>
+            <p:ph type="title"/>
+          </p:nvPr>
+        </p:nvSpPr>
+        <p:spPr/>
+        <p:txBody>
+          <a:bodyPr/>
+          <a:lstStyle/>
+          <a:p>
+            <a:r>
+              <a:rPr lang="en-US" altLang="ko-KR" b="1" dirty="0"/>
+              <a:t>In the Real-time Class…</a:t>
+            </a:r>
+            <a:endParaRPr lang="ko-KR" altLang="en-US" b="1" dirty="0"/>
+          </a:p>
+        </p:txBody>
+      </p:sp>
+      <p:sp>
+        <p:nvSpPr>
+          <p:cNvPr id="3" name="Content Placeholder 2">
+            <a:extLst>
+              <a:ext uri="{FF2B5EF4-FFF2-40B4-BE49-F238E27FC236}">
+                <a16:creationId xmlns:a16="http://schemas.microsoft.com/office/drawing/2014/main" id="{73A80172-1833-499C-92C8-71D421C3E037}"/>
+              </a:ext>
+            </a:extLst>
+          </p:cNvPr>
+          <p:cNvSpPr>
+            <a:spLocks noGrp="1"/>
+          </p:cNvSpPr>
+          <p:nvPr>
+            <p:ph idx="1"/>
+          </p:nvPr>
+        </p:nvSpPr>
+        <p:spPr/>
+        <p:txBody>
+          <a:bodyPr/>
+          <a:lstStyle/>
+          <a:p>
+            <a:r>
+              <a:rPr lang="en-US" altLang="ko-KR" b="1" dirty="0"/>
+              <a:t>We will have a lab session (mini project)</a:t>
+            </a:r>
+          </a:p>
+          <a:p>
+            <a:pPr lvl="1"/>
+            <a:r>
+              <a:rPr lang="en-US" altLang="ko-KR" dirty="0"/>
+              <a:t>We will upload the material as soon as possible</a:t>
+            </a:r>
+          </a:p>
+          <a:p>
+            <a:pPr lvl="1"/>
+            <a:endParaRPr lang="en-US" altLang="ko-KR" dirty="0"/>
+          </a:p>
+          <a:p>
+            <a:r>
+              <a:rPr lang="en-US" altLang="ko-KR" b="1" dirty="0"/>
+              <a:t>Before that, please review what we covered</a:t>
+            </a:r>
+          </a:p>
+          <a:p>
+            <a:pPr lvl="1"/>
+            <a:r>
+              <a:rPr lang="en-US" altLang="ko-KR" dirty="0"/>
+              <a:t>Supplement and exercises were uploaded</a:t>
+            </a:r>
+          </a:p>
+          <a:p>
+            <a:pPr lvl="1"/>
+            <a:r>
+              <a:rPr lang="en-US" altLang="ko-KR" dirty="0"/>
+              <a:t>Feel free to ask us! Via…</a:t>
+            </a:r>
+          </a:p>
+          <a:p>
+            <a:pPr lvl="2"/>
+            <a:r>
+              <a:rPr lang="en-US" altLang="ko-KR" dirty="0"/>
+              <a:t>Comment in the page (recommended!)</a:t>
+            </a:r>
+          </a:p>
+          <a:p>
+            <a:pPr lvl="2"/>
+            <a:r>
+              <a:rPr lang="en-US" altLang="ko-KR" dirty="0"/>
+              <a:t>WhatsApp</a:t>
+            </a:r>
+          </a:p>
+          <a:p>
+            <a:pPr lvl="2"/>
+            <a:r>
+              <a:rPr lang="en-US" altLang="ko-KR" dirty="0"/>
+              <a:t>E-mail</a:t>
+            </a:r>
+          </a:p>
+          <a:p>
+            <a:pPr marL="914400" lvl="2" indent="0">
+              <a:buNone/>
+            </a:pPr>
+            <a:endParaRPr lang="en-US" altLang="ko-KR" dirty="0"/>
+          </a:p>
+          <a:p>
+            <a:endParaRPr lang="ko-KR" altLang="en-US" b="1" dirty="0"/>
+          </a:p>
+        </p:txBody>
+      </p:sp>
+      <p:sp>
+        <p:nvSpPr>
+          <p:cNvPr id="4" name="Slide Number Placeholder 3">
+            <a:extLst>
+              <a:ext uri="{FF2B5EF4-FFF2-40B4-BE49-F238E27FC236}">
+                <a16:creationId xmlns:a16="http://schemas.microsoft.com/office/drawing/2014/main" id="{2443618C-030B-412F-B9CC-35B05FC45153}"/>
+              </a:ext>
+            </a:extLst>
+          </p:cNvPr>
+          <p:cNvSpPr>
+            <a:spLocks noGrp="1"/>
+          </p:cNvSpPr>
+          <p:nvPr>
+            <p:ph type="sldNum" sz="quarter" idx="12"/>
+          </p:nvPr>
+        </p:nvSpPr>
+        <p:spPr/>
+        <p:txBody>
+          <a:bodyPr/>
+          <a:lstStyle/>
+          <a:p>
+            <a:fld id="{663C6A4A-F58A-4813-833D-C5F250139976}" type="slidenum">
+              <a:rPr lang="ko-KR" altLang="en-US" smtClean="0"/>
+              <a:t>90</a:t>
+            </a:fld>
+            <a:endParaRPr lang="ko-KR" altLang="en-US"/>
+          </a:p>
+        </p:txBody>
+      </p:sp>
+    </p:spTree>
+    <p:extLst>
+      <p:ext uri="{BB962C8B-B14F-4D97-AF65-F5344CB8AC3E}">
+        <p14:creationId xmlns:p14="http://schemas.microsoft.com/office/powerpoint/2010/main" val="3329435853"/>
+      </p:ext>
+    </p:extLst>
+  </p:cSld>
+  <p:clrMapOvr>
+    <a:masterClrMapping/>
+  </p:clrMapOvr>
+</p:sld>
+</file>
+
+<file path=ppt/slides/slide91.xml><?xml version="1.0" encoding="utf-8"?>
+<p:sld xmlns:a="http://schemas.openxmlformats.org/drawingml/2006/main" xmlns:r="http://schemas.openxmlformats.org/officeDocument/2006/relationships" xmlns:p="http://schemas.openxmlformats.org/presentationml/2006/main">
+  <p:cSld>
+    <p:spTree>
+      <p:nvGrpSpPr>
+        <p:cNvPr id="1" name=""/>
+        <p:cNvGrpSpPr/>
+        <p:nvPr/>
+      </p:nvGrpSpPr>
+      <p:grpSpPr>
+        <a:xfrm>
+          <a:off x="0" y="0"/>
+          <a:ext cx="0" cy="0"/>
+          <a:chOff x="0" y="0"/>
+          <a:chExt cx="0" cy="0"/>
+        </a:xfrm>
+      </p:grpSpPr>
+      <p:sp>
+        <p:nvSpPr>
+          <p:cNvPr id="4" name="Title 3">
+            <a:extLst>
+              <a:ext uri="{FF2B5EF4-FFF2-40B4-BE49-F238E27FC236}">
+                <a16:creationId xmlns:a16="http://schemas.microsoft.com/office/drawing/2014/main" id="{ECB71A0A-8DE0-4D81-B67C-E2D2CD3D3338}"/>
+              </a:ext>
+            </a:extLst>
+          </p:cNvPr>
+          <p:cNvSpPr>
+            <a:spLocks noGrp="1"/>
+          </p:cNvSpPr>
+          <p:nvPr>
+            <p:ph type="ctrTitle"/>
+          </p:nvPr>
+        </p:nvSpPr>
+        <p:spPr>
+          <a:xfrm>
+            <a:off x="0" y="0"/>
+            <a:ext cx="12192000" cy="6858000"/>
+          </a:xfrm>
+        </p:spPr>
+        <p:txBody>
+          <a:bodyPr anchor="ctr"/>
+          <a:lstStyle/>
+          <a:p>
+            <a:r>
+              <a:rPr lang="en-US" altLang="ko-KR" b="1" dirty="0"/>
+              <a:t>Thank you</a:t>
+            </a:r>
+            <a:endParaRPr lang="ko-KR" altLang="en-US" b="1" dirty="0"/>
+          </a:p>
+        </p:txBody>
+      </p:sp>
+      <p:sp>
+        <p:nvSpPr>
+          <p:cNvPr id="5" name="Subtitle 4">
+            <a:extLst>
+              <a:ext uri="{FF2B5EF4-FFF2-40B4-BE49-F238E27FC236}">
+                <a16:creationId xmlns:a16="http://schemas.microsoft.com/office/drawing/2014/main" id="{ED2668E1-F7EE-40AC-B63A-7EEFBE52D675}"/>
+              </a:ext>
+            </a:extLst>
+          </p:cNvPr>
+          <p:cNvSpPr>
+            <a:spLocks noGrp="1"/>
+          </p:cNvSpPr>
+          <p:nvPr>
+            <p:ph type="subTitle" idx="1"/>
+          </p:nvPr>
+        </p:nvSpPr>
+        <p:spPr>
+          <a:xfrm>
+            <a:off x="1524000" y="3509963"/>
+            <a:ext cx="9144000" cy="1655762"/>
+          </a:xfrm>
+        </p:spPr>
+        <p:txBody>
+          <a:bodyPr/>
+          <a:lstStyle/>
+          <a:p>
+            <a:endParaRPr lang="ko-KR" altLang="en-US"/>
+          </a:p>
+        </p:txBody>
+      </p:sp>
+      <p:sp>
+        <p:nvSpPr>
+          <p:cNvPr id="2" name="Slide Number Placeholder 1">
+            <a:extLst>
+              <a:ext uri="{FF2B5EF4-FFF2-40B4-BE49-F238E27FC236}">
+                <a16:creationId xmlns:a16="http://schemas.microsoft.com/office/drawing/2014/main" id="{A410D55B-FDFD-4967-9187-EBF1097F5BBF}"/>
+              </a:ext>
+            </a:extLst>
+          </p:cNvPr>
+          <p:cNvSpPr>
+            <a:spLocks noGrp="1"/>
+          </p:cNvSpPr>
+          <p:nvPr>
+            <p:ph type="sldNum" sz="quarter" idx="12"/>
+          </p:nvPr>
+        </p:nvSpPr>
+        <p:spPr/>
+        <p:txBody>
+          <a:bodyPr/>
+          <a:lstStyle/>
+          <a:p>
+            <a:fld id="{663C6A4A-F58A-4813-833D-C5F250139976}" type="slidenum">
+              <a:rPr lang="ko-KR" altLang="en-US" smtClean="0"/>
+              <a:t>91</a:t>
+            </a:fld>
+            <a:endParaRPr lang="ko-KR" altLang="en-US"/>
+          </a:p>
+        </p:txBody>
+      </p:sp>
+    </p:spTree>
+    <p:extLst>
+      <p:ext uri="{BB962C8B-B14F-4D97-AF65-F5344CB8AC3E}">
+        <p14:creationId xmlns:p14="http://schemas.microsoft.com/office/powerpoint/2010/main" val="3148338244"/>
       </p:ext>
     </p:extLst>
   </p:cSld>
